--- a/抽卡手游.pptx
+++ b/抽卡手游.pptx
@@ -1,18 +1,21 @@
 
 <file path=ppt/presentation.xml><?xml version="1.0" encoding="utf-8"?>
-<p:presentation xmlns:a="http://schemas.openxmlformats.org/drawingml/2006/main" xmlns:r="http://schemas.openxmlformats.org/officeDocument/2006/relationships" xmlns:p="http://schemas.openxmlformats.org/presentationml/2006/main" saveSubsetFonts="1">
+<p:presentation xmlns:a="http://schemas.openxmlformats.org/drawingml/2006/main" xmlns:r="http://schemas.openxmlformats.org/officeDocument/2006/relationships" xmlns:p="http://schemas.openxmlformats.org/presentationml/2006/main">
   <p:sldMasterIdLst>
     <p:sldMasterId id="2147483648" r:id="rId1"/>
   </p:sldMasterIdLst>
+  <p:notesMasterIdLst>
+    <p:notesMasterId r:id="rId10"/>
+  </p:notesMasterIdLst>
   <p:sldIdLst>
-    <p:sldId id="256" r:id="rId2"/>
-    <p:sldId id="257" r:id="rId3"/>
-    <p:sldId id="258" r:id="rId4"/>
-    <p:sldId id="262" r:id="rId5"/>
-    <p:sldId id="263" r:id="rId6"/>
-    <p:sldId id="259" r:id="rId7"/>
-    <p:sldId id="261" r:id="rId8"/>
-    <p:sldId id="260" r:id="rId9"/>
+    <p:sldId id="256" r:id="rId3"/>
+    <p:sldId id="257" r:id="rId4"/>
+    <p:sldId id="258" r:id="rId5"/>
+    <p:sldId id="262" r:id="rId6"/>
+    <p:sldId id="263" r:id="rId7"/>
+    <p:sldId id="259" r:id="rId8"/>
+    <p:sldId id="261" r:id="rId9"/>
+    <p:sldId id="260" r:id="rId11"/>
   </p:sldIdLst>
   <p:sldSz cx="12192000" cy="6858000"/>
   <p:notesSz cx="6858000" cy="9144000"/>
@@ -111,12 +114,398 @@
       </a:defRPr>
     </a:lvl9pPr>
   </p:defaultTextStyle>
-  <p:extLst>
-    <p:ext uri="{EFAFB233-063F-42B5-8137-9DF3F51BA10A}">
-      <p15:sldGuideLst xmlns:p15="http://schemas.microsoft.com/office/powerpoint/2012/main"/>
-    </p:ext>
-  </p:extLst>
 </p:presentation>
+</file>
+
+<file path=ppt/notesMasters/notesMaster1.xml><?xml version="1.0" encoding="utf-8"?>
+<p:notesMaster xmlns:a="http://schemas.openxmlformats.org/drawingml/2006/main" xmlns:r="http://schemas.openxmlformats.org/officeDocument/2006/relationships" xmlns:p="http://schemas.openxmlformats.org/presentationml/2006/main">
+  <p:cSld>
+    <p:bg>
+      <p:bgRef idx="1001">
+        <a:schemeClr val="bg1"/>
+      </p:bgRef>
+    </p:bg>
+    <p:spTree>
+      <p:nvGrpSpPr>
+        <p:cNvPr id="1" name=""/>
+        <p:cNvGrpSpPr/>
+        <p:nvPr/>
+      </p:nvGrpSpPr>
+      <p:grpSpPr>
+        <a:xfrm>
+          <a:off x="0" y="0"/>
+          <a:ext cx="0" cy="0"/>
+          <a:chOff x="0" y="0"/>
+          <a:chExt cx="0" cy="0"/>
+        </a:xfrm>
+      </p:grpSpPr>
+      <p:sp>
+        <p:nvSpPr>
+          <p:cNvPr id="2" name="页眉占位符 1"/>
+          <p:cNvSpPr>
+            <a:spLocks noGrp="1"/>
+          </p:cNvSpPr>
+          <p:nvPr>
+            <p:ph type="hdr" sz="quarter"/>
+          </p:nvPr>
+        </p:nvSpPr>
+        <p:spPr>
+          <a:xfrm>
+            <a:off x="0" y="0"/>
+            <a:ext cx="2971800" cy="458788"/>
+          </a:xfrm>
+          <a:prstGeom prst="rect">
+            <a:avLst/>
+          </a:prstGeom>
+        </p:spPr>
+        <p:txBody>
+          <a:bodyPr vert="horz" lIns="91440" tIns="45720" rIns="91440" bIns="45720" rtlCol="0"/>
+          <a:lstStyle>
+            <a:lvl1pPr algn="l">
+              <a:defRPr sz="1200"/>
+            </a:lvl1pPr>
+          </a:lstStyle>
+          <a:p>
+            <a:endParaRPr lang="zh-CN" altLang="en-US"/>
+          </a:p>
+        </p:txBody>
+      </p:sp>
+      <p:sp>
+        <p:nvSpPr>
+          <p:cNvPr id="3" name="日期占位符 2"/>
+          <p:cNvSpPr>
+            <a:spLocks noGrp="1"/>
+          </p:cNvSpPr>
+          <p:nvPr>
+            <p:ph type="dt" idx="1"/>
+          </p:nvPr>
+        </p:nvSpPr>
+        <p:spPr>
+          <a:xfrm>
+            <a:off x="3884613" y="0"/>
+            <a:ext cx="2971800" cy="458788"/>
+          </a:xfrm>
+          <a:prstGeom prst="rect">
+            <a:avLst/>
+          </a:prstGeom>
+        </p:spPr>
+        <p:txBody>
+          <a:bodyPr vert="horz" lIns="91440" tIns="45720" rIns="91440" bIns="45720" rtlCol="0"/>
+          <a:lstStyle>
+            <a:lvl1pPr algn="r">
+              <a:defRPr sz="1200"/>
+            </a:lvl1pPr>
+          </a:lstStyle>
+          <a:p>
+            <a:fld id="{D2A48B96-639E-45A3-A0BA-2464DFDB1FAA}" type="datetimeFigureOut">
+              <a:rPr lang="zh-CN" altLang="en-US" smtClean="0"/>
+            </a:fld>
+            <a:endParaRPr lang="zh-CN" altLang="en-US"/>
+          </a:p>
+        </p:txBody>
+      </p:sp>
+      <p:sp>
+        <p:nvSpPr>
+          <p:cNvPr id="4" name="幻灯片图像占位符 3"/>
+          <p:cNvSpPr>
+            <a:spLocks noGrp="1" noRot="1" noChangeAspect="1"/>
+          </p:cNvSpPr>
+          <p:nvPr>
+            <p:ph type="sldImg" idx="2"/>
+          </p:nvPr>
+        </p:nvSpPr>
+        <p:spPr>
+          <a:xfrm>
+            <a:off x="685800" y="1143000"/>
+            <a:ext cx="5486400" cy="3086100"/>
+          </a:xfrm>
+          <a:prstGeom prst="rect">
+            <a:avLst/>
+          </a:prstGeom>
+          <a:noFill/>
+          <a:ln w="12700">
+            <a:solidFill>
+              <a:prstClr val="black"/>
+            </a:solidFill>
+          </a:ln>
+        </p:spPr>
+        <p:txBody>
+          <a:bodyPr vert="horz" lIns="91440" tIns="45720" rIns="91440" bIns="45720" rtlCol="0" anchor="ctr"/>
+          <a:lstStyle/>
+          <a:p>
+            <a:endParaRPr lang="zh-CN" altLang="en-US"/>
+          </a:p>
+        </p:txBody>
+      </p:sp>
+      <p:sp>
+        <p:nvSpPr>
+          <p:cNvPr id="5" name="备注占位符 4"/>
+          <p:cNvSpPr>
+            <a:spLocks noGrp="1"/>
+          </p:cNvSpPr>
+          <p:nvPr>
+            <p:ph type="body" sz="quarter" idx="3"/>
+          </p:nvPr>
+        </p:nvSpPr>
+        <p:spPr>
+          <a:xfrm>
+            <a:off x="685800" y="4400550"/>
+            <a:ext cx="5486400" cy="3600450"/>
+          </a:xfrm>
+          <a:prstGeom prst="rect">
+            <a:avLst/>
+          </a:prstGeom>
+        </p:spPr>
+        <p:txBody>
+          <a:bodyPr vert="horz" lIns="91440" tIns="45720" rIns="91440" bIns="45720" rtlCol="0"/>
+          <a:lstStyle/>
+          <a:p>
+            <a:pPr lvl="0"/>
+            <a:r>
+              <a:rPr lang="zh-CN" altLang="en-US" smtClean="0"/>
+              <a:t>单击此处编辑母版文本样式</a:t>
+            </a:r>
+            <a:endParaRPr lang="zh-CN" altLang="en-US" smtClean="0"/>
+          </a:p>
+          <a:p>
+            <a:pPr lvl="1"/>
+            <a:r>
+              <a:rPr lang="zh-CN" altLang="en-US" smtClean="0"/>
+              <a:t>第二级</a:t>
+            </a:r>
+            <a:endParaRPr lang="zh-CN" altLang="en-US" smtClean="0"/>
+          </a:p>
+          <a:p>
+            <a:pPr lvl="2"/>
+            <a:r>
+              <a:rPr lang="zh-CN" altLang="en-US" smtClean="0"/>
+              <a:t>第三级</a:t>
+            </a:r>
+            <a:endParaRPr lang="zh-CN" altLang="en-US" smtClean="0"/>
+          </a:p>
+          <a:p>
+            <a:pPr lvl="3"/>
+            <a:r>
+              <a:rPr lang="zh-CN" altLang="en-US" smtClean="0"/>
+              <a:t>第四级</a:t>
+            </a:r>
+            <a:endParaRPr lang="zh-CN" altLang="en-US" smtClean="0"/>
+          </a:p>
+          <a:p>
+            <a:pPr lvl="4"/>
+            <a:r>
+              <a:rPr lang="zh-CN" altLang="en-US" smtClean="0"/>
+              <a:t>第五级</a:t>
+            </a:r>
+            <a:endParaRPr lang="zh-CN" altLang="en-US"/>
+          </a:p>
+        </p:txBody>
+      </p:sp>
+      <p:sp>
+        <p:nvSpPr>
+          <p:cNvPr id="6" name="页脚占位符 5"/>
+          <p:cNvSpPr>
+            <a:spLocks noGrp="1"/>
+          </p:cNvSpPr>
+          <p:nvPr>
+            <p:ph type="ftr" sz="quarter" idx="4"/>
+          </p:nvPr>
+        </p:nvSpPr>
+        <p:spPr>
+          <a:xfrm>
+            <a:off x="0" y="8685213"/>
+            <a:ext cx="2971800" cy="458787"/>
+          </a:xfrm>
+          <a:prstGeom prst="rect">
+            <a:avLst/>
+          </a:prstGeom>
+        </p:spPr>
+        <p:txBody>
+          <a:bodyPr vert="horz" lIns="91440" tIns="45720" rIns="91440" bIns="45720" rtlCol="0" anchor="b"/>
+          <a:lstStyle>
+            <a:lvl1pPr algn="l">
+              <a:defRPr sz="1200"/>
+            </a:lvl1pPr>
+          </a:lstStyle>
+          <a:p>
+            <a:endParaRPr lang="zh-CN" altLang="en-US"/>
+          </a:p>
+        </p:txBody>
+      </p:sp>
+      <p:sp>
+        <p:nvSpPr>
+          <p:cNvPr id="7" name="灯片编号占位符 6"/>
+          <p:cNvSpPr>
+            <a:spLocks noGrp="1"/>
+          </p:cNvSpPr>
+          <p:nvPr>
+            <p:ph type="sldNum" sz="quarter" idx="5"/>
+          </p:nvPr>
+        </p:nvSpPr>
+        <p:spPr>
+          <a:xfrm>
+            <a:off x="3884613" y="8685213"/>
+            <a:ext cx="2971800" cy="458787"/>
+          </a:xfrm>
+          <a:prstGeom prst="rect">
+            <a:avLst/>
+          </a:prstGeom>
+        </p:spPr>
+        <p:txBody>
+          <a:bodyPr vert="horz" lIns="91440" tIns="45720" rIns="91440" bIns="45720" rtlCol="0" anchor="b"/>
+          <a:lstStyle>
+            <a:lvl1pPr algn="r">
+              <a:defRPr sz="1200"/>
+            </a:lvl1pPr>
+          </a:lstStyle>
+          <a:p>
+            <a:fld id="{A6837353-30EB-4A48-80EB-173D804AEFBD}" type="slidenum">
+              <a:rPr lang="zh-CN" altLang="en-US" smtClean="0"/>
+            </a:fld>
+            <a:endParaRPr lang="zh-CN" altLang="en-US"/>
+          </a:p>
+        </p:txBody>
+      </p:sp>
+    </p:spTree>
+  </p:cSld>
+  <p:clrMap bg1="lt1" tx1="dk1" bg2="lt2" tx2="dk2" accent1="accent1" accent2="accent2" accent3="accent3" accent4="accent4" accent5="accent5" accent6="accent6" hlink="hlink" folHlink="folHlink"/>
+  <p:notesStyle>
+    <a:lvl1pPr marL="0" algn="l" defTabSz="914400" rtl="0" eaLnBrk="1" latinLnBrk="0" hangingPunct="1">
+      <a:defRPr sz="1200" kern="1200">
+        <a:solidFill>
+          <a:schemeClr val="tx1"/>
+        </a:solidFill>
+        <a:latin typeface="+mn-lt"/>
+        <a:ea typeface="+mn-ea"/>
+        <a:cs typeface="+mn-cs"/>
+      </a:defRPr>
+    </a:lvl1pPr>
+    <a:lvl2pPr marL="457200" algn="l" defTabSz="914400" rtl="0" eaLnBrk="1" latinLnBrk="0" hangingPunct="1">
+      <a:defRPr sz="1200" kern="1200">
+        <a:solidFill>
+          <a:schemeClr val="tx1"/>
+        </a:solidFill>
+        <a:latin typeface="+mn-lt"/>
+        <a:ea typeface="+mn-ea"/>
+        <a:cs typeface="+mn-cs"/>
+      </a:defRPr>
+    </a:lvl2pPr>
+    <a:lvl3pPr marL="914400" algn="l" defTabSz="914400" rtl="0" eaLnBrk="1" latinLnBrk="0" hangingPunct="1">
+      <a:defRPr sz="1200" kern="1200">
+        <a:solidFill>
+          <a:schemeClr val="tx1"/>
+        </a:solidFill>
+        <a:latin typeface="+mn-lt"/>
+        <a:ea typeface="+mn-ea"/>
+        <a:cs typeface="+mn-cs"/>
+      </a:defRPr>
+    </a:lvl3pPr>
+    <a:lvl4pPr marL="1371600" algn="l" defTabSz="914400" rtl="0" eaLnBrk="1" latinLnBrk="0" hangingPunct="1">
+      <a:defRPr sz="1200" kern="1200">
+        <a:solidFill>
+          <a:schemeClr val="tx1"/>
+        </a:solidFill>
+        <a:latin typeface="+mn-lt"/>
+        <a:ea typeface="+mn-ea"/>
+        <a:cs typeface="+mn-cs"/>
+      </a:defRPr>
+    </a:lvl4pPr>
+    <a:lvl5pPr marL="1828800" algn="l" defTabSz="914400" rtl="0" eaLnBrk="1" latinLnBrk="0" hangingPunct="1">
+      <a:defRPr sz="1200" kern="1200">
+        <a:solidFill>
+          <a:schemeClr val="tx1"/>
+        </a:solidFill>
+        <a:latin typeface="+mn-lt"/>
+        <a:ea typeface="+mn-ea"/>
+        <a:cs typeface="+mn-cs"/>
+      </a:defRPr>
+    </a:lvl5pPr>
+    <a:lvl6pPr marL="2286000" algn="l" defTabSz="914400" rtl="0" eaLnBrk="1" latinLnBrk="0" hangingPunct="1">
+      <a:defRPr sz="1200" kern="1200">
+        <a:solidFill>
+          <a:schemeClr val="tx1"/>
+        </a:solidFill>
+        <a:latin typeface="+mn-lt"/>
+        <a:ea typeface="+mn-ea"/>
+        <a:cs typeface="+mn-cs"/>
+      </a:defRPr>
+    </a:lvl6pPr>
+    <a:lvl7pPr marL="2743200" algn="l" defTabSz="914400" rtl="0" eaLnBrk="1" latinLnBrk="0" hangingPunct="1">
+      <a:defRPr sz="1200" kern="1200">
+        <a:solidFill>
+          <a:schemeClr val="tx1"/>
+        </a:solidFill>
+        <a:latin typeface="+mn-lt"/>
+        <a:ea typeface="+mn-ea"/>
+        <a:cs typeface="+mn-cs"/>
+      </a:defRPr>
+    </a:lvl7pPr>
+    <a:lvl8pPr marL="3200400" algn="l" defTabSz="914400" rtl="0" eaLnBrk="1" latinLnBrk="0" hangingPunct="1">
+      <a:defRPr sz="1200" kern="1200">
+        <a:solidFill>
+          <a:schemeClr val="tx1"/>
+        </a:solidFill>
+        <a:latin typeface="+mn-lt"/>
+        <a:ea typeface="+mn-ea"/>
+        <a:cs typeface="+mn-cs"/>
+      </a:defRPr>
+    </a:lvl8pPr>
+    <a:lvl9pPr marL="3657600" algn="l" defTabSz="914400" rtl="0" eaLnBrk="1" latinLnBrk="0" hangingPunct="1">
+      <a:defRPr sz="1200" kern="1200">
+        <a:solidFill>
+          <a:schemeClr val="tx1"/>
+        </a:solidFill>
+        <a:latin typeface="+mn-lt"/>
+        <a:ea typeface="+mn-ea"/>
+        <a:cs typeface="+mn-cs"/>
+      </a:defRPr>
+    </a:lvl9pPr>
+  </p:notesStyle>
+</p:notesMaster>
+</file>
+
+<file path=ppt/notesSlides/notesSlide1.xml><?xml version="1.0" encoding="utf-8"?>
+<p:notes xmlns:a="http://schemas.openxmlformats.org/drawingml/2006/main" xmlns:r="http://schemas.openxmlformats.org/officeDocument/2006/relationships" xmlns:p="http://schemas.openxmlformats.org/presentationml/2006/main">
+  <p:cSld>
+    <p:spTree>
+      <p:nvGrpSpPr>
+        <p:cNvPr id="1" name=""/>
+        <p:cNvGrpSpPr/>
+        <p:nvPr/>
+      </p:nvGrpSpPr>
+      <p:grpSpPr/>
+      <p:sp>
+        <p:nvSpPr>
+          <p:cNvPr id="2" name="幻灯片图像占位符 1"/>
+          <p:cNvSpPr/>
+          <p:nvPr>
+            <p:ph type="sldImg" idx="2"/>
+          </p:nvPr>
+        </p:nvSpPr>
+        <p:spPr/>
+      </p:sp>
+      <p:sp>
+        <p:nvSpPr>
+          <p:cNvPr id="3" name="文本占位符 2"/>
+          <p:cNvSpPr/>
+          <p:nvPr>
+            <p:ph type="body" idx="3"/>
+          </p:nvPr>
+        </p:nvSpPr>
+        <p:spPr/>
+        <p:txBody>
+          <a:bodyPr/>
+          <a:p>
+            <a:endParaRPr lang="zh-CN" altLang="en-US"/>
+          </a:p>
+        </p:txBody>
+      </p:sp>
+    </p:spTree>
+  </p:cSld>
+  <p:clrMapOvr>
+    <a:masterClrMapping/>
+  </p:clrMapOvr>
+</p:notes>
 </file>
 
 <file path=ppt/slideLayouts/slideLayout1.xml><?xml version="1.0" encoding="utf-8"?>
@@ -138,13 +527,7 @@
       </p:grpSpPr>
       <p:sp>
         <p:nvSpPr>
-          <p:cNvPr id="2" name="标题 1">
-            <a:extLst>
-              <a:ext uri="{FF2B5EF4-FFF2-40B4-BE49-F238E27FC236}">
-                <a16:creationId xmlns:a16="http://schemas.microsoft.com/office/drawing/2014/main" id="{F1EEE74F-954D-4E60-BB6A-946C1682C12E}"/>
-              </a:ext>
-            </a:extLst>
-          </p:cNvPr>
+          <p:cNvPr id="2" name="标题 1"/>
           <p:cNvSpPr>
             <a:spLocks noGrp="1"/>
           </p:cNvSpPr>
@@ -170,18 +553,13 @@
               <a:rPr lang="zh-CN" altLang="en-US"/>
               <a:t>单击此处编辑母版标题样式</a:t>
             </a:r>
-          </a:p>
-        </p:txBody>
-      </p:sp>
-      <p:sp>
-        <p:nvSpPr>
-          <p:cNvPr id="3" name="副标题 2">
-            <a:extLst>
-              <a:ext uri="{FF2B5EF4-FFF2-40B4-BE49-F238E27FC236}">
-                <a16:creationId xmlns:a16="http://schemas.microsoft.com/office/drawing/2014/main" id="{72F4EE6A-5F4E-494B-BC9A-6FF524F454E8}"/>
-              </a:ext>
-            </a:extLst>
-          </p:cNvPr>
+            <a:endParaRPr lang="zh-CN" altLang="en-US"/>
+          </a:p>
+        </p:txBody>
+      </p:sp>
+      <p:sp>
+        <p:nvSpPr>
+          <p:cNvPr id="3" name="副标题 2"/>
           <p:cNvSpPr>
             <a:spLocks noGrp="1"/>
           </p:cNvSpPr>
@@ -240,18 +618,13 @@
               <a:rPr lang="zh-CN" altLang="en-US"/>
               <a:t>单击此处编辑母版副标题样式</a:t>
             </a:r>
-          </a:p>
-        </p:txBody>
-      </p:sp>
-      <p:sp>
-        <p:nvSpPr>
-          <p:cNvPr id="4" name="日期占位符 3">
-            <a:extLst>
-              <a:ext uri="{FF2B5EF4-FFF2-40B4-BE49-F238E27FC236}">
-                <a16:creationId xmlns:a16="http://schemas.microsoft.com/office/drawing/2014/main" id="{39C9C9AE-9BA8-4738-9B27-19F7DF420CB5}"/>
-              </a:ext>
-            </a:extLst>
-          </p:cNvPr>
+            <a:endParaRPr lang="zh-CN" altLang="en-US"/>
+          </a:p>
+        </p:txBody>
+      </p:sp>
+      <p:sp>
+        <p:nvSpPr>
+          <p:cNvPr id="4" name="日期占位符 3"/>
           <p:cNvSpPr>
             <a:spLocks noGrp="1"/>
           </p:cNvSpPr>
@@ -266,7 +639,6 @@
           <a:p>
             <a:fld id="{5AD20816-3703-4B36-A03B-6CEA84674823}" type="datetimeFigureOut">
               <a:rPr lang="zh-CN" altLang="en-US" smtClean="0"/>
-              <a:t>2020/7/6</a:t>
             </a:fld>
             <a:endParaRPr lang="zh-CN" altLang="en-US"/>
           </a:p>
@@ -274,13 +646,7 @@
       </p:sp>
       <p:sp>
         <p:nvSpPr>
-          <p:cNvPr id="5" name="页脚占位符 4">
-            <a:extLst>
-              <a:ext uri="{FF2B5EF4-FFF2-40B4-BE49-F238E27FC236}">
-                <a16:creationId xmlns:a16="http://schemas.microsoft.com/office/drawing/2014/main" id="{A847B625-FFF8-46D4-9F68-BDEFACDB8840}"/>
-              </a:ext>
-            </a:extLst>
-          </p:cNvPr>
+          <p:cNvPr id="5" name="页脚占位符 4"/>
           <p:cNvSpPr>
             <a:spLocks noGrp="1"/>
           </p:cNvSpPr>
@@ -299,13 +665,7 @@
       </p:sp>
       <p:sp>
         <p:nvSpPr>
-          <p:cNvPr id="6" name="灯片编号占位符 5">
-            <a:extLst>
-              <a:ext uri="{FF2B5EF4-FFF2-40B4-BE49-F238E27FC236}">
-                <a16:creationId xmlns:a16="http://schemas.microsoft.com/office/drawing/2014/main" id="{0AC64A4F-01E0-46F3-8286-CB986ACD3A25}"/>
-              </a:ext>
-            </a:extLst>
-          </p:cNvPr>
+          <p:cNvPr id="6" name="灯片编号占位符 5"/>
           <p:cNvSpPr>
             <a:spLocks noGrp="1"/>
           </p:cNvSpPr>
@@ -320,18 +680,12 @@
           <a:p>
             <a:fld id="{1AD5F6A7-CD3C-4EF4-868A-B12F0998E4AD}" type="slidenum">
               <a:rPr lang="zh-CN" altLang="en-US" smtClean="0"/>
-              <a:t>‹#›</a:t>
             </a:fld>
             <a:endParaRPr lang="zh-CN" altLang="en-US"/>
           </a:p>
         </p:txBody>
       </p:sp>
     </p:spTree>
-    <p:extLst>
-      <p:ext uri="{BB962C8B-B14F-4D97-AF65-F5344CB8AC3E}">
-        <p14:creationId xmlns:p14="http://schemas.microsoft.com/office/powerpoint/2010/main" val="2168402284"/>
-      </p:ext>
-    </p:extLst>
   </p:cSld>
   <p:clrMapOvr>
     <a:masterClrMapping/>
@@ -358,13 +712,7 @@
       </p:grpSpPr>
       <p:sp>
         <p:nvSpPr>
-          <p:cNvPr id="2" name="标题 1">
-            <a:extLst>
-              <a:ext uri="{FF2B5EF4-FFF2-40B4-BE49-F238E27FC236}">
-                <a16:creationId xmlns:a16="http://schemas.microsoft.com/office/drawing/2014/main" id="{0F998EE8-F040-494B-B933-AAC65338F1F1}"/>
-              </a:ext>
-            </a:extLst>
-          </p:cNvPr>
+          <p:cNvPr id="2" name="标题 1"/>
           <p:cNvSpPr>
             <a:spLocks noGrp="1"/>
           </p:cNvSpPr>
@@ -381,18 +729,13 @@
               <a:rPr lang="zh-CN" altLang="en-US"/>
               <a:t>单击此处编辑母版标题样式</a:t>
             </a:r>
-          </a:p>
-        </p:txBody>
-      </p:sp>
-      <p:sp>
-        <p:nvSpPr>
-          <p:cNvPr id="3" name="竖排文字占位符 2">
-            <a:extLst>
-              <a:ext uri="{FF2B5EF4-FFF2-40B4-BE49-F238E27FC236}">
-                <a16:creationId xmlns:a16="http://schemas.microsoft.com/office/drawing/2014/main" id="{F3993F00-24BE-42E4-8432-102D62A8EDB9}"/>
-              </a:ext>
-            </a:extLst>
-          </p:cNvPr>
+            <a:endParaRPr lang="zh-CN" altLang="en-US"/>
+          </a:p>
+        </p:txBody>
+      </p:sp>
+      <p:sp>
+        <p:nvSpPr>
+          <p:cNvPr id="3" name="竖排文字占位符 2"/>
           <p:cNvSpPr>
             <a:spLocks noGrp="1"/>
           </p:cNvSpPr>
@@ -410,6 +753,7 @@
               <a:rPr lang="zh-CN" altLang="en-US"/>
               <a:t>单击此处编辑母版文本样式</a:t>
             </a:r>
+            <a:endParaRPr lang="zh-CN" altLang="en-US"/>
           </a:p>
           <a:p>
             <a:pPr lvl="1"/>
@@ -417,6 +761,7 @@
               <a:rPr lang="zh-CN" altLang="en-US"/>
               <a:t>二级</a:t>
             </a:r>
+            <a:endParaRPr lang="zh-CN" altLang="en-US"/>
           </a:p>
           <a:p>
             <a:pPr lvl="2"/>
@@ -424,6 +769,7 @@
               <a:rPr lang="zh-CN" altLang="en-US"/>
               <a:t>三级</a:t>
             </a:r>
+            <a:endParaRPr lang="zh-CN" altLang="en-US"/>
           </a:p>
           <a:p>
             <a:pPr lvl="3"/>
@@ -431,6 +777,7 @@
               <a:rPr lang="zh-CN" altLang="en-US"/>
               <a:t>四级</a:t>
             </a:r>
+            <a:endParaRPr lang="zh-CN" altLang="en-US"/>
           </a:p>
           <a:p>
             <a:pPr lvl="4"/>
@@ -438,18 +785,13 @@
               <a:rPr lang="zh-CN" altLang="en-US"/>
               <a:t>五级</a:t>
             </a:r>
-          </a:p>
-        </p:txBody>
-      </p:sp>
-      <p:sp>
-        <p:nvSpPr>
-          <p:cNvPr id="4" name="日期占位符 3">
-            <a:extLst>
-              <a:ext uri="{FF2B5EF4-FFF2-40B4-BE49-F238E27FC236}">
-                <a16:creationId xmlns:a16="http://schemas.microsoft.com/office/drawing/2014/main" id="{C2EFD853-1298-4455-8CD6-B0E40175BBFF}"/>
-              </a:ext>
-            </a:extLst>
-          </p:cNvPr>
+            <a:endParaRPr lang="zh-CN" altLang="en-US"/>
+          </a:p>
+        </p:txBody>
+      </p:sp>
+      <p:sp>
+        <p:nvSpPr>
+          <p:cNvPr id="4" name="日期占位符 3"/>
           <p:cNvSpPr>
             <a:spLocks noGrp="1"/>
           </p:cNvSpPr>
@@ -464,7 +806,6 @@
           <a:p>
             <a:fld id="{5AD20816-3703-4B36-A03B-6CEA84674823}" type="datetimeFigureOut">
               <a:rPr lang="zh-CN" altLang="en-US" smtClean="0"/>
-              <a:t>2020/7/6</a:t>
             </a:fld>
             <a:endParaRPr lang="zh-CN" altLang="en-US"/>
           </a:p>
@@ -472,13 +813,7 @@
       </p:sp>
       <p:sp>
         <p:nvSpPr>
-          <p:cNvPr id="5" name="页脚占位符 4">
-            <a:extLst>
-              <a:ext uri="{FF2B5EF4-FFF2-40B4-BE49-F238E27FC236}">
-                <a16:creationId xmlns:a16="http://schemas.microsoft.com/office/drawing/2014/main" id="{4AC5847D-1134-4733-8F78-BE0779C14755}"/>
-              </a:ext>
-            </a:extLst>
-          </p:cNvPr>
+          <p:cNvPr id="5" name="页脚占位符 4"/>
           <p:cNvSpPr>
             <a:spLocks noGrp="1"/>
           </p:cNvSpPr>
@@ -497,13 +832,7 @@
       </p:sp>
       <p:sp>
         <p:nvSpPr>
-          <p:cNvPr id="6" name="灯片编号占位符 5">
-            <a:extLst>
-              <a:ext uri="{FF2B5EF4-FFF2-40B4-BE49-F238E27FC236}">
-                <a16:creationId xmlns:a16="http://schemas.microsoft.com/office/drawing/2014/main" id="{5B02CC2B-B899-445A-A73F-85777D1F3F9D}"/>
-              </a:ext>
-            </a:extLst>
-          </p:cNvPr>
+          <p:cNvPr id="6" name="灯片编号占位符 5"/>
           <p:cNvSpPr>
             <a:spLocks noGrp="1"/>
           </p:cNvSpPr>
@@ -518,18 +847,12 @@
           <a:p>
             <a:fld id="{1AD5F6A7-CD3C-4EF4-868A-B12F0998E4AD}" type="slidenum">
               <a:rPr lang="zh-CN" altLang="en-US" smtClean="0"/>
-              <a:t>‹#›</a:t>
             </a:fld>
             <a:endParaRPr lang="zh-CN" altLang="en-US"/>
           </a:p>
         </p:txBody>
       </p:sp>
     </p:spTree>
-    <p:extLst>
-      <p:ext uri="{BB962C8B-B14F-4D97-AF65-F5344CB8AC3E}">
-        <p14:creationId xmlns:p14="http://schemas.microsoft.com/office/powerpoint/2010/main" val="3661493626"/>
-      </p:ext>
-    </p:extLst>
   </p:cSld>
   <p:clrMapOvr>
     <a:masterClrMapping/>
@@ -556,13 +879,7 @@
       </p:grpSpPr>
       <p:sp>
         <p:nvSpPr>
-          <p:cNvPr id="2" name="竖排标题 1">
-            <a:extLst>
-              <a:ext uri="{FF2B5EF4-FFF2-40B4-BE49-F238E27FC236}">
-                <a16:creationId xmlns:a16="http://schemas.microsoft.com/office/drawing/2014/main" id="{B9A91956-71DF-49E6-BA4C-A4767A3C1CA6}"/>
-              </a:ext>
-            </a:extLst>
-          </p:cNvPr>
+          <p:cNvPr id="2" name="竖排标题 1"/>
           <p:cNvSpPr>
             <a:spLocks noGrp="1"/>
           </p:cNvSpPr>
@@ -584,18 +901,13 @@
               <a:rPr lang="zh-CN" altLang="en-US"/>
               <a:t>单击此处编辑母版标题样式</a:t>
             </a:r>
-          </a:p>
-        </p:txBody>
-      </p:sp>
-      <p:sp>
-        <p:nvSpPr>
-          <p:cNvPr id="3" name="竖排文字占位符 2">
-            <a:extLst>
-              <a:ext uri="{FF2B5EF4-FFF2-40B4-BE49-F238E27FC236}">
-                <a16:creationId xmlns:a16="http://schemas.microsoft.com/office/drawing/2014/main" id="{1E042298-BC80-4EC6-9288-47F0E5164BB1}"/>
-              </a:ext>
-            </a:extLst>
-          </p:cNvPr>
+            <a:endParaRPr lang="zh-CN" altLang="en-US"/>
+          </a:p>
+        </p:txBody>
+      </p:sp>
+      <p:sp>
+        <p:nvSpPr>
+          <p:cNvPr id="3" name="竖排文字占位符 2"/>
           <p:cNvSpPr>
             <a:spLocks noGrp="1"/>
           </p:cNvSpPr>
@@ -618,6 +930,7 @@
               <a:rPr lang="zh-CN" altLang="en-US"/>
               <a:t>单击此处编辑母版文本样式</a:t>
             </a:r>
+            <a:endParaRPr lang="zh-CN" altLang="en-US"/>
           </a:p>
           <a:p>
             <a:pPr lvl="1"/>
@@ -625,6 +938,7 @@
               <a:rPr lang="zh-CN" altLang="en-US"/>
               <a:t>二级</a:t>
             </a:r>
+            <a:endParaRPr lang="zh-CN" altLang="en-US"/>
           </a:p>
           <a:p>
             <a:pPr lvl="2"/>
@@ -632,6 +946,7 @@
               <a:rPr lang="zh-CN" altLang="en-US"/>
               <a:t>三级</a:t>
             </a:r>
+            <a:endParaRPr lang="zh-CN" altLang="en-US"/>
           </a:p>
           <a:p>
             <a:pPr lvl="3"/>
@@ -639,6 +954,7 @@
               <a:rPr lang="zh-CN" altLang="en-US"/>
               <a:t>四级</a:t>
             </a:r>
+            <a:endParaRPr lang="zh-CN" altLang="en-US"/>
           </a:p>
           <a:p>
             <a:pPr lvl="4"/>
@@ -646,18 +962,13 @@
               <a:rPr lang="zh-CN" altLang="en-US"/>
               <a:t>五级</a:t>
             </a:r>
-          </a:p>
-        </p:txBody>
-      </p:sp>
-      <p:sp>
-        <p:nvSpPr>
-          <p:cNvPr id="4" name="日期占位符 3">
-            <a:extLst>
-              <a:ext uri="{FF2B5EF4-FFF2-40B4-BE49-F238E27FC236}">
-                <a16:creationId xmlns:a16="http://schemas.microsoft.com/office/drawing/2014/main" id="{A6BF4E1C-5927-48FF-B045-E4DD101D85B3}"/>
-              </a:ext>
-            </a:extLst>
-          </p:cNvPr>
+            <a:endParaRPr lang="zh-CN" altLang="en-US"/>
+          </a:p>
+        </p:txBody>
+      </p:sp>
+      <p:sp>
+        <p:nvSpPr>
+          <p:cNvPr id="4" name="日期占位符 3"/>
           <p:cNvSpPr>
             <a:spLocks noGrp="1"/>
           </p:cNvSpPr>
@@ -672,7 +983,6 @@
           <a:p>
             <a:fld id="{5AD20816-3703-4B36-A03B-6CEA84674823}" type="datetimeFigureOut">
               <a:rPr lang="zh-CN" altLang="en-US" smtClean="0"/>
-              <a:t>2020/7/6</a:t>
             </a:fld>
             <a:endParaRPr lang="zh-CN" altLang="en-US"/>
           </a:p>
@@ -680,13 +990,7 @@
       </p:sp>
       <p:sp>
         <p:nvSpPr>
-          <p:cNvPr id="5" name="页脚占位符 4">
-            <a:extLst>
-              <a:ext uri="{FF2B5EF4-FFF2-40B4-BE49-F238E27FC236}">
-                <a16:creationId xmlns:a16="http://schemas.microsoft.com/office/drawing/2014/main" id="{398DC441-2B64-4C9A-968F-79DE4D55C23F}"/>
-              </a:ext>
-            </a:extLst>
-          </p:cNvPr>
+          <p:cNvPr id="5" name="页脚占位符 4"/>
           <p:cNvSpPr>
             <a:spLocks noGrp="1"/>
           </p:cNvSpPr>
@@ -705,13 +1009,7 @@
       </p:sp>
       <p:sp>
         <p:nvSpPr>
-          <p:cNvPr id="6" name="灯片编号占位符 5">
-            <a:extLst>
-              <a:ext uri="{FF2B5EF4-FFF2-40B4-BE49-F238E27FC236}">
-                <a16:creationId xmlns:a16="http://schemas.microsoft.com/office/drawing/2014/main" id="{A0F3E69C-9E7F-4674-842D-09CC09DF3CB5}"/>
-              </a:ext>
-            </a:extLst>
-          </p:cNvPr>
+          <p:cNvPr id="6" name="灯片编号占位符 5"/>
           <p:cNvSpPr>
             <a:spLocks noGrp="1"/>
           </p:cNvSpPr>
@@ -726,18 +1024,12 @@
           <a:p>
             <a:fld id="{1AD5F6A7-CD3C-4EF4-868A-B12F0998E4AD}" type="slidenum">
               <a:rPr lang="zh-CN" altLang="en-US" smtClean="0"/>
-              <a:t>‹#›</a:t>
             </a:fld>
             <a:endParaRPr lang="zh-CN" altLang="en-US"/>
           </a:p>
         </p:txBody>
       </p:sp>
     </p:spTree>
-    <p:extLst>
-      <p:ext uri="{BB962C8B-B14F-4D97-AF65-F5344CB8AC3E}">
-        <p14:creationId xmlns:p14="http://schemas.microsoft.com/office/powerpoint/2010/main" val="4267040978"/>
-      </p:ext>
-    </p:extLst>
   </p:cSld>
   <p:clrMapOvr>
     <a:masterClrMapping/>
@@ -764,13 +1056,7 @@
       </p:grpSpPr>
       <p:sp>
         <p:nvSpPr>
-          <p:cNvPr id="2" name="标题 1">
-            <a:extLst>
-              <a:ext uri="{FF2B5EF4-FFF2-40B4-BE49-F238E27FC236}">
-                <a16:creationId xmlns:a16="http://schemas.microsoft.com/office/drawing/2014/main" id="{1E77F6DB-CD28-48F6-BE5B-C33AA40E9E3C}"/>
-              </a:ext>
-            </a:extLst>
-          </p:cNvPr>
+          <p:cNvPr id="2" name="标题 1"/>
           <p:cNvSpPr>
             <a:spLocks noGrp="1"/>
           </p:cNvSpPr>
@@ -787,18 +1073,13 @@
               <a:rPr lang="zh-CN" altLang="en-US"/>
               <a:t>单击此处编辑母版标题样式</a:t>
             </a:r>
-          </a:p>
-        </p:txBody>
-      </p:sp>
-      <p:sp>
-        <p:nvSpPr>
-          <p:cNvPr id="3" name="内容占位符 2">
-            <a:extLst>
-              <a:ext uri="{FF2B5EF4-FFF2-40B4-BE49-F238E27FC236}">
-                <a16:creationId xmlns:a16="http://schemas.microsoft.com/office/drawing/2014/main" id="{03FE27FE-4D69-4F9E-A4ED-5279963A8691}"/>
-              </a:ext>
-            </a:extLst>
-          </p:cNvPr>
+            <a:endParaRPr lang="zh-CN" altLang="en-US"/>
+          </a:p>
+        </p:txBody>
+      </p:sp>
+      <p:sp>
+        <p:nvSpPr>
+          <p:cNvPr id="3" name="内容占位符 2"/>
           <p:cNvSpPr>
             <a:spLocks noGrp="1"/>
           </p:cNvSpPr>
@@ -816,6 +1097,7 @@
               <a:rPr lang="zh-CN" altLang="en-US"/>
               <a:t>单击此处编辑母版文本样式</a:t>
             </a:r>
+            <a:endParaRPr lang="zh-CN" altLang="en-US"/>
           </a:p>
           <a:p>
             <a:pPr lvl="1"/>
@@ -823,6 +1105,7 @@
               <a:rPr lang="zh-CN" altLang="en-US"/>
               <a:t>二级</a:t>
             </a:r>
+            <a:endParaRPr lang="zh-CN" altLang="en-US"/>
           </a:p>
           <a:p>
             <a:pPr lvl="2"/>
@@ -830,6 +1113,7 @@
               <a:rPr lang="zh-CN" altLang="en-US"/>
               <a:t>三级</a:t>
             </a:r>
+            <a:endParaRPr lang="zh-CN" altLang="en-US"/>
           </a:p>
           <a:p>
             <a:pPr lvl="3"/>
@@ -837,6 +1121,7 @@
               <a:rPr lang="zh-CN" altLang="en-US"/>
               <a:t>四级</a:t>
             </a:r>
+            <a:endParaRPr lang="zh-CN" altLang="en-US"/>
           </a:p>
           <a:p>
             <a:pPr lvl="4"/>
@@ -844,18 +1129,13 @@
               <a:rPr lang="zh-CN" altLang="en-US"/>
               <a:t>五级</a:t>
             </a:r>
-          </a:p>
-        </p:txBody>
-      </p:sp>
-      <p:sp>
-        <p:nvSpPr>
-          <p:cNvPr id="4" name="日期占位符 3">
-            <a:extLst>
-              <a:ext uri="{FF2B5EF4-FFF2-40B4-BE49-F238E27FC236}">
-                <a16:creationId xmlns:a16="http://schemas.microsoft.com/office/drawing/2014/main" id="{BE2A1438-8636-4DAF-AB1B-0173BD00BD64}"/>
-              </a:ext>
-            </a:extLst>
-          </p:cNvPr>
+            <a:endParaRPr lang="zh-CN" altLang="en-US"/>
+          </a:p>
+        </p:txBody>
+      </p:sp>
+      <p:sp>
+        <p:nvSpPr>
+          <p:cNvPr id="4" name="日期占位符 3"/>
           <p:cNvSpPr>
             <a:spLocks noGrp="1"/>
           </p:cNvSpPr>
@@ -870,7 +1150,6 @@
           <a:p>
             <a:fld id="{5AD20816-3703-4B36-A03B-6CEA84674823}" type="datetimeFigureOut">
               <a:rPr lang="zh-CN" altLang="en-US" smtClean="0"/>
-              <a:t>2020/7/6</a:t>
             </a:fld>
             <a:endParaRPr lang="zh-CN" altLang="en-US"/>
           </a:p>
@@ -878,13 +1157,7 @@
       </p:sp>
       <p:sp>
         <p:nvSpPr>
-          <p:cNvPr id="5" name="页脚占位符 4">
-            <a:extLst>
-              <a:ext uri="{FF2B5EF4-FFF2-40B4-BE49-F238E27FC236}">
-                <a16:creationId xmlns:a16="http://schemas.microsoft.com/office/drawing/2014/main" id="{6320A54A-1239-474D-B807-B6D3E1466D44}"/>
-              </a:ext>
-            </a:extLst>
-          </p:cNvPr>
+          <p:cNvPr id="5" name="页脚占位符 4"/>
           <p:cNvSpPr>
             <a:spLocks noGrp="1"/>
           </p:cNvSpPr>
@@ -903,13 +1176,7 @@
       </p:sp>
       <p:sp>
         <p:nvSpPr>
-          <p:cNvPr id="6" name="灯片编号占位符 5">
-            <a:extLst>
-              <a:ext uri="{FF2B5EF4-FFF2-40B4-BE49-F238E27FC236}">
-                <a16:creationId xmlns:a16="http://schemas.microsoft.com/office/drawing/2014/main" id="{9C93B39E-2A7B-4861-BE5A-A95945CB2A8B}"/>
-              </a:ext>
-            </a:extLst>
-          </p:cNvPr>
+          <p:cNvPr id="6" name="灯片编号占位符 5"/>
           <p:cNvSpPr>
             <a:spLocks noGrp="1"/>
           </p:cNvSpPr>
@@ -924,18 +1191,12 @@
           <a:p>
             <a:fld id="{1AD5F6A7-CD3C-4EF4-868A-B12F0998E4AD}" type="slidenum">
               <a:rPr lang="zh-CN" altLang="en-US" smtClean="0"/>
-              <a:t>‹#›</a:t>
             </a:fld>
             <a:endParaRPr lang="zh-CN" altLang="en-US"/>
           </a:p>
         </p:txBody>
       </p:sp>
     </p:spTree>
-    <p:extLst>
-      <p:ext uri="{BB962C8B-B14F-4D97-AF65-F5344CB8AC3E}">
-        <p14:creationId xmlns:p14="http://schemas.microsoft.com/office/powerpoint/2010/main" val="810983804"/>
-      </p:ext>
-    </p:extLst>
   </p:cSld>
   <p:clrMapOvr>
     <a:masterClrMapping/>
@@ -962,13 +1223,7 @@
       </p:grpSpPr>
       <p:sp>
         <p:nvSpPr>
-          <p:cNvPr id="2" name="标题 1">
-            <a:extLst>
-              <a:ext uri="{FF2B5EF4-FFF2-40B4-BE49-F238E27FC236}">
-                <a16:creationId xmlns:a16="http://schemas.microsoft.com/office/drawing/2014/main" id="{1ED4CF4F-C439-4268-86C6-42E97AB2619C}"/>
-              </a:ext>
-            </a:extLst>
-          </p:cNvPr>
+          <p:cNvPr id="2" name="标题 1"/>
           <p:cNvSpPr>
             <a:spLocks noGrp="1"/>
           </p:cNvSpPr>
@@ -994,18 +1249,13 @@
               <a:rPr lang="zh-CN" altLang="en-US"/>
               <a:t>单击此处编辑母版标题样式</a:t>
             </a:r>
-          </a:p>
-        </p:txBody>
-      </p:sp>
-      <p:sp>
-        <p:nvSpPr>
-          <p:cNvPr id="3" name="文本占位符 2">
-            <a:extLst>
-              <a:ext uri="{FF2B5EF4-FFF2-40B4-BE49-F238E27FC236}">
-                <a16:creationId xmlns:a16="http://schemas.microsoft.com/office/drawing/2014/main" id="{A2B1860D-FBE4-4D05-A075-343A1F40FFD1}"/>
-              </a:ext>
-            </a:extLst>
-          </p:cNvPr>
+            <a:endParaRPr lang="zh-CN" altLang="en-US"/>
+          </a:p>
+        </p:txBody>
+      </p:sp>
+      <p:sp>
+        <p:nvSpPr>
+          <p:cNvPr id="3" name="文本占位符 2"/>
           <p:cNvSpPr>
             <a:spLocks noGrp="1"/>
           </p:cNvSpPr>
@@ -1119,18 +1369,13 @@
               <a:rPr lang="zh-CN" altLang="en-US"/>
               <a:t>单击此处编辑母版文本样式</a:t>
             </a:r>
-          </a:p>
-        </p:txBody>
-      </p:sp>
-      <p:sp>
-        <p:nvSpPr>
-          <p:cNvPr id="4" name="日期占位符 3">
-            <a:extLst>
-              <a:ext uri="{FF2B5EF4-FFF2-40B4-BE49-F238E27FC236}">
-                <a16:creationId xmlns:a16="http://schemas.microsoft.com/office/drawing/2014/main" id="{6EB11602-9DCE-496E-BB18-7FE699B97690}"/>
-              </a:ext>
-            </a:extLst>
-          </p:cNvPr>
+            <a:endParaRPr lang="zh-CN" altLang="en-US"/>
+          </a:p>
+        </p:txBody>
+      </p:sp>
+      <p:sp>
+        <p:nvSpPr>
+          <p:cNvPr id="4" name="日期占位符 3"/>
           <p:cNvSpPr>
             <a:spLocks noGrp="1"/>
           </p:cNvSpPr>
@@ -1145,7 +1390,6 @@
           <a:p>
             <a:fld id="{5AD20816-3703-4B36-A03B-6CEA84674823}" type="datetimeFigureOut">
               <a:rPr lang="zh-CN" altLang="en-US" smtClean="0"/>
-              <a:t>2020/7/6</a:t>
             </a:fld>
             <a:endParaRPr lang="zh-CN" altLang="en-US"/>
           </a:p>
@@ -1153,13 +1397,7 @@
       </p:sp>
       <p:sp>
         <p:nvSpPr>
-          <p:cNvPr id="5" name="页脚占位符 4">
-            <a:extLst>
-              <a:ext uri="{FF2B5EF4-FFF2-40B4-BE49-F238E27FC236}">
-                <a16:creationId xmlns:a16="http://schemas.microsoft.com/office/drawing/2014/main" id="{957C3D99-6F6E-47C3-AA1E-D4656AD826F3}"/>
-              </a:ext>
-            </a:extLst>
-          </p:cNvPr>
+          <p:cNvPr id="5" name="页脚占位符 4"/>
           <p:cNvSpPr>
             <a:spLocks noGrp="1"/>
           </p:cNvSpPr>
@@ -1178,13 +1416,7 @@
       </p:sp>
       <p:sp>
         <p:nvSpPr>
-          <p:cNvPr id="6" name="灯片编号占位符 5">
-            <a:extLst>
-              <a:ext uri="{FF2B5EF4-FFF2-40B4-BE49-F238E27FC236}">
-                <a16:creationId xmlns:a16="http://schemas.microsoft.com/office/drawing/2014/main" id="{7602147E-E06C-47AE-AEB8-52A26613A69C}"/>
-              </a:ext>
-            </a:extLst>
-          </p:cNvPr>
+          <p:cNvPr id="6" name="灯片编号占位符 5"/>
           <p:cNvSpPr>
             <a:spLocks noGrp="1"/>
           </p:cNvSpPr>
@@ -1199,18 +1431,12 @@
           <a:p>
             <a:fld id="{1AD5F6A7-CD3C-4EF4-868A-B12F0998E4AD}" type="slidenum">
               <a:rPr lang="zh-CN" altLang="en-US" smtClean="0"/>
-              <a:t>‹#›</a:t>
             </a:fld>
             <a:endParaRPr lang="zh-CN" altLang="en-US"/>
           </a:p>
         </p:txBody>
       </p:sp>
     </p:spTree>
-    <p:extLst>
-      <p:ext uri="{BB962C8B-B14F-4D97-AF65-F5344CB8AC3E}">
-        <p14:creationId xmlns:p14="http://schemas.microsoft.com/office/powerpoint/2010/main" val="508538676"/>
-      </p:ext>
-    </p:extLst>
   </p:cSld>
   <p:clrMapOvr>
     <a:masterClrMapping/>
@@ -1237,13 +1463,7 @@
       </p:grpSpPr>
       <p:sp>
         <p:nvSpPr>
-          <p:cNvPr id="2" name="标题 1">
-            <a:extLst>
-              <a:ext uri="{FF2B5EF4-FFF2-40B4-BE49-F238E27FC236}">
-                <a16:creationId xmlns:a16="http://schemas.microsoft.com/office/drawing/2014/main" id="{463DA5B7-0F2F-4818-8D10-6409AFAA5286}"/>
-              </a:ext>
-            </a:extLst>
-          </p:cNvPr>
+          <p:cNvPr id="2" name="标题 1"/>
           <p:cNvSpPr>
             <a:spLocks noGrp="1"/>
           </p:cNvSpPr>
@@ -1260,18 +1480,13 @@
               <a:rPr lang="zh-CN" altLang="en-US"/>
               <a:t>单击此处编辑母版标题样式</a:t>
             </a:r>
-          </a:p>
-        </p:txBody>
-      </p:sp>
-      <p:sp>
-        <p:nvSpPr>
-          <p:cNvPr id="3" name="内容占位符 2">
-            <a:extLst>
-              <a:ext uri="{FF2B5EF4-FFF2-40B4-BE49-F238E27FC236}">
-                <a16:creationId xmlns:a16="http://schemas.microsoft.com/office/drawing/2014/main" id="{D4E589C7-3267-438E-912F-7FFCD7C04F92}"/>
-              </a:ext>
-            </a:extLst>
-          </p:cNvPr>
+            <a:endParaRPr lang="zh-CN" altLang="en-US"/>
+          </a:p>
+        </p:txBody>
+      </p:sp>
+      <p:sp>
+        <p:nvSpPr>
+          <p:cNvPr id="3" name="内容占位符 2"/>
           <p:cNvSpPr>
             <a:spLocks noGrp="1"/>
           </p:cNvSpPr>
@@ -1294,6 +1509,7 @@
               <a:rPr lang="zh-CN" altLang="en-US"/>
               <a:t>单击此处编辑母版文本样式</a:t>
             </a:r>
+            <a:endParaRPr lang="zh-CN" altLang="en-US"/>
           </a:p>
           <a:p>
             <a:pPr lvl="1"/>
@@ -1301,6 +1517,7 @@
               <a:rPr lang="zh-CN" altLang="en-US"/>
               <a:t>二级</a:t>
             </a:r>
+            <a:endParaRPr lang="zh-CN" altLang="en-US"/>
           </a:p>
           <a:p>
             <a:pPr lvl="2"/>
@@ -1308,6 +1525,7 @@
               <a:rPr lang="zh-CN" altLang="en-US"/>
               <a:t>三级</a:t>
             </a:r>
+            <a:endParaRPr lang="zh-CN" altLang="en-US"/>
           </a:p>
           <a:p>
             <a:pPr lvl="3"/>
@@ -1315,6 +1533,7 @@
               <a:rPr lang="zh-CN" altLang="en-US"/>
               <a:t>四级</a:t>
             </a:r>
+            <a:endParaRPr lang="zh-CN" altLang="en-US"/>
           </a:p>
           <a:p>
             <a:pPr lvl="4"/>
@@ -1322,18 +1541,13 @@
               <a:rPr lang="zh-CN" altLang="en-US"/>
               <a:t>五级</a:t>
             </a:r>
-          </a:p>
-        </p:txBody>
-      </p:sp>
-      <p:sp>
-        <p:nvSpPr>
-          <p:cNvPr id="4" name="内容占位符 3">
-            <a:extLst>
-              <a:ext uri="{FF2B5EF4-FFF2-40B4-BE49-F238E27FC236}">
-                <a16:creationId xmlns:a16="http://schemas.microsoft.com/office/drawing/2014/main" id="{7CAFD117-0E5C-47B4-9DE1-84C20485B373}"/>
-              </a:ext>
-            </a:extLst>
-          </p:cNvPr>
+            <a:endParaRPr lang="zh-CN" altLang="en-US"/>
+          </a:p>
+        </p:txBody>
+      </p:sp>
+      <p:sp>
+        <p:nvSpPr>
+          <p:cNvPr id="4" name="内容占位符 3"/>
           <p:cNvSpPr>
             <a:spLocks noGrp="1"/>
           </p:cNvSpPr>
@@ -1356,6 +1570,7 @@
               <a:rPr lang="zh-CN" altLang="en-US"/>
               <a:t>单击此处编辑母版文本样式</a:t>
             </a:r>
+            <a:endParaRPr lang="zh-CN" altLang="en-US"/>
           </a:p>
           <a:p>
             <a:pPr lvl="1"/>
@@ -1363,6 +1578,7 @@
               <a:rPr lang="zh-CN" altLang="en-US"/>
               <a:t>二级</a:t>
             </a:r>
+            <a:endParaRPr lang="zh-CN" altLang="en-US"/>
           </a:p>
           <a:p>
             <a:pPr lvl="2"/>
@@ -1370,6 +1586,7 @@
               <a:rPr lang="zh-CN" altLang="en-US"/>
               <a:t>三级</a:t>
             </a:r>
+            <a:endParaRPr lang="zh-CN" altLang="en-US"/>
           </a:p>
           <a:p>
             <a:pPr lvl="3"/>
@@ -1377,6 +1594,7 @@
               <a:rPr lang="zh-CN" altLang="en-US"/>
               <a:t>四级</a:t>
             </a:r>
+            <a:endParaRPr lang="zh-CN" altLang="en-US"/>
           </a:p>
           <a:p>
             <a:pPr lvl="4"/>
@@ -1384,18 +1602,13 @@
               <a:rPr lang="zh-CN" altLang="en-US"/>
               <a:t>五级</a:t>
             </a:r>
-          </a:p>
-        </p:txBody>
-      </p:sp>
-      <p:sp>
-        <p:nvSpPr>
-          <p:cNvPr id="5" name="日期占位符 4">
-            <a:extLst>
-              <a:ext uri="{FF2B5EF4-FFF2-40B4-BE49-F238E27FC236}">
-                <a16:creationId xmlns:a16="http://schemas.microsoft.com/office/drawing/2014/main" id="{ED744124-A6FD-46A8-A56F-832BA37854A4}"/>
-              </a:ext>
-            </a:extLst>
-          </p:cNvPr>
+            <a:endParaRPr lang="zh-CN" altLang="en-US"/>
+          </a:p>
+        </p:txBody>
+      </p:sp>
+      <p:sp>
+        <p:nvSpPr>
+          <p:cNvPr id="5" name="日期占位符 4"/>
           <p:cNvSpPr>
             <a:spLocks noGrp="1"/>
           </p:cNvSpPr>
@@ -1410,7 +1623,6 @@
           <a:p>
             <a:fld id="{5AD20816-3703-4B36-A03B-6CEA84674823}" type="datetimeFigureOut">
               <a:rPr lang="zh-CN" altLang="en-US" smtClean="0"/>
-              <a:t>2020/7/6</a:t>
             </a:fld>
             <a:endParaRPr lang="zh-CN" altLang="en-US"/>
           </a:p>
@@ -1418,13 +1630,7 @@
       </p:sp>
       <p:sp>
         <p:nvSpPr>
-          <p:cNvPr id="6" name="页脚占位符 5">
-            <a:extLst>
-              <a:ext uri="{FF2B5EF4-FFF2-40B4-BE49-F238E27FC236}">
-                <a16:creationId xmlns:a16="http://schemas.microsoft.com/office/drawing/2014/main" id="{F79FE23C-EE07-45B8-9986-7D3CE9AF7E84}"/>
-              </a:ext>
-            </a:extLst>
-          </p:cNvPr>
+          <p:cNvPr id="6" name="页脚占位符 5"/>
           <p:cNvSpPr>
             <a:spLocks noGrp="1"/>
           </p:cNvSpPr>
@@ -1443,13 +1649,7 @@
       </p:sp>
       <p:sp>
         <p:nvSpPr>
-          <p:cNvPr id="7" name="灯片编号占位符 6">
-            <a:extLst>
-              <a:ext uri="{FF2B5EF4-FFF2-40B4-BE49-F238E27FC236}">
-                <a16:creationId xmlns:a16="http://schemas.microsoft.com/office/drawing/2014/main" id="{7B907FBD-6E09-4552-A9BE-B837097BE63F}"/>
-              </a:ext>
-            </a:extLst>
-          </p:cNvPr>
+          <p:cNvPr id="7" name="灯片编号占位符 6"/>
           <p:cNvSpPr>
             <a:spLocks noGrp="1"/>
           </p:cNvSpPr>
@@ -1464,18 +1664,12 @@
           <a:p>
             <a:fld id="{1AD5F6A7-CD3C-4EF4-868A-B12F0998E4AD}" type="slidenum">
               <a:rPr lang="zh-CN" altLang="en-US" smtClean="0"/>
-              <a:t>‹#›</a:t>
             </a:fld>
             <a:endParaRPr lang="zh-CN" altLang="en-US"/>
           </a:p>
         </p:txBody>
       </p:sp>
     </p:spTree>
-    <p:extLst>
-      <p:ext uri="{BB962C8B-B14F-4D97-AF65-F5344CB8AC3E}">
-        <p14:creationId xmlns:p14="http://schemas.microsoft.com/office/powerpoint/2010/main" val="774010869"/>
-      </p:ext>
-    </p:extLst>
   </p:cSld>
   <p:clrMapOvr>
     <a:masterClrMapping/>
@@ -1502,13 +1696,7 @@
       </p:grpSpPr>
       <p:sp>
         <p:nvSpPr>
-          <p:cNvPr id="2" name="标题 1">
-            <a:extLst>
-              <a:ext uri="{FF2B5EF4-FFF2-40B4-BE49-F238E27FC236}">
-                <a16:creationId xmlns:a16="http://schemas.microsoft.com/office/drawing/2014/main" id="{28794613-C7DC-47AD-997E-E264BEE5CD06}"/>
-              </a:ext>
-            </a:extLst>
-          </p:cNvPr>
+          <p:cNvPr id="2" name="标题 1"/>
           <p:cNvSpPr>
             <a:spLocks noGrp="1"/>
           </p:cNvSpPr>
@@ -1530,18 +1718,13 @@
               <a:rPr lang="zh-CN" altLang="en-US"/>
               <a:t>单击此处编辑母版标题样式</a:t>
             </a:r>
-          </a:p>
-        </p:txBody>
-      </p:sp>
-      <p:sp>
-        <p:nvSpPr>
-          <p:cNvPr id="3" name="文本占位符 2">
-            <a:extLst>
-              <a:ext uri="{FF2B5EF4-FFF2-40B4-BE49-F238E27FC236}">
-                <a16:creationId xmlns:a16="http://schemas.microsoft.com/office/drawing/2014/main" id="{C8DAB25B-00C6-454A-ABFE-6F491C36634B}"/>
-              </a:ext>
-            </a:extLst>
-          </p:cNvPr>
+            <a:endParaRPr lang="zh-CN" altLang="en-US"/>
+          </a:p>
+        </p:txBody>
+      </p:sp>
+      <p:sp>
+        <p:nvSpPr>
+          <p:cNvPr id="3" name="文本占位符 2"/>
           <p:cNvSpPr>
             <a:spLocks noGrp="1"/>
           </p:cNvSpPr>
@@ -1601,18 +1784,13 @@
               <a:rPr lang="zh-CN" altLang="en-US"/>
               <a:t>单击此处编辑母版文本样式</a:t>
             </a:r>
-          </a:p>
-        </p:txBody>
-      </p:sp>
-      <p:sp>
-        <p:nvSpPr>
-          <p:cNvPr id="4" name="内容占位符 3">
-            <a:extLst>
-              <a:ext uri="{FF2B5EF4-FFF2-40B4-BE49-F238E27FC236}">
-                <a16:creationId xmlns:a16="http://schemas.microsoft.com/office/drawing/2014/main" id="{4F0163A7-6B3A-40E2-98C9-D261F49E9A63}"/>
-              </a:ext>
-            </a:extLst>
-          </p:cNvPr>
+            <a:endParaRPr lang="zh-CN" altLang="en-US"/>
+          </a:p>
+        </p:txBody>
+      </p:sp>
+      <p:sp>
+        <p:nvSpPr>
+          <p:cNvPr id="4" name="内容占位符 3"/>
           <p:cNvSpPr>
             <a:spLocks noGrp="1"/>
           </p:cNvSpPr>
@@ -1635,6 +1813,7 @@
               <a:rPr lang="zh-CN" altLang="en-US"/>
               <a:t>单击此处编辑母版文本样式</a:t>
             </a:r>
+            <a:endParaRPr lang="zh-CN" altLang="en-US"/>
           </a:p>
           <a:p>
             <a:pPr lvl="1"/>
@@ -1642,6 +1821,7 @@
               <a:rPr lang="zh-CN" altLang="en-US"/>
               <a:t>二级</a:t>
             </a:r>
+            <a:endParaRPr lang="zh-CN" altLang="en-US"/>
           </a:p>
           <a:p>
             <a:pPr lvl="2"/>
@@ -1649,6 +1829,7 @@
               <a:rPr lang="zh-CN" altLang="en-US"/>
               <a:t>三级</a:t>
             </a:r>
+            <a:endParaRPr lang="zh-CN" altLang="en-US"/>
           </a:p>
           <a:p>
             <a:pPr lvl="3"/>
@@ -1656,6 +1837,7 @@
               <a:rPr lang="zh-CN" altLang="en-US"/>
               <a:t>四级</a:t>
             </a:r>
+            <a:endParaRPr lang="zh-CN" altLang="en-US"/>
           </a:p>
           <a:p>
             <a:pPr lvl="4"/>
@@ -1663,18 +1845,13 @@
               <a:rPr lang="zh-CN" altLang="en-US"/>
               <a:t>五级</a:t>
             </a:r>
-          </a:p>
-        </p:txBody>
-      </p:sp>
-      <p:sp>
-        <p:nvSpPr>
-          <p:cNvPr id="5" name="文本占位符 4">
-            <a:extLst>
-              <a:ext uri="{FF2B5EF4-FFF2-40B4-BE49-F238E27FC236}">
-                <a16:creationId xmlns:a16="http://schemas.microsoft.com/office/drawing/2014/main" id="{3E0859DB-BD02-4E0D-ACD7-22DF06F28F55}"/>
-              </a:ext>
-            </a:extLst>
-          </p:cNvPr>
+            <a:endParaRPr lang="zh-CN" altLang="en-US"/>
+          </a:p>
+        </p:txBody>
+      </p:sp>
+      <p:sp>
+        <p:nvSpPr>
+          <p:cNvPr id="5" name="文本占位符 4"/>
           <p:cNvSpPr>
             <a:spLocks noGrp="1"/>
           </p:cNvSpPr>
@@ -1734,18 +1911,13 @@
               <a:rPr lang="zh-CN" altLang="en-US"/>
               <a:t>单击此处编辑母版文本样式</a:t>
             </a:r>
-          </a:p>
-        </p:txBody>
-      </p:sp>
-      <p:sp>
-        <p:nvSpPr>
-          <p:cNvPr id="6" name="内容占位符 5">
-            <a:extLst>
-              <a:ext uri="{FF2B5EF4-FFF2-40B4-BE49-F238E27FC236}">
-                <a16:creationId xmlns:a16="http://schemas.microsoft.com/office/drawing/2014/main" id="{42300FB9-F28F-41F1-B113-051449B1AE58}"/>
-              </a:ext>
-            </a:extLst>
-          </p:cNvPr>
+            <a:endParaRPr lang="zh-CN" altLang="en-US"/>
+          </a:p>
+        </p:txBody>
+      </p:sp>
+      <p:sp>
+        <p:nvSpPr>
+          <p:cNvPr id="6" name="内容占位符 5"/>
           <p:cNvSpPr>
             <a:spLocks noGrp="1"/>
           </p:cNvSpPr>
@@ -1768,6 +1940,7 @@
               <a:rPr lang="zh-CN" altLang="en-US"/>
               <a:t>单击此处编辑母版文本样式</a:t>
             </a:r>
+            <a:endParaRPr lang="zh-CN" altLang="en-US"/>
           </a:p>
           <a:p>
             <a:pPr lvl="1"/>
@@ -1775,6 +1948,7 @@
               <a:rPr lang="zh-CN" altLang="en-US"/>
               <a:t>二级</a:t>
             </a:r>
+            <a:endParaRPr lang="zh-CN" altLang="en-US"/>
           </a:p>
           <a:p>
             <a:pPr lvl="2"/>
@@ -1782,6 +1956,7 @@
               <a:rPr lang="zh-CN" altLang="en-US"/>
               <a:t>三级</a:t>
             </a:r>
+            <a:endParaRPr lang="zh-CN" altLang="en-US"/>
           </a:p>
           <a:p>
             <a:pPr lvl="3"/>
@@ -1789,6 +1964,7 @@
               <a:rPr lang="zh-CN" altLang="en-US"/>
               <a:t>四级</a:t>
             </a:r>
+            <a:endParaRPr lang="zh-CN" altLang="en-US"/>
           </a:p>
           <a:p>
             <a:pPr lvl="4"/>
@@ -1796,18 +1972,13 @@
               <a:rPr lang="zh-CN" altLang="en-US"/>
               <a:t>五级</a:t>
             </a:r>
-          </a:p>
-        </p:txBody>
-      </p:sp>
-      <p:sp>
-        <p:nvSpPr>
-          <p:cNvPr id="7" name="日期占位符 6">
-            <a:extLst>
-              <a:ext uri="{FF2B5EF4-FFF2-40B4-BE49-F238E27FC236}">
-                <a16:creationId xmlns:a16="http://schemas.microsoft.com/office/drawing/2014/main" id="{8D07B182-1F35-46D2-AFCB-2B3A1397140A}"/>
-              </a:ext>
-            </a:extLst>
-          </p:cNvPr>
+            <a:endParaRPr lang="zh-CN" altLang="en-US"/>
+          </a:p>
+        </p:txBody>
+      </p:sp>
+      <p:sp>
+        <p:nvSpPr>
+          <p:cNvPr id="7" name="日期占位符 6"/>
           <p:cNvSpPr>
             <a:spLocks noGrp="1"/>
           </p:cNvSpPr>
@@ -1822,7 +1993,6 @@
           <a:p>
             <a:fld id="{5AD20816-3703-4B36-A03B-6CEA84674823}" type="datetimeFigureOut">
               <a:rPr lang="zh-CN" altLang="en-US" smtClean="0"/>
-              <a:t>2020/7/6</a:t>
             </a:fld>
             <a:endParaRPr lang="zh-CN" altLang="en-US"/>
           </a:p>
@@ -1830,13 +2000,7 @@
       </p:sp>
       <p:sp>
         <p:nvSpPr>
-          <p:cNvPr id="8" name="页脚占位符 7">
-            <a:extLst>
-              <a:ext uri="{FF2B5EF4-FFF2-40B4-BE49-F238E27FC236}">
-                <a16:creationId xmlns:a16="http://schemas.microsoft.com/office/drawing/2014/main" id="{2EDD2E0D-A43D-4109-BE3F-F72E3884F2A1}"/>
-              </a:ext>
-            </a:extLst>
-          </p:cNvPr>
+          <p:cNvPr id="8" name="页脚占位符 7"/>
           <p:cNvSpPr>
             <a:spLocks noGrp="1"/>
           </p:cNvSpPr>
@@ -1855,13 +2019,7 @@
       </p:sp>
       <p:sp>
         <p:nvSpPr>
-          <p:cNvPr id="9" name="灯片编号占位符 8">
-            <a:extLst>
-              <a:ext uri="{FF2B5EF4-FFF2-40B4-BE49-F238E27FC236}">
-                <a16:creationId xmlns:a16="http://schemas.microsoft.com/office/drawing/2014/main" id="{E1BF48B0-5484-429C-883D-E6DAB95A9F0A}"/>
-              </a:ext>
-            </a:extLst>
-          </p:cNvPr>
+          <p:cNvPr id="9" name="灯片编号占位符 8"/>
           <p:cNvSpPr>
             <a:spLocks noGrp="1"/>
           </p:cNvSpPr>
@@ -1876,18 +2034,12 @@
           <a:p>
             <a:fld id="{1AD5F6A7-CD3C-4EF4-868A-B12F0998E4AD}" type="slidenum">
               <a:rPr lang="zh-CN" altLang="en-US" smtClean="0"/>
-              <a:t>‹#›</a:t>
             </a:fld>
             <a:endParaRPr lang="zh-CN" altLang="en-US"/>
           </a:p>
         </p:txBody>
       </p:sp>
     </p:spTree>
-    <p:extLst>
-      <p:ext uri="{BB962C8B-B14F-4D97-AF65-F5344CB8AC3E}">
-        <p14:creationId xmlns:p14="http://schemas.microsoft.com/office/powerpoint/2010/main" val="3689044983"/>
-      </p:ext>
-    </p:extLst>
   </p:cSld>
   <p:clrMapOvr>
     <a:masterClrMapping/>
@@ -1914,13 +2066,7 @@
       </p:grpSpPr>
       <p:sp>
         <p:nvSpPr>
-          <p:cNvPr id="2" name="标题 1">
-            <a:extLst>
-              <a:ext uri="{FF2B5EF4-FFF2-40B4-BE49-F238E27FC236}">
-                <a16:creationId xmlns:a16="http://schemas.microsoft.com/office/drawing/2014/main" id="{22065A58-0603-47C0-AB24-3F51BFB57358}"/>
-              </a:ext>
-            </a:extLst>
-          </p:cNvPr>
+          <p:cNvPr id="2" name="标题 1"/>
           <p:cNvSpPr>
             <a:spLocks noGrp="1"/>
           </p:cNvSpPr>
@@ -1937,18 +2083,13 @@
               <a:rPr lang="zh-CN" altLang="en-US"/>
               <a:t>单击此处编辑母版标题样式</a:t>
             </a:r>
-          </a:p>
-        </p:txBody>
-      </p:sp>
-      <p:sp>
-        <p:nvSpPr>
-          <p:cNvPr id="3" name="日期占位符 2">
-            <a:extLst>
-              <a:ext uri="{FF2B5EF4-FFF2-40B4-BE49-F238E27FC236}">
-                <a16:creationId xmlns:a16="http://schemas.microsoft.com/office/drawing/2014/main" id="{91C46653-49DD-4D87-8913-A6739E5370EB}"/>
-              </a:ext>
-            </a:extLst>
-          </p:cNvPr>
+            <a:endParaRPr lang="zh-CN" altLang="en-US"/>
+          </a:p>
+        </p:txBody>
+      </p:sp>
+      <p:sp>
+        <p:nvSpPr>
+          <p:cNvPr id="3" name="日期占位符 2"/>
           <p:cNvSpPr>
             <a:spLocks noGrp="1"/>
           </p:cNvSpPr>
@@ -1963,7 +2104,6 @@
           <a:p>
             <a:fld id="{5AD20816-3703-4B36-A03B-6CEA84674823}" type="datetimeFigureOut">
               <a:rPr lang="zh-CN" altLang="en-US" smtClean="0"/>
-              <a:t>2020/7/6</a:t>
             </a:fld>
             <a:endParaRPr lang="zh-CN" altLang="en-US"/>
           </a:p>
@@ -1971,13 +2111,7 @@
       </p:sp>
       <p:sp>
         <p:nvSpPr>
-          <p:cNvPr id="4" name="页脚占位符 3">
-            <a:extLst>
-              <a:ext uri="{FF2B5EF4-FFF2-40B4-BE49-F238E27FC236}">
-                <a16:creationId xmlns:a16="http://schemas.microsoft.com/office/drawing/2014/main" id="{77E6D844-FFB5-422C-93F7-04B1988B6D14}"/>
-              </a:ext>
-            </a:extLst>
-          </p:cNvPr>
+          <p:cNvPr id="4" name="页脚占位符 3"/>
           <p:cNvSpPr>
             <a:spLocks noGrp="1"/>
           </p:cNvSpPr>
@@ -1996,13 +2130,7 @@
       </p:sp>
       <p:sp>
         <p:nvSpPr>
-          <p:cNvPr id="5" name="灯片编号占位符 4">
-            <a:extLst>
-              <a:ext uri="{FF2B5EF4-FFF2-40B4-BE49-F238E27FC236}">
-                <a16:creationId xmlns:a16="http://schemas.microsoft.com/office/drawing/2014/main" id="{5BB4AD97-8F0A-4BC3-998B-DA4C088601F0}"/>
-              </a:ext>
-            </a:extLst>
-          </p:cNvPr>
+          <p:cNvPr id="5" name="灯片编号占位符 4"/>
           <p:cNvSpPr>
             <a:spLocks noGrp="1"/>
           </p:cNvSpPr>
@@ -2017,18 +2145,12 @@
           <a:p>
             <a:fld id="{1AD5F6A7-CD3C-4EF4-868A-B12F0998E4AD}" type="slidenum">
               <a:rPr lang="zh-CN" altLang="en-US" smtClean="0"/>
-              <a:t>‹#›</a:t>
             </a:fld>
             <a:endParaRPr lang="zh-CN" altLang="en-US"/>
           </a:p>
         </p:txBody>
       </p:sp>
     </p:spTree>
-    <p:extLst>
-      <p:ext uri="{BB962C8B-B14F-4D97-AF65-F5344CB8AC3E}">
-        <p14:creationId xmlns:p14="http://schemas.microsoft.com/office/powerpoint/2010/main" val="836389479"/>
-      </p:ext>
-    </p:extLst>
   </p:cSld>
   <p:clrMapOvr>
     <a:masterClrMapping/>
@@ -2055,13 +2177,7 @@
       </p:grpSpPr>
       <p:sp>
         <p:nvSpPr>
-          <p:cNvPr id="2" name="日期占位符 1">
-            <a:extLst>
-              <a:ext uri="{FF2B5EF4-FFF2-40B4-BE49-F238E27FC236}">
-                <a16:creationId xmlns:a16="http://schemas.microsoft.com/office/drawing/2014/main" id="{61CC82A8-2A98-408D-A9C9-E251F0A8471E}"/>
-              </a:ext>
-            </a:extLst>
-          </p:cNvPr>
+          <p:cNvPr id="2" name="日期占位符 1"/>
           <p:cNvSpPr>
             <a:spLocks noGrp="1"/>
           </p:cNvSpPr>
@@ -2076,7 +2192,6 @@
           <a:p>
             <a:fld id="{5AD20816-3703-4B36-A03B-6CEA84674823}" type="datetimeFigureOut">
               <a:rPr lang="zh-CN" altLang="en-US" smtClean="0"/>
-              <a:t>2020/7/6</a:t>
             </a:fld>
             <a:endParaRPr lang="zh-CN" altLang="en-US"/>
           </a:p>
@@ -2084,13 +2199,7 @@
       </p:sp>
       <p:sp>
         <p:nvSpPr>
-          <p:cNvPr id="3" name="页脚占位符 2">
-            <a:extLst>
-              <a:ext uri="{FF2B5EF4-FFF2-40B4-BE49-F238E27FC236}">
-                <a16:creationId xmlns:a16="http://schemas.microsoft.com/office/drawing/2014/main" id="{B0EBDA82-DE33-4398-99FC-C9BDD638D251}"/>
-              </a:ext>
-            </a:extLst>
-          </p:cNvPr>
+          <p:cNvPr id="3" name="页脚占位符 2"/>
           <p:cNvSpPr>
             <a:spLocks noGrp="1"/>
           </p:cNvSpPr>
@@ -2109,13 +2218,7 @@
       </p:sp>
       <p:sp>
         <p:nvSpPr>
-          <p:cNvPr id="4" name="灯片编号占位符 3">
-            <a:extLst>
-              <a:ext uri="{FF2B5EF4-FFF2-40B4-BE49-F238E27FC236}">
-                <a16:creationId xmlns:a16="http://schemas.microsoft.com/office/drawing/2014/main" id="{0ABC0EA6-610A-4A00-8C15-66C2CFA6F9ED}"/>
-              </a:ext>
-            </a:extLst>
-          </p:cNvPr>
+          <p:cNvPr id="4" name="灯片编号占位符 3"/>
           <p:cNvSpPr>
             <a:spLocks noGrp="1"/>
           </p:cNvSpPr>
@@ -2130,18 +2233,12 @@
           <a:p>
             <a:fld id="{1AD5F6A7-CD3C-4EF4-868A-B12F0998E4AD}" type="slidenum">
               <a:rPr lang="zh-CN" altLang="en-US" smtClean="0"/>
-              <a:t>‹#›</a:t>
             </a:fld>
             <a:endParaRPr lang="zh-CN" altLang="en-US"/>
           </a:p>
         </p:txBody>
       </p:sp>
     </p:spTree>
-    <p:extLst>
-      <p:ext uri="{BB962C8B-B14F-4D97-AF65-F5344CB8AC3E}">
-        <p14:creationId xmlns:p14="http://schemas.microsoft.com/office/powerpoint/2010/main" val="2936815944"/>
-      </p:ext>
-    </p:extLst>
   </p:cSld>
   <p:clrMapOvr>
     <a:masterClrMapping/>
@@ -2168,13 +2265,7 @@
       </p:grpSpPr>
       <p:sp>
         <p:nvSpPr>
-          <p:cNvPr id="2" name="标题 1">
-            <a:extLst>
-              <a:ext uri="{FF2B5EF4-FFF2-40B4-BE49-F238E27FC236}">
-                <a16:creationId xmlns:a16="http://schemas.microsoft.com/office/drawing/2014/main" id="{DA227228-B482-4319-9CA6-288FE9C5E98B}"/>
-              </a:ext>
-            </a:extLst>
-          </p:cNvPr>
+          <p:cNvPr id="2" name="标题 1"/>
           <p:cNvSpPr>
             <a:spLocks noGrp="1"/>
           </p:cNvSpPr>
@@ -2200,18 +2291,13 @@
               <a:rPr lang="zh-CN" altLang="en-US"/>
               <a:t>单击此处编辑母版标题样式</a:t>
             </a:r>
-          </a:p>
-        </p:txBody>
-      </p:sp>
-      <p:sp>
-        <p:nvSpPr>
-          <p:cNvPr id="3" name="内容占位符 2">
-            <a:extLst>
-              <a:ext uri="{FF2B5EF4-FFF2-40B4-BE49-F238E27FC236}">
-                <a16:creationId xmlns:a16="http://schemas.microsoft.com/office/drawing/2014/main" id="{9067F8C0-3096-4719-802D-A341BF61FA4F}"/>
-              </a:ext>
-            </a:extLst>
-          </p:cNvPr>
+            <a:endParaRPr lang="zh-CN" altLang="en-US"/>
+          </a:p>
+        </p:txBody>
+      </p:sp>
+      <p:sp>
+        <p:nvSpPr>
+          <p:cNvPr id="3" name="内容占位符 2"/>
           <p:cNvSpPr>
             <a:spLocks noGrp="1"/>
           </p:cNvSpPr>
@@ -2262,6 +2348,7 @@
               <a:rPr lang="zh-CN" altLang="en-US"/>
               <a:t>单击此处编辑母版文本样式</a:t>
             </a:r>
+            <a:endParaRPr lang="zh-CN" altLang="en-US"/>
           </a:p>
           <a:p>
             <a:pPr lvl="1"/>
@@ -2269,6 +2356,7 @@
               <a:rPr lang="zh-CN" altLang="en-US"/>
               <a:t>二级</a:t>
             </a:r>
+            <a:endParaRPr lang="zh-CN" altLang="en-US"/>
           </a:p>
           <a:p>
             <a:pPr lvl="2"/>
@@ -2276,6 +2364,7 @@
               <a:rPr lang="zh-CN" altLang="en-US"/>
               <a:t>三级</a:t>
             </a:r>
+            <a:endParaRPr lang="zh-CN" altLang="en-US"/>
           </a:p>
           <a:p>
             <a:pPr lvl="3"/>
@@ -2283,6 +2372,7 @@
               <a:rPr lang="zh-CN" altLang="en-US"/>
               <a:t>四级</a:t>
             </a:r>
+            <a:endParaRPr lang="zh-CN" altLang="en-US"/>
           </a:p>
           <a:p>
             <a:pPr lvl="4"/>
@@ -2290,18 +2380,13 @@
               <a:rPr lang="zh-CN" altLang="en-US"/>
               <a:t>五级</a:t>
             </a:r>
-          </a:p>
-        </p:txBody>
-      </p:sp>
-      <p:sp>
-        <p:nvSpPr>
-          <p:cNvPr id="4" name="文本占位符 3">
-            <a:extLst>
-              <a:ext uri="{FF2B5EF4-FFF2-40B4-BE49-F238E27FC236}">
-                <a16:creationId xmlns:a16="http://schemas.microsoft.com/office/drawing/2014/main" id="{F16AD9B1-9436-454D-A4FF-EBE10D46EC0D}"/>
-              </a:ext>
-            </a:extLst>
-          </p:cNvPr>
+            <a:endParaRPr lang="zh-CN" altLang="en-US"/>
+          </a:p>
+        </p:txBody>
+      </p:sp>
+      <p:sp>
+        <p:nvSpPr>
+          <p:cNvPr id="4" name="文本占位符 3"/>
           <p:cNvSpPr>
             <a:spLocks noGrp="1"/>
           </p:cNvSpPr>
@@ -2361,18 +2446,13 @@
               <a:rPr lang="zh-CN" altLang="en-US"/>
               <a:t>单击此处编辑母版文本样式</a:t>
             </a:r>
-          </a:p>
-        </p:txBody>
-      </p:sp>
-      <p:sp>
-        <p:nvSpPr>
-          <p:cNvPr id="5" name="日期占位符 4">
-            <a:extLst>
-              <a:ext uri="{FF2B5EF4-FFF2-40B4-BE49-F238E27FC236}">
-                <a16:creationId xmlns:a16="http://schemas.microsoft.com/office/drawing/2014/main" id="{501433BD-881D-4C4E-8190-D2382549AF2A}"/>
-              </a:ext>
-            </a:extLst>
-          </p:cNvPr>
+            <a:endParaRPr lang="zh-CN" altLang="en-US"/>
+          </a:p>
+        </p:txBody>
+      </p:sp>
+      <p:sp>
+        <p:nvSpPr>
+          <p:cNvPr id="5" name="日期占位符 4"/>
           <p:cNvSpPr>
             <a:spLocks noGrp="1"/>
           </p:cNvSpPr>
@@ -2387,7 +2467,6 @@
           <a:p>
             <a:fld id="{5AD20816-3703-4B36-A03B-6CEA84674823}" type="datetimeFigureOut">
               <a:rPr lang="zh-CN" altLang="en-US" smtClean="0"/>
-              <a:t>2020/7/6</a:t>
             </a:fld>
             <a:endParaRPr lang="zh-CN" altLang="en-US"/>
           </a:p>
@@ -2395,13 +2474,7 @@
       </p:sp>
       <p:sp>
         <p:nvSpPr>
-          <p:cNvPr id="6" name="页脚占位符 5">
-            <a:extLst>
-              <a:ext uri="{FF2B5EF4-FFF2-40B4-BE49-F238E27FC236}">
-                <a16:creationId xmlns:a16="http://schemas.microsoft.com/office/drawing/2014/main" id="{7D618A48-3DCC-4D3B-B55E-13BAAC10BC34}"/>
-              </a:ext>
-            </a:extLst>
-          </p:cNvPr>
+          <p:cNvPr id="6" name="页脚占位符 5"/>
           <p:cNvSpPr>
             <a:spLocks noGrp="1"/>
           </p:cNvSpPr>
@@ -2420,13 +2493,7 @@
       </p:sp>
       <p:sp>
         <p:nvSpPr>
-          <p:cNvPr id="7" name="灯片编号占位符 6">
-            <a:extLst>
-              <a:ext uri="{FF2B5EF4-FFF2-40B4-BE49-F238E27FC236}">
-                <a16:creationId xmlns:a16="http://schemas.microsoft.com/office/drawing/2014/main" id="{C9AD52A3-70A2-4D5D-87E2-FEF379E28B15}"/>
-              </a:ext>
-            </a:extLst>
-          </p:cNvPr>
+          <p:cNvPr id="7" name="灯片编号占位符 6"/>
           <p:cNvSpPr>
             <a:spLocks noGrp="1"/>
           </p:cNvSpPr>
@@ -2441,18 +2508,12 @@
           <a:p>
             <a:fld id="{1AD5F6A7-CD3C-4EF4-868A-B12F0998E4AD}" type="slidenum">
               <a:rPr lang="zh-CN" altLang="en-US" smtClean="0"/>
-              <a:t>‹#›</a:t>
             </a:fld>
             <a:endParaRPr lang="zh-CN" altLang="en-US"/>
           </a:p>
         </p:txBody>
       </p:sp>
     </p:spTree>
-    <p:extLst>
-      <p:ext uri="{BB962C8B-B14F-4D97-AF65-F5344CB8AC3E}">
-        <p14:creationId xmlns:p14="http://schemas.microsoft.com/office/powerpoint/2010/main" val="1486383489"/>
-      </p:ext>
-    </p:extLst>
   </p:cSld>
   <p:clrMapOvr>
     <a:masterClrMapping/>
@@ -2479,13 +2540,7 @@
       </p:grpSpPr>
       <p:sp>
         <p:nvSpPr>
-          <p:cNvPr id="2" name="标题 1">
-            <a:extLst>
-              <a:ext uri="{FF2B5EF4-FFF2-40B4-BE49-F238E27FC236}">
-                <a16:creationId xmlns:a16="http://schemas.microsoft.com/office/drawing/2014/main" id="{C3303EDC-1A3D-42E4-BDFA-E1CD26309533}"/>
-              </a:ext>
-            </a:extLst>
-          </p:cNvPr>
+          <p:cNvPr id="2" name="标题 1"/>
           <p:cNvSpPr>
             <a:spLocks noGrp="1"/>
           </p:cNvSpPr>
@@ -2511,18 +2566,13 @@
               <a:rPr lang="zh-CN" altLang="en-US"/>
               <a:t>单击此处编辑母版标题样式</a:t>
             </a:r>
-          </a:p>
-        </p:txBody>
-      </p:sp>
-      <p:sp>
-        <p:nvSpPr>
-          <p:cNvPr id="3" name="图片占位符 2">
-            <a:extLst>
-              <a:ext uri="{FF2B5EF4-FFF2-40B4-BE49-F238E27FC236}">
-                <a16:creationId xmlns:a16="http://schemas.microsoft.com/office/drawing/2014/main" id="{7175EF5A-0FAE-4942-AB46-5FDB2771ABB9}"/>
-              </a:ext>
-            </a:extLst>
-          </p:cNvPr>
+            <a:endParaRPr lang="zh-CN" altLang="en-US"/>
+          </a:p>
+        </p:txBody>
+      </p:sp>
+      <p:sp>
+        <p:nvSpPr>
+          <p:cNvPr id="3" name="图片占位符 2"/>
           <p:cNvSpPr>
             <a:spLocks noGrp="1"/>
           </p:cNvSpPr>
@@ -2583,13 +2633,7 @@
       </p:sp>
       <p:sp>
         <p:nvSpPr>
-          <p:cNvPr id="4" name="文本占位符 3">
-            <a:extLst>
-              <a:ext uri="{FF2B5EF4-FFF2-40B4-BE49-F238E27FC236}">
-                <a16:creationId xmlns:a16="http://schemas.microsoft.com/office/drawing/2014/main" id="{7214E9D0-C83E-4D89-9EF3-501B36B35787}"/>
-              </a:ext>
-            </a:extLst>
-          </p:cNvPr>
+          <p:cNvPr id="4" name="文本占位符 3"/>
           <p:cNvSpPr>
             <a:spLocks noGrp="1"/>
           </p:cNvSpPr>
@@ -2649,18 +2693,13 @@
               <a:rPr lang="zh-CN" altLang="en-US"/>
               <a:t>单击此处编辑母版文本样式</a:t>
             </a:r>
-          </a:p>
-        </p:txBody>
-      </p:sp>
-      <p:sp>
-        <p:nvSpPr>
-          <p:cNvPr id="5" name="日期占位符 4">
-            <a:extLst>
-              <a:ext uri="{FF2B5EF4-FFF2-40B4-BE49-F238E27FC236}">
-                <a16:creationId xmlns:a16="http://schemas.microsoft.com/office/drawing/2014/main" id="{D49A2898-95B0-4D22-A17F-7060C35C033A}"/>
-              </a:ext>
-            </a:extLst>
-          </p:cNvPr>
+            <a:endParaRPr lang="zh-CN" altLang="en-US"/>
+          </a:p>
+        </p:txBody>
+      </p:sp>
+      <p:sp>
+        <p:nvSpPr>
+          <p:cNvPr id="5" name="日期占位符 4"/>
           <p:cNvSpPr>
             <a:spLocks noGrp="1"/>
           </p:cNvSpPr>
@@ -2675,7 +2714,6 @@
           <a:p>
             <a:fld id="{5AD20816-3703-4B36-A03B-6CEA84674823}" type="datetimeFigureOut">
               <a:rPr lang="zh-CN" altLang="en-US" smtClean="0"/>
-              <a:t>2020/7/6</a:t>
             </a:fld>
             <a:endParaRPr lang="zh-CN" altLang="en-US"/>
           </a:p>
@@ -2683,13 +2721,7 @@
       </p:sp>
       <p:sp>
         <p:nvSpPr>
-          <p:cNvPr id="6" name="页脚占位符 5">
-            <a:extLst>
-              <a:ext uri="{FF2B5EF4-FFF2-40B4-BE49-F238E27FC236}">
-                <a16:creationId xmlns:a16="http://schemas.microsoft.com/office/drawing/2014/main" id="{3FCF1F52-8A7B-4096-A26B-6D75A9A2BB8B}"/>
-              </a:ext>
-            </a:extLst>
-          </p:cNvPr>
+          <p:cNvPr id="6" name="页脚占位符 5"/>
           <p:cNvSpPr>
             <a:spLocks noGrp="1"/>
           </p:cNvSpPr>
@@ -2708,13 +2740,7 @@
       </p:sp>
       <p:sp>
         <p:nvSpPr>
-          <p:cNvPr id="7" name="灯片编号占位符 6">
-            <a:extLst>
-              <a:ext uri="{FF2B5EF4-FFF2-40B4-BE49-F238E27FC236}">
-                <a16:creationId xmlns:a16="http://schemas.microsoft.com/office/drawing/2014/main" id="{272D4704-8889-4E7A-9CF7-D9200BFD96F6}"/>
-              </a:ext>
-            </a:extLst>
-          </p:cNvPr>
+          <p:cNvPr id="7" name="灯片编号占位符 6"/>
           <p:cNvSpPr>
             <a:spLocks noGrp="1"/>
           </p:cNvSpPr>
@@ -2729,18 +2755,12 @@
           <a:p>
             <a:fld id="{1AD5F6A7-CD3C-4EF4-868A-B12F0998E4AD}" type="slidenum">
               <a:rPr lang="zh-CN" altLang="en-US" smtClean="0"/>
-              <a:t>‹#›</a:t>
             </a:fld>
             <a:endParaRPr lang="zh-CN" altLang="en-US"/>
           </a:p>
         </p:txBody>
       </p:sp>
     </p:spTree>
-    <p:extLst>
-      <p:ext uri="{BB962C8B-B14F-4D97-AF65-F5344CB8AC3E}">
-        <p14:creationId xmlns:p14="http://schemas.microsoft.com/office/powerpoint/2010/main" val="1846631128"/>
-      </p:ext>
-    </p:extLst>
   </p:cSld>
   <p:clrMapOvr>
     <a:masterClrMapping/>
@@ -2772,13 +2792,7 @@
       </p:grpSpPr>
       <p:sp>
         <p:nvSpPr>
-          <p:cNvPr id="2" name="标题占位符 1">
-            <a:extLst>
-              <a:ext uri="{FF2B5EF4-FFF2-40B4-BE49-F238E27FC236}">
-                <a16:creationId xmlns:a16="http://schemas.microsoft.com/office/drawing/2014/main" id="{B15B32C9-D0AF-44D8-B4B8-8D6F427B05D5}"/>
-              </a:ext>
-            </a:extLst>
-          </p:cNvPr>
+          <p:cNvPr id="2" name="标题占位符 1"/>
           <p:cNvSpPr>
             <a:spLocks noGrp="1"/>
           </p:cNvSpPr>
@@ -2805,18 +2819,13 @@
               <a:rPr lang="zh-CN" altLang="en-US"/>
               <a:t>单击此处编辑母版标题样式</a:t>
             </a:r>
-          </a:p>
-        </p:txBody>
-      </p:sp>
-      <p:sp>
-        <p:nvSpPr>
-          <p:cNvPr id="3" name="文本占位符 2">
-            <a:extLst>
-              <a:ext uri="{FF2B5EF4-FFF2-40B4-BE49-F238E27FC236}">
-                <a16:creationId xmlns:a16="http://schemas.microsoft.com/office/drawing/2014/main" id="{59F03949-1EDC-40B5-BCD6-9B21DABAF9AA}"/>
-              </a:ext>
-            </a:extLst>
-          </p:cNvPr>
+            <a:endParaRPr lang="zh-CN" altLang="en-US"/>
+          </a:p>
+        </p:txBody>
+      </p:sp>
+      <p:sp>
+        <p:nvSpPr>
+          <p:cNvPr id="3" name="文本占位符 2"/>
           <p:cNvSpPr>
             <a:spLocks noGrp="1"/>
           </p:cNvSpPr>
@@ -2844,6 +2853,7 @@
               <a:rPr lang="zh-CN" altLang="en-US"/>
               <a:t>单击此处编辑母版文本样式</a:t>
             </a:r>
+            <a:endParaRPr lang="zh-CN" altLang="en-US"/>
           </a:p>
           <a:p>
             <a:pPr lvl="1"/>
@@ -2851,6 +2861,7 @@
               <a:rPr lang="zh-CN" altLang="en-US"/>
               <a:t>二级</a:t>
             </a:r>
+            <a:endParaRPr lang="zh-CN" altLang="en-US"/>
           </a:p>
           <a:p>
             <a:pPr lvl="2"/>
@@ -2858,6 +2869,7 @@
               <a:rPr lang="zh-CN" altLang="en-US"/>
               <a:t>三级</a:t>
             </a:r>
+            <a:endParaRPr lang="zh-CN" altLang="en-US"/>
           </a:p>
           <a:p>
             <a:pPr lvl="3"/>
@@ -2865,6 +2877,7 @@
               <a:rPr lang="zh-CN" altLang="en-US"/>
               <a:t>四级</a:t>
             </a:r>
+            <a:endParaRPr lang="zh-CN" altLang="en-US"/>
           </a:p>
           <a:p>
             <a:pPr lvl="4"/>
@@ -2872,18 +2885,13 @@
               <a:rPr lang="zh-CN" altLang="en-US"/>
               <a:t>五级</a:t>
             </a:r>
-          </a:p>
-        </p:txBody>
-      </p:sp>
-      <p:sp>
-        <p:nvSpPr>
-          <p:cNvPr id="4" name="日期占位符 3">
-            <a:extLst>
-              <a:ext uri="{FF2B5EF4-FFF2-40B4-BE49-F238E27FC236}">
-                <a16:creationId xmlns:a16="http://schemas.microsoft.com/office/drawing/2014/main" id="{2128F166-6983-4F90-8DC3-4BA304E5E1F9}"/>
-              </a:ext>
-            </a:extLst>
-          </p:cNvPr>
+            <a:endParaRPr lang="zh-CN" altLang="en-US"/>
+          </a:p>
+        </p:txBody>
+      </p:sp>
+      <p:sp>
+        <p:nvSpPr>
+          <p:cNvPr id="4" name="日期占位符 3"/>
           <p:cNvSpPr>
             <a:spLocks noGrp="1"/>
           </p:cNvSpPr>
@@ -2916,7 +2924,6 @@
           <a:p>
             <a:fld id="{5AD20816-3703-4B36-A03B-6CEA84674823}" type="datetimeFigureOut">
               <a:rPr lang="zh-CN" altLang="en-US" smtClean="0"/>
-              <a:t>2020/7/6</a:t>
             </a:fld>
             <a:endParaRPr lang="zh-CN" altLang="en-US"/>
           </a:p>
@@ -2924,13 +2931,7 @@
       </p:sp>
       <p:sp>
         <p:nvSpPr>
-          <p:cNvPr id="5" name="页脚占位符 4">
-            <a:extLst>
-              <a:ext uri="{FF2B5EF4-FFF2-40B4-BE49-F238E27FC236}">
-                <a16:creationId xmlns:a16="http://schemas.microsoft.com/office/drawing/2014/main" id="{F95C3400-2E73-46BE-897D-0ED75F4F6516}"/>
-              </a:ext>
-            </a:extLst>
-          </p:cNvPr>
+          <p:cNvPr id="5" name="页脚占位符 4"/>
           <p:cNvSpPr>
             <a:spLocks noGrp="1"/>
           </p:cNvSpPr>
@@ -2967,13 +2968,7 @@
       </p:sp>
       <p:sp>
         <p:nvSpPr>
-          <p:cNvPr id="6" name="灯片编号占位符 5">
-            <a:extLst>
-              <a:ext uri="{FF2B5EF4-FFF2-40B4-BE49-F238E27FC236}">
-                <a16:creationId xmlns:a16="http://schemas.microsoft.com/office/drawing/2014/main" id="{EECA7224-4375-4018-A6BC-92D3730E8EC8}"/>
-              </a:ext>
-            </a:extLst>
-          </p:cNvPr>
+          <p:cNvPr id="6" name="灯片编号占位符 5"/>
           <p:cNvSpPr>
             <a:spLocks noGrp="1"/>
           </p:cNvSpPr>
@@ -3006,18 +3001,12 @@
           <a:p>
             <a:fld id="{1AD5F6A7-CD3C-4EF4-868A-B12F0998E4AD}" type="slidenum">
               <a:rPr lang="zh-CN" altLang="en-US" smtClean="0"/>
-              <a:t>‹#›</a:t>
             </a:fld>
             <a:endParaRPr lang="zh-CN" altLang="en-US"/>
           </a:p>
         </p:txBody>
       </p:sp>
     </p:spTree>
-    <p:extLst>
-      <p:ext uri="{BB962C8B-B14F-4D97-AF65-F5344CB8AC3E}">
-        <p14:creationId xmlns:p14="http://schemas.microsoft.com/office/powerpoint/2010/main" val="1101836777"/>
-      </p:ext>
-    </p:extLst>
   </p:cSld>
   <p:clrMap bg1="lt1" tx1="dk1" bg2="lt2" tx2="dk2" accent1="accent1" accent2="accent2" accent3="accent3" accent4="accent4" accent5="accent5" accent6="accent6" hlink="hlink" folHlink="folHlink"/>
   <p:sldLayoutIdLst>
@@ -3335,13 +3324,7 @@
       </p:grpSpPr>
       <p:sp>
         <p:nvSpPr>
-          <p:cNvPr id="2" name="标题 1">
-            <a:extLst>
-              <a:ext uri="{FF2B5EF4-FFF2-40B4-BE49-F238E27FC236}">
-                <a16:creationId xmlns:a16="http://schemas.microsoft.com/office/drawing/2014/main" id="{9441E274-BD7B-410F-B1B7-0F3E6A4FCD48}"/>
-              </a:ext>
-            </a:extLst>
-          </p:cNvPr>
+          <p:cNvPr id="2" name="标题 1"/>
           <p:cNvSpPr>
             <a:spLocks noGrp="1"/>
           </p:cNvSpPr>
@@ -3358,18 +3341,13 @@
               <a:rPr lang="zh-CN" altLang="en-US" dirty="0"/>
               <a:t>抽卡手游</a:t>
             </a:r>
-          </a:p>
-        </p:txBody>
-      </p:sp>
-      <p:sp>
-        <p:nvSpPr>
-          <p:cNvPr id="3" name="副标题 2">
-            <a:extLst>
-              <a:ext uri="{FF2B5EF4-FFF2-40B4-BE49-F238E27FC236}">
-                <a16:creationId xmlns:a16="http://schemas.microsoft.com/office/drawing/2014/main" id="{A0A34F4C-D0C1-4CB8-8B47-84AE72697EA9}"/>
-              </a:ext>
-            </a:extLst>
-          </p:cNvPr>
+            <a:endParaRPr lang="zh-CN" altLang="en-US" dirty="0"/>
+          </a:p>
+        </p:txBody>
+      </p:sp>
+      <p:sp>
+        <p:nvSpPr>
+          <p:cNvPr id="3" name="副标题 2"/>
           <p:cNvSpPr>
             <a:spLocks noGrp="1"/>
           </p:cNvSpPr>
@@ -3409,15 +3387,11 @@
               <a:rPr lang="zh-CN" altLang="en-US" dirty="0"/>
               <a:t>助教：支晨曦</a:t>
             </a:r>
+            <a:endParaRPr lang="zh-CN" altLang="en-US" dirty="0"/>
           </a:p>
         </p:txBody>
       </p:sp>
     </p:spTree>
-    <p:extLst>
-      <p:ext uri="{BB962C8B-B14F-4D97-AF65-F5344CB8AC3E}">
-        <p14:creationId xmlns:p14="http://schemas.microsoft.com/office/powerpoint/2010/main" val="1863147669"/>
-      </p:ext>
-    </p:extLst>
   </p:cSld>
   <p:clrMapOvr>
     <a:masterClrMapping/>
@@ -3444,13 +3418,7 @@
       </p:grpSpPr>
       <p:sp>
         <p:nvSpPr>
-          <p:cNvPr id="4" name="文本框 3">
-            <a:extLst>
-              <a:ext uri="{FF2B5EF4-FFF2-40B4-BE49-F238E27FC236}">
-                <a16:creationId xmlns:a16="http://schemas.microsoft.com/office/drawing/2014/main" id="{A7FB38D1-F782-4C16-AFBE-B567FA1D359A}"/>
-              </a:ext>
-            </a:extLst>
-          </p:cNvPr>
+          <p:cNvPr id="4" name="文本框 3"/>
           <p:cNvSpPr txBox="1"/>
           <p:nvPr/>
         </p:nvSpPr>
@@ -3686,11 +3654,6 @@
         </p:txBody>
       </p:sp>
     </p:spTree>
-    <p:extLst>
-      <p:ext uri="{BB962C8B-B14F-4D97-AF65-F5344CB8AC3E}">
-        <p14:creationId xmlns:p14="http://schemas.microsoft.com/office/powerpoint/2010/main" val="2481147437"/>
-      </p:ext>
-    </p:extLst>
   </p:cSld>
   <p:clrMapOvr>
     <a:masterClrMapping/>
@@ -3717,13 +3680,7 @@
       </p:grpSpPr>
       <p:sp>
         <p:nvSpPr>
-          <p:cNvPr id="2" name="文本框 1">
-            <a:extLst>
-              <a:ext uri="{FF2B5EF4-FFF2-40B4-BE49-F238E27FC236}">
-                <a16:creationId xmlns:a16="http://schemas.microsoft.com/office/drawing/2014/main" id="{24C118E7-786B-4367-B665-E5BA0F0B3FBC}"/>
-              </a:ext>
-            </a:extLst>
-          </p:cNvPr>
+          <p:cNvPr id="2" name="文本框 1"/>
           <p:cNvSpPr txBox="1"/>
           <p:nvPr/>
         </p:nvSpPr>
@@ -3809,15 +3766,11 @@
               <a:rPr lang="zh-CN" altLang="en-US" sz="3200" dirty="0"/>
               <a:t>后面 </a:t>
             </a:r>
+            <a:endParaRPr lang="zh-CN" altLang="en-US" sz="3200" dirty="0"/>
           </a:p>
         </p:txBody>
       </p:sp>
     </p:spTree>
-    <p:extLst>
-      <p:ext uri="{BB962C8B-B14F-4D97-AF65-F5344CB8AC3E}">
-        <p14:creationId xmlns:p14="http://schemas.microsoft.com/office/powerpoint/2010/main" val="4037445570"/>
-      </p:ext>
-    </p:extLst>
   </p:cSld>
   <p:clrMapOvr>
     <a:masterClrMapping/>
@@ -3844,20 +3797,14 @@
       </p:grpSpPr>
       <p:pic>
         <p:nvPicPr>
-          <p:cNvPr id="2" name="图片 1">
-            <a:extLst>
-              <a:ext uri="{FF2B5EF4-FFF2-40B4-BE49-F238E27FC236}">
-                <a16:creationId xmlns:a16="http://schemas.microsoft.com/office/drawing/2014/main" id="{695509B3-ACA5-473A-820F-5B9C9E3DD38B}"/>
-              </a:ext>
-            </a:extLst>
-          </p:cNvPr>
+          <p:cNvPr id="2" name="图片 1"/>
           <p:cNvPicPr>
             <a:picLocks noChangeAspect="1"/>
           </p:cNvPicPr>
           <p:nvPr/>
         </p:nvPicPr>
         <p:blipFill>
-          <a:blip r:embed="rId2"/>
+          <a:blip r:embed="rId1"/>
           <a:stretch>
             <a:fillRect/>
           </a:stretch>
@@ -3873,11 +3820,6 @@
         </p:spPr>
       </p:pic>
     </p:spTree>
-    <p:extLst>
-      <p:ext uri="{BB962C8B-B14F-4D97-AF65-F5344CB8AC3E}">
-        <p14:creationId xmlns:p14="http://schemas.microsoft.com/office/powerpoint/2010/main" val="2773896341"/>
-      </p:ext>
-    </p:extLst>
   </p:cSld>
   <p:clrMapOvr>
     <a:masterClrMapping/>
@@ -3904,20 +3846,14 @@
       </p:grpSpPr>
       <p:pic>
         <p:nvPicPr>
-          <p:cNvPr id="2" name="图片 1">
-            <a:extLst>
-              <a:ext uri="{FF2B5EF4-FFF2-40B4-BE49-F238E27FC236}">
-                <a16:creationId xmlns:a16="http://schemas.microsoft.com/office/drawing/2014/main" id="{726C15DF-1021-4B57-9C44-71ABF3A1ADF6}"/>
-              </a:ext>
-            </a:extLst>
-          </p:cNvPr>
+          <p:cNvPr id="2" name="图片 1"/>
           <p:cNvPicPr>
             <a:picLocks noChangeAspect="1"/>
           </p:cNvPicPr>
           <p:nvPr/>
         </p:nvPicPr>
         <p:blipFill>
-          <a:blip r:embed="rId2"/>
+          <a:blip r:embed="rId1"/>
           <a:stretch>
             <a:fillRect/>
           </a:stretch>
@@ -3933,11 +3869,6 @@
         </p:spPr>
       </p:pic>
     </p:spTree>
-    <p:extLst>
-      <p:ext uri="{BB962C8B-B14F-4D97-AF65-F5344CB8AC3E}">
-        <p14:creationId xmlns:p14="http://schemas.microsoft.com/office/powerpoint/2010/main" val="1973358175"/>
-      </p:ext>
-    </p:extLst>
   </p:cSld>
   <p:clrMapOvr>
     <a:masterClrMapping/>
@@ -3964,13 +3895,7 @@
       </p:grpSpPr>
       <p:sp>
         <p:nvSpPr>
-          <p:cNvPr id="2" name="文本框 1">
-            <a:extLst>
-              <a:ext uri="{FF2B5EF4-FFF2-40B4-BE49-F238E27FC236}">
-                <a16:creationId xmlns:a16="http://schemas.microsoft.com/office/drawing/2014/main" id="{12D9DFA8-10AF-4CF0-A20E-4C99356D6534}"/>
-              </a:ext>
-            </a:extLst>
-          </p:cNvPr>
+          <p:cNvPr id="2" name="文本框 1"/>
           <p:cNvSpPr txBox="1"/>
           <p:nvPr/>
         </p:nvSpPr>
@@ -3994,18 +3919,13 @@
               <a:rPr lang="zh-CN" altLang="en-US" sz="3200" dirty="0"/>
               <a:t>第一周</a:t>
             </a:r>
-          </a:p>
-        </p:txBody>
-      </p:sp>
-      <p:sp>
-        <p:nvSpPr>
-          <p:cNvPr id="3" name="文本框 2">
-            <a:extLst>
-              <a:ext uri="{FF2B5EF4-FFF2-40B4-BE49-F238E27FC236}">
-                <a16:creationId xmlns:a16="http://schemas.microsoft.com/office/drawing/2014/main" id="{D565C8E8-C64C-4E35-92AE-BE8C1A240299}"/>
-              </a:ext>
-            </a:extLst>
-          </p:cNvPr>
+            <a:endParaRPr lang="zh-CN" altLang="en-US" sz="3200" dirty="0"/>
+          </a:p>
+        </p:txBody>
+      </p:sp>
+      <p:sp>
+        <p:nvSpPr>
+          <p:cNvPr id="3" name="文本框 2"/>
           <p:cNvSpPr txBox="1"/>
           <p:nvPr/>
         </p:nvSpPr>
@@ -4139,13 +4059,7 @@
       </p:sp>
       <p:sp>
         <p:nvSpPr>
-          <p:cNvPr id="4" name="文本框 3">
-            <a:extLst>
-              <a:ext uri="{FF2B5EF4-FFF2-40B4-BE49-F238E27FC236}">
-                <a16:creationId xmlns:a16="http://schemas.microsoft.com/office/drawing/2014/main" id="{04028148-314F-433D-B431-10FAD7FA7921}"/>
-              </a:ext>
-            </a:extLst>
-          </p:cNvPr>
+          <p:cNvPr id="4" name="文本框 3"/>
           <p:cNvSpPr txBox="1"/>
           <p:nvPr/>
         </p:nvSpPr>
@@ -4189,18 +4103,13 @@
               <a:rPr lang="zh-CN" altLang="en-US" dirty="0"/>
               <a:t>邮箱，聊天室（待定））</a:t>
             </a:r>
-          </a:p>
-        </p:txBody>
-      </p:sp>
-      <p:sp>
-        <p:nvSpPr>
-          <p:cNvPr id="5" name="文本框 4">
-            <a:extLst>
-              <a:ext uri="{FF2B5EF4-FFF2-40B4-BE49-F238E27FC236}">
-                <a16:creationId xmlns:a16="http://schemas.microsoft.com/office/drawing/2014/main" id="{57B7FB7D-D068-463D-890C-4BCA73058F66}"/>
-              </a:ext>
-            </a:extLst>
-          </p:cNvPr>
+            <a:endParaRPr lang="zh-CN" altLang="en-US" dirty="0"/>
+          </a:p>
+        </p:txBody>
+      </p:sp>
+      <p:sp>
+        <p:nvSpPr>
+          <p:cNvPr id="5" name="文本框 4"/>
           <p:cNvSpPr txBox="1"/>
           <p:nvPr/>
         </p:nvSpPr>
@@ -4236,18 +4145,13 @@
               <a:rPr lang="zh-CN" altLang="en-US" dirty="0"/>
               <a:t>（登录，登出）</a:t>
             </a:r>
-          </a:p>
-        </p:txBody>
-      </p:sp>
-      <p:sp>
-        <p:nvSpPr>
-          <p:cNvPr id="6" name="文本框 5">
-            <a:extLst>
-              <a:ext uri="{FF2B5EF4-FFF2-40B4-BE49-F238E27FC236}">
-                <a16:creationId xmlns:a16="http://schemas.microsoft.com/office/drawing/2014/main" id="{D93AE454-89BC-4274-B9B0-14EDA541C815}"/>
-              </a:ext>
-            </a:extLst>
-          </p:cNvPr>
+            <a:endParaRPr lang="zh-CN" altLang="en-US" dirty="0"/>
+          </a:p>
+        </p:txBody>
+      </p:sp>
+      <p:sp>
+        <p:nvSpPr>
+          <p:cNvPr id="6" name="文本框 5"/>
           <p:cNvSpPr txBox="1"/>
           <p:nvPr/>
         </p:nvSpPr>
@@ -4275,15 +4179,11 @@
               <a:rPr lang="zh-CN" altLang="en-US" dirty="0"/>
               <a:t>找服务器</a:t>
             </a:r>
+            <a:endParaRPr lang="zh-CN" altLang="en-US" dirty="0"/>
           </a:p>
         </p:txBody>
       </p:sp>
     </p:spTree>
-    <p:extLst>
-      <p:ext uri="{BB962C8B-B14F-4D97-AF65-F5344CB8AC3E}">
-        <p14:creationId xmlns:p14="http://schemas.microsoft.com/office/powerpoint/2010/main" val="3717337193"/>
-      </p:ext>
-    </p:extLst>
   </p:cSld>
   <p:clrMapOvr>
     <a:masterClrMapping/>
@@ -4310,13 +4210,7 @@
       </p:grpSpPr>
       <p:sp>
         <p:nvSpPr>
-          <p:cNvPr id="2" name="矩形 1">
-            <a:extLst>
-              <a:ext uri="{FF2B5EF4-FFF2-40B4-BE49-F238E27FC236}">
-                <a16:creationId xmlns:a16="http://schemas.microsoft.com/office/drawing/2014/main" id="{DC582ED3-B5A4-4917-87EB-4ADAB1518DE0}"/>
-              </a:ext>
-            </a:extLst>
-          </p:cNvPr>
+          <p:cNvPr id="2" name="矩形 1"/>
           <p:cNvSpPr/>
           <p:nvPr/>
         </p:nvSpPr>
@@ -4324,6 +4218,193 @@
           <a:xfrm>
             <a:off x="1021976" y="134471"/>
             <a:ext cx="2187389" cy="2290482"/>
+          </a:xfrm>
+          <a:prstGeom prst="rect">
+            <a:avLst/>
+          </a:prstGeom>
+        </p:spPr>
+        <p:style>
+          <a:lnRef idx="3">
+            <a:schemeClr val="lt1"/>
+          </a:lnRef>
+          <a:fillRef idx="1">
+            <a:schemeClr val="accent2"/>
+          </a:fillRef>
+          <a:effectRef idx="1">
+            <a:schemeClr val="accent2"/>
+          </a:effectRef>
+          <a:fontRef idx="minor">
+            <a:schemeClr val="lt1"/>
+          </a:fontRef>
+        </p:style>
+        <p:txBody>
+          <a:bodyPr rtlCol="0" anchor="t"/>
+          <a:lstStyle/>
+          <a:p>
+            <a:r>
+              <a:rPr lang="zh-CN" altLang="en-US" dirty="0">
+                <a:solidFill>
+                  <a:schemeClr val="tx1"/>
+                </a:solidFill>
+              </a:rPr>
+              <a:t>用户</a:t>
+            </a:r>
+            <a:endParaRPr lang="en-US" altLang="zh-CN" dirty="0">
+              <a:solidFill>
+                <a:schemeClr val="tx1"/>
+              </a:solidFill>
+            </a:endParaRPr>
+          </a:p>
+          <a:p>
+            <a:r>
+              <a:rPr lang="en-US" altLang="zh-CN" dirty="0">
+                <a:solidFill>
+                  <a:schemeClr val="tx1"/>
+                </a:solidFill>
+              </a:rPr>
+              <a:t>·</a:t>
+            </a:r>
+            <a:r>
+              <a:rPr lang="zh-CN" altLang="en-US" dirty="0">
+                <a:solidFill>
+                  <a:schemeClr val="tx1"/>
+                </a:solidFill>
+              </a:rPr>
+              <a:t>密码</a:t>
+            </a:r>
+            <a:endParaRPr lang="en-US" altLang="zh-CN" dirty="0">
+              <a:solidFill>
+                <a:schemeClr val="tx1"/>
+              </a:solidFill>
+            </a:endParaRPr>
+          </a:p>
+          <a:p>
+            <a:r>
+              <a:rPr lang="en-US" altLang="zh-CN" dirty="0">
+                <a:solidFill>
+                  <a:schemeClr val="tx1"/>
+                </a:solidFill>
+              </a:rPr>
+              <a:t>·</a:t>
+            </a:r>
+            <a:r>
+              <a:rPr lang="zh-CN" altLang="en-US" dirty="0">
+                <a:solidFill>
+                  <a:schemeClr val="tx1"/>
+                </a:solidFill>
+              </a:rPr>
+              <a:t>手机</a:t>
+            </a:r>
+            <a:endParaRPr lang="en-US" altLang="zh-CN" dirty="0">
+              <a:solidFill>
+                <a:schemeClr val="tx1"/>
+              </a:solidFill>
+            </a:endParaRPr>
+          </a:p>
+          <a:p>
+            <a:r>
+              <a:rPr lang="en-US" altLang="zh-CN" dirty="0">
+                <a:solidFill>
+                  <a:schemeClr val="tx1"/>
+                </a:solidFill>
+              </a:rPr>
+              <a:t>·</a:t>
+            </a:r>
+            <a:r>
+              <a:rPr lang="zh-CN" altLang="en-US" dirty="0">
+                <a:solidFill>
+                  <a:schemeClr val="tx1"/>
+                </a:solidFill>
+              </a:rPr>
+              <a:t>邮箱</a:t>
+            </a:r>
+            <a:endParaRPr lang="en-US" altLang="zh-CN" dirty="0">
+              <a:solidFill>
+                <a:schemeClr val="tx1"/>
+              </a:solidFill>
+            </a:endParaRPr>
+          </a:p>
+          <a:p>
+            <a:r>
+              <a:rPr lang="en-US" altLang="zh-CN" dirty="0">
+                <a:solidFill>
+                  <a:schemeClr val="tx1"/>
+                </a:solidFill>
+              </a:rPr>
+              <a:t>·</a:t>
+            </a:r>
+            <a:r>
+              <a:rPr lang="zh-CN" altLang="en-US" dirty="0">
+                <a:solidFill>
+                  <a:schemeClr val="tx1"/>
+                </a:solidFill>
+              </a:rPr>
+              <a:t>游戏金钱余额</a:t>
+            </a:r>
+            <a:endParaRPr lang="en-US" altLang="zh-CN" dirty="0">
+              <a:solidFill>
+                <a:schemeClr val="tx1"/>
+              </a:solidFill>
+            </a:endParaRPr>
+          </a:p>
+          <a:p>
+            <a:r>
+              <a:rPr lang="en-US" altLang="zh-CN" dirty="0">
+                <a:solidFill>
+                  <a:schemeClr val="tx1"/>
+                </a:solidFill>
+              </a:rPr>
+              <a:t>·BAN</a:t>
+            </a:r>
+            <a:r>
+              <a:rPr lang="zh-CN" altLang="en-US" dirty="0">
+                <a:solidFill>
+                  <a:schemeClr val="tx1"/>
+                </a:solidFill>
+              </a:rPr>
+              <a:t>？</a:t>
+            </a:r>
+            <a:endParaRPr lang="en-US" altLang="zh-CN" dirty="0">
+              <a:solidFill>
+                <a:schemeClr val="tx1"/>
+              </a:solidFill>
+            </a:endParaRPr>
+          </a:p>
+          <a:p>
+            <a:r>
+              <a:rPr lang="en-US" altLang="zh-CN" dirty="0">
+                <a:solidFill>
+                  <a:schemeClr val="tx1"/>
+                </a:solidFill>
+              </a:rPr>
+              <a:t>·</a:t>
+            </a:r>
+            <a:r>
+              <a:rPr lang="zh-CN" altLang="en-US" dirty="0">
+                <a:solidFill>
+                  <a:schemeClr val="tx1"/>
+                </a:solidFill>
+              </a:rPr>
+              <a:t>等级</a:t>
+            </a:r>
+            <a:endParaRPr lang="zh-CN" altLang="en-US" dirty="0">
+              <a:solidFill>
+                <a:schemeClr val="tx1"/>
+              </a:solidFill>
+            </a:endParaRPr>
+          </a:p>
+        </p:txBody>
+      </p:sp>
+      <p:sp>
+        <p:nvSpPr>
+          <p:cNvPr id="3" name="矩形 2"/>
+          <p:cNvSpPr/>
+          <p:nvPr/>
+        </p:nvSpPr>
+        <p:spPr>
+          <a:xfrm>
+            <a:off x="6849036" y="134471"/>
+            <a:ext cx="2187389" cy="2084293"/>
           </a:xfrm>
           <a:prstGeom prst="rect">
             <a:avLst/>
@@ -4351,7 +4432,7 @@
           <a:p>
             <a:r>
               <a:rPr lang="zh-CN" altLang="en-US" dirty="0"/>
-              <a:t>用户</a:t>
+              <a:t>管理员</a:t>
             </a:r>
             <a:endParaRPr lang="en-US" altLang="zh-CN" dirty="0"/>
           </a:p>
@@ -4367,77 +4448,146 @@
             <a:endParaRPr lang="en-US" altLang="zh-CN" dirty="0"/>
           </a:p>
           <a:p>
-            <a:r>
-              <a:rPr lang="en-US" altLang="zh-CN" dirty="0"/>
-              <a:t>·</a:t>
-            </a:r>
-            <a:r>
-              <a:rPr lang="zh-CN" altLang="en-US" dirty="0"/>
-              <a:t>手机</a:t>
-            </a:r>
             <a:endParaRPr lang="en-US" altLang="zh-CN" dirty="0"/>
           </a:p>
           <a:p>
-            <a:r>
-              <a:rPr lang="en-US" altLang="zh-CN" dirty="0"/>
-              <a:t>·</a:t>
-            </a:r>
-            <a:r>
-              <a:rPr lang="zh-CN" altLang="en-US" dirty="0"/>
-              <a:t>邮箱</a:t>
-            </a:r>
-            <a:endParaRPr lang="en-US" altLang="zh-CN" dirty="0"/>
-          </a:p>
-          <a:p>
-            <a:r>
-              <a:rPr lang="en-US" altLang="zh-CN" dirty="0"/>
-              <a:t>·</a:t>
-            </a:r>
-            <a:r>
-              <a:rPr lang="zh-CN" altLang="en-US" dirty="0"/>
-              <a:t>游戏金钱余额</a:t>
-            </a:r>
-            <a:endParaRPr lang="en-US" altLang="zh-CN" dirty="0"/>
-          </a:p>
-          <a:p>
-            <a:r>
-              <a:rPr lang="en-US" altLang="zh-CN" dirty="0"/>
-              <a:t>·BAN</a:t>
-            </a:r>
-            <a:r>
-              <a:rPr lang="zh-CN" altLang="en-US" dirty="0"/>
-              <a:t>？</a:t>
-            </a:r>
-            <a:endParaRPr lang="en-US" altLang="zh-CN" dirty="0"/>
-          </a:p>
-          <a:p>
-            <a:r>
-              <a:rPr lang="en-US" altLang="zh-CN" dirty="0"/>
-              <a:t>·</a:t>
-            </a:r>
-            <a:r>
-              <a:rPr lang="zh-CN" altLang="en-US" dirty="0"/>
-              <a:t>等级</a:t>
-            </a:r>
-          </a:p>
-        </p:txBody>
-      </p:sp>
-      <p:sp>
-        <p:nvSpPr>
-          <p:cNvPr id="3" name="矩形 2">
-            <a:extLst>
-              <a:ext uri="{FF2B5EF4-FFF2-40B4-BE49-F238E27FC236}">
-                <a16:creationId xmlns:a16="http://schemas.microsoft.com/office/drawing/2014/main" id="{677F4D5A-2E12-4F03-AF0F-07ABCD298A60}"/>
-              </a:ext>
-            </a:extLst>
-          </p:cNvPr>
+            <a:endParaRPr lang="zh-CN" altLang="en-US" dirty="0"/>
+          </a:p>
+        </p:txBody>
+      </p:sp>
+      <p:sp>
+        <p:nvSpPr>
+          <p:cNvPr id="4" name="矩形 3"/>
           <p:cNvSpPr/>
           <p:nvPr/>
         </p:nvSpPr>
         <p:spPr>
           <a:xfrm>
-            <a:off x="6849036" y="134471"/>
-            <a:ext cx="2187389" cy="2084293"/>
+            <a:off x="205516" y="2617693"/>
+            <a:ext cx="3236256" cy="1326778"/>
+          </a:xfrm>
+          <a:prstGeom prst="rect">
+            <a:avLst/>
+          </a:prstGeom>
+        </p:spPr>
+        <p:style>
+          <a:lnRef idx="3">
+            <a:schemeClr val="lt1"/>
+          </a:lnRef>
+          <a:fillRef idx="1">
+            <a:schemeClr val="accent2"/>
+          </a:fillRef>
+          <a:effectRef idx="1">
+            <a:schemeClr val="accent2"/>
+          </a:effectRef>
+          <a:fontRef idx="minor">
+            <a:schemeClr val="lt1"/>
+          </a:fontRef>
+        </p:style>
+        <p:txBody>
+          <a:bodyPr rtlCol="0" anchor="t"/>
+          <a:lstStyle/>
+          <a:p>
+            <a:r>
+              <a:rPr lang="zh-CN" altLang="en-US" dirty="0"/>
+              <a:t>游戏内邮箱</a:t>
+            </a:r>
+            <a:endParaRPr lang="zh-CN" altLang="en-US" dirty="0"/>
+          </a:p>
+        </p:txBody>
+      </p:sp>
+      <p:sp>
+        <p:nvSpPr>
+          <p:cNvPr id="5" name="矩形 4"/>
+          <p:cNvSpPr/>
+          <p:nvPr/>
+        </p:nvSpPr>
+        <p:spPr>
+          <a:xfrm>
+            <a:off x="5773548" y="2436159"/>
+            <a:ext cx="3272114" cy="1277471"/>
+          </a:xfrm>
+          <a:prstGeom prst="rect">
+            <a:avLst/>
+          </a:prstGeom>
+        </p:spPr>
+        <p:style>
+          <a:lnRef idx="3">
+            <a:schemeClr val="lt1"/>
+          </a:lnRef>
+          <a:fillRef idx="1">
+            <a:schemeClr val="accent2"/>
+          </a:fillRef>
+          <a:effectRef idx="1">
+            <a:schemeClr val="accent2"/>
+          </a:effectRef>
+          <a:fontRef idx="minor">
+            <a:schemeClr val="lt1"/>
+          </a:fontRef>
+        </p:style>
+        <p:txBody>
+          <a:bodyPr rtlCol="0" anchor="t"/>
+          <a:lstStyle/>
+          <a:p>
+            <a:r>
+              <a:rPr lang="zh-CN" altLang="en-US" dirty="0"/>
+              <a:t>商店</a:t>
+            </a:r>
+            <a:endParaRPr lang="zh-CN" altLang="en-US" dirty="0"/>
+          </a:p>
+        </p:txBody>
+      </p:sp>
+      <p:sp>
+        <p:nvSpPr>
+          <p:cNvPr id="6" name="矩形 5"/>
+          <p:cNvSpPr/>
+          <p:nvPr/>
+        </p:nvSpPr>
+        <p:spPr>
+          <a:xfrm>
+            <a:off x="877685" y="3016624"/>
+            <a:ext cx="2187389" cy="528918"/>
+          </a:xfrm>
+          <a:prstGeom prst="rect">
+            <a:avLst/>
+          </a:prstGeom>
+        </p:spPr>
+        <p:style>
+          <a:lnRef idx="3">
+            <a:schemeClr val="lt1"/>
+          </a:lnRef>
+          <a:fillRef idx="1">
+            <a:schemeClr val="accent2"/>
+          </a:fillRef>
+          <a:effectRef idx="1">
+            <a:schemeClr val="accent2"/>
+          </a:effectRef>
+          <a:fontRef idx="minor">
+            <a:schemeClr val="lt1"/>
+          </a:fontRef>
+        </p:style>
+        <p:txBody>
+          <a:bodyPr rtlCol="0" anchor="t"/>
+          <a:lstStyle/>
+          <a:p>
+            <a:r>
+              <a:rPr lang="zh-CN" altLang="en-US" dirty="0"/>
+              <a:t>游戏内邮件</a:t>
+            </a:r>
+            <a:endParaRPr lang="zh-CN" altLang="en-US" dirty="0"/>
+          </a:p>
+        </p:txBody>
+      </p:sp>
+      <p:sp>
+        <p:nvSpPr>
+          <p:cNvPr id="7" name="矩形 6"/>
+          <p:cNvSpPr/>
+          <p:nvPr/>
+        </p:nvSpPr>
+        <p:spPr>
+          <a:xfrm>
+            <a:off x="205515" y="4047565"/>
+            <a:ext cx="2187389" cy="694765"/>
           </a:xfrm>
           <a:prstGeom prst="rect">
             <a:avLst/>
@@ -4465,45 +4615,22 @@
           <a:p>
             <a:r>
               <a:rPr lang="zh-CN" altLang="en-US" dirty="0"/>
-              <a:t>管理员</a:t>
-            </a:r>
-            <a:endParaRPr lang="en-US" altLang="zh-CN" dirty="0"/>
-          </a:p>
-          <a:p>
-            <a:r>
-              <a:rPr lang="en-US" altLang="zh-CN" dirty="0"/>
-              <a:t>·</a:t>
-            </a:r>
-            <a:r>
-              <a:rPr lang="zh-CN" altLang="en-US" dirty="0"/>
-              <a:t>密码</a:t>
-            </a:r>
-            <a:endParaRPr lang="en-US" altLang="zh-CN" dirty="0"/>
-          </a:p>
-          <a:p>
-            <a:endParaRPr lang="en-US" altLang="zh-CN" dirty="0"/>
-          </a:p>
-          <a:p>
+              <a:t>好友名单</a:t>
+            </a:r>
             <a:endParaRPr lang="zh-CN" altLang="en-US" dirty="0"/>
           </a:p>
         </p:txBody>
       </p:sp>
       <p:sp>
         <p:nvSpPr>
-          <p:cNvPr id="4" name="矩形 3">
-            <a:extLst>
-              <a:ext uri="{FF2B5EF4-FFF2-40B4-BE49-F238E27FC236}">
-                <a16:creationId xmlns:a16="http://schemas.microsoft.com/office/drawing/2014/main" id="{F469512F-EF96-4C6E-BB25-C5716F9D7F70}"/>
-              </a:ext>
-            </a:extLst>
-          </p:cNvPr>
+          <p:cNvPr id="8" name="矩形 7"/>
           <p:cNvSpPr/>
           <p:nvPr/>
         </p:nvSpPr>
         <p:spPr>
           <a:xfrm>
-            <a:off x="205516" y="2617693"/>
-            <a:ext cx="3236256" cy="1326778"/>
+            <a:off x="205515" y="4845424"/>
+            <a:ext cx="2187389" cy="694765"/>
           </a:xfrm>
           <a:prstGeom prst="rect">
             <a:avLst/>
@@ -4531,27 +4658,1136 @@
           <a:p>
             <a:r>
               <a:rPr lang="zh-CN" altLang="en-US" dirty="0"/>
-              <a:t>游戏内邮箱</a:t>
-            </a:r>
-          </a:p>
-        </p:txBody>
-      </p:sp>
-      <p:sp>
-        <p:nvSpPr>
-          <p:cNvPr id="5" name="矩形 4">
-            <a:extLst>
-              <a:ext uri="{FF2B5EF4-FFF2-40B4-BE49-F238E27FC236}">
-                <a16:creationId xmlns:a16="http://schemas.microsoft.com/office/drawing/2014/main" id="{951C4F2B-4F99-42B0-AAE5-643A57A7FF3C}"/>
-              </a:ext>
-            </a:extLst>
-          </p:cNvPr>
+              <a:t>黑名单</a:t>
+            </a:r>
+            <a:endParaRPr lang="zh-CN" altLang="en-US" dirty="0"/>
+          </a:p>
+        </p:txBody>
+      </p:sp>
+      <p:sp>
+        <p:nvSpPr>
+          <p:cNvPr id="9" name="矩形 8"/>
           <p:cNvSpPr/>
           <p:nvPr/>
         </p:nvSpPr>
         <p:spPr>
           <a:xfrm>
-            <a:off x="5773548" y="2436159"/>
-            <a:ext cx="3272114" cy="1277471"/>
+            <a:off x="385483" y="5777753"/>
+            <a:ext cx="2187389" cy="694765"/>
+          </a:xfrm>
+          <a:prstGeom prst="rect">
+            <a:avLst/>
+          </a:prstGeom>
+          <a:solidFill>
+            <a:schemeClr val="bg1">
+              <a:lumMod val="75000"/>
+            </a:schemeClr>
+          </a:solidFill>
+        </p:spPr>
+        <p:style>
+          <a:lnRef idx="2">
+            <a:schemeClr val="accent3">
+              <a:shade val="50000"/>
+            </a:schemeClr>
+          </a:lnRef>
+          <a:fillRef idx="1">
+            <a:schemeClr val="accent3"/>
+          </a:fillRef>
+          <a:effectRef idx="0">
+            <a:schemeClr val="accent3"/>
+          </a:effectRef>
+          <a:fontRef idx="minor">
+            <a:schemeClr val="lt1"/>
+          </a:fontRef>
+        </p:style>
+        <p:txBody>
+          <a:bodyPr rtlCol="0" anchor="t"/>
+          <a:lstStyle/>
+          <a:p>
+            <a:r>
+              <a:rPr lang="zh-CN" altLang="en-US" dirty="0"/>
+              <a:t>战绩（待定，因为受游戏机制影响）</a:t>
+            </a:r>
+            <a:endParaRPr lang="zh-CN" altLang="en-US" dirty="0"/>
+          </a:p>
+        </p:txBody>
+      </p:sp>
+      <p:sp>
+        <p:nvSpPr>
+          <p:cNvPr id="10" name="矩形 9"/>
+          <p:cNvSpPr/>
+          <p:nvPr/>
+        </p:nvSpPr>
+        <p:spPr>
+          <a:xfrm>
+            <a:off x="6153167" y="2826124"/>
+            <a:ext cx="2187389" cy="528918"/>
+          </a:xfrm>
+          <a:prstGeom prst="rect">
+            <a:avLst/>
+          </a:prstGeom>
+        </p:spPr>
+        <p:style>
+          <a:lnRef idx="3">
+            <a:schemeClr val="lt1"/>
+          </a:lnRef>
+          <a:fillRef idx="1">
+            <a:schemeClr val="accent2"/>
+          </a:fillRef>
+          <a:effectRef idx="1">
+            <a:schemeClr val="accent2"/>
+          </a:effectRef>
+          <a:fontRef idx="minor">
+            <a:schemeClr val="lt1"/>
+          </a:fontRef>
+        </p:style>
+        <p:txBody>
+          <a:bodyPr rtlCol="0" anchor="t"/>
+          <a:lstStyle/>
+          <a:p>
+            <a:r>
+              <a:rPr lang="zh-CN" altLang="en-US" dirty="0"/>
+              <a:t>游戏内道具</a:t>
+            </a:r>
+            <a:endParaRPr lang="zh-CN" altLang="en-US" dirty="0"/>
+          </a:p>
+        </p:txBody>
+      </p:sp>
+      <p:sp>
+        <p:nvSpPr>
+          <p:cNvPr id="11" name="矩形 10"/>
+          <p:cNvSpPr/>
+          <p:nvPr/>
+        </p:nvSpPr>
+        <p:spPr>
+          <a:xfrm>
+            <a:off x="9251578" y="2436159"/>
+            <a:ext cx="2779058" cy="1277471"/>
+          </a:xfrm>
+          <a:prstGeom prst="rect">
+            <a:avLst/>
+          </a:prstGeom>
+        </p:spPr>
+        <p:style>
+          <a:lnRef idx="3">
+            <a:schemeClr val="lt1"/>
+          </a:lnRef>
+          <a:fillRef idx="1">
+            <a:schemeClr val="accent2"/>
+          </a:fillRef>
+          <a:effectRef idx="1">
+            <a:schemeClr val="accent2"/>
+          </a:effectRef>
+          <a:fontRef idx="minor">
+            <a:schemeClr val="lt1"/>
+          </a:fontRef>
+        </p:style>
+        <p:txBody>
+          <a:bodyPr rtlCol="0" anchor="t"/>
+          <a:lstStyle/>
+          <a:p>
+            <a:r>
+              <a:rPr lang="zh-CN" altLang="en-US" dirty="0"/>
+              <a:t>抽卡池</a:t>
+            </a:r>
+            <a:endParaRPr lang="zh-CN" altLang="en-US" dirty="0"/>
+          </a:p>
+        </p:txBody>
+      </p:sp>
+      <p:sp>
+        <p:nvSpPr>
+          <p:cNvPr id="12" name="矩形 11"/>
+          <p:cNvSpPr/>
+          <p:nvPr/>
+        </p:nvSpPr>
+        <p:spPr>
+          <a:xfrm>
+            <a:off x="9404159" y="2826124"/>
+            <a:ext cx="2187389" cy="528918"/>
+          </a:xfrm>
+          <a:prstGeom prst="rect">
+            <a:avLst/>
+          </a:prstGeom>
+        </p:spPr>
+        <p:style>
+          <a:lnRef idx="3">
+            <a:schemeClr val="lt1"/>
+          </a:lnRef>
+          <a:fillRef idx="1">
+            <a:schemeClr val="accent2"/>
+          </a:fillRef>
+          <a:effectRef idx="1">
+            <a:schemeClr val="accent2"/>
+          </a:effectRef>
+          <a:fontRef idx="minor">
+            <a:schemeClr val="lt1"/>
+          </a:fontRef>
+        </p:style>
+        <p:txBody>
+          <a:bodyPr rtlCol="0" anchor="t"/>
+          <a:lstStyle/>
+          <a:p>
+            <a:r>
+              <a:rPr lang="zh-CN" altLang="en-US" dirty="0"/>
+              <a:t>能抽出的卡片</a:t>
+            </a:r>
+            <a:endParaRPr lang="zh-CN" altLang="en-US" dirty="0"/>
+          </a:p>
+        </p:txBody>
+      </p:sp>
+      <p:sp>
+        <p:nvSpPr>
+          <p:cNvPr id="13" name="矩形 12"/>
+          <p:cNvSpPr/>
+          <p:nvPr/>
+        </p:nvSpPr>
+        <p:spPr>
+          <a:xfrm>
+            <a:off x="5773548" y="4058771"/>
+            <a:ext cx="2187389" cy="1407459"/>
+          </a:xfrm>
+          <a:prstGeom prst="rect">
+            <a:avLst/>
+          </a:prstGeom>
+        </p:spPr>
+        <p:style>
+          <a:lnRef idx="2">
+            <a:schemeClr val="accent2">
+              <a:shade val="50000"/>
+            </a:schemeClr>
+          </a:lnRef>
+          <a:fillRef idx="1">
+            <a:schemeClr val="accent2"/>
+          </a:fillRef>
+          <a:effectRef idx="0">
+            <a:schemeClr val="accent2"/>
+          </a:effectRef>
+          <a:fontRef idx="minor">
+            <a:schemeClr val="lt1"/>
+          </a:fontRef>
+        </p:style>
+        <p:txBody>
+          <a:bodyPr rtlCol="0" anchor="t"/>
+          <a:lstStyle/>
+          <a:p>
+            <a:r>
+              <a:rPr lang="zh-CN" altLang="en-US" dirty="0"/>
+              <a:t>卡片</a:t>
+            </a:r>
+            <a:endParaRPr lang="en-US" altLang="zh-CN" dirty="0"/>
+          </a:p>
+          <a:p>
+            <a:r>
+              <a:rPr lang="en-US" altLang="zh-CN" dirty="0"/>
+              <a:t>·ID</a:t>
+            </a:r>
+            <a:endParaRPr lang="en-US" altLang="zh-CN" dirty="0"/>
+          </a:p>
+          <a:p>
+            <a:r>
+              <a:rPr lang="zh-CN" altLang="en-US" dirty="0"/>
+              <a:t>（具体待定，因为受游戏机制影响）</a:t>
+            </a:r>
+            <a:endParaRPr lang="en-US" altLang="zh-CN" dirty="0"/>
+          </a:p>
+          <a:p>
+            <a:endParaRPr lang="zh-CN" altLang="en-US" dirty="0"/>
+          </a:p>
+        </p:txBody>
+      </p:sp>
+      <p:cxnSp>
+        <p:nvCxnSpPr>
+          <p:cNvPr id="15" name="直接连接符 14"/>
+          <p:cNvCxnSpPr/>
+          <p:nvPr/>
+        </p:nvCxnSpPr>
+        <p:spPr>
+          <a:xfrm>
+            <a:off x="4966447" y="0"/>
+            <a:ext cx="0" cy="6858000"/>
+          </a:xfrm>
+          <a:prstGeom prst="line">
+            <a:avLst/>
+          </a:prstGeom>
+        </p:spPr>
+        <p:style>
+          <a:lnRef idx="1">
+            <a:schemeClr val="accent1"/>
+          </a:lnRef>
+          <a:fillRef idx="0">
+            <a:schemeClr val="accent1"/>
+          </a:fillRef>
+          <a:effectRef idx="0">
+            <a:schemeClr val="accent1"/>
+          </a:effectRef>
+          <a:fontRef idx="minor">
+            <a:schemeClr val="tx1"/>
+          </a:fontRef>
+        </p:style>
+      </p:cxnSp>
+      <p:sp>
+        <p:nvSpPr>
+          <p:cNvPr id="16" name="文本框 15"/>
+          <p:cNvSpPr txBox="1"/>
+          <p:nvPr/>
+        </p:nvSpPr>
+        <p:spPr>
+          <a:xfrm>
+            <a:off x="5091953" y="226820"/>
+            <a:ext cx="877163" cy="369332"/>
+          </a:xfrm>
+          <a:prstGeom prst="rect">
+            <a:avLst/>
+          </a:prstGeom>
+          <a:noFill/>
+        </p:spPr>
+        <p:txBody>
+          <a:bodyPr wrap="none" rtlCol="0">
+            <a:spAutoFit/>
+          </a:bodyPr>
+          <a:lstStyle/>
+          <a:p>
+            <a:r>
+              <a:rPr lang="zh-CN" altLang="en-US" dirty="0"/>
+              <a:t>运营方</a:t>
+            </a:r>
+            <a:endParaRPr lang="zh-CN" altLang="en-US" dirty="0"/>
+          </a:p>
+        </p:txBody>
+      </p:sp>
+      <p:sp>
+        <p:nvSpPr>
+          <p:cNvPr id="17" name="文本框 16"/>
+          <p:cNvSpPr txBox="1"/>
+          <p:nvPr/>
+        </p:nvSpPr>
+        <p:spPr>
+          <a:xfrm>
+            <a:off x="3881535" y="226820"/>
+            <a:ext cx="877163" cy="369332"/>
+          </a:xfrm>
+          <a:prstGeom prst="rect">
+            <a:avLst/>
+          </a:prstGeom>
+          <a:noFill/>
+        </p:spPr>
+        <p:txBody>
+          <a:bodyPr wrap="none" rtlCol="0">
+            <a:spAutoFit/>
+          </a:bodyPr>
+          <a:lstStyle/>
+          <a:p>
+            <a:r>
+              <a:rPr lang="zh-CN" altLang="en-US" dirty="0"/>
+              <a:t>用户方</a:t>
+            </a:r>
+            <a:endParaRPr lang="zh-CN" altLang="en-US" dirty="0"/>
+          </a:p>
+        </p:txBody>
+      </p:sp>
+      <p:sp>
+        <p:nvSpPr>
+          <p:cNvPr id="18" name="矩形 17"/>
+          <p:cNvSpPr/>
+          <p:nvPr/>
+        </p:nvSpPr>
+        <p:spPr>
+          <a:xfrm>
+            <a:off x="1057162" y="3184713"/>
+            <a:ext cx="2187389" cy="528918"/>
+          </a:xfrm>
+          <a:prstGeom prst="rect">
+            <a:avLst/>
+          </a:prstGeom>
+        </p:spPr>
+        <p:style>
+          <a:lnRef idx="3">
+            <a:schemeClr val="lt1"/>
+          </a:lnRef>
+          <a:fillRef idx="1">
+            <a:schemeClr val="accent2"/>
+          </a:fillRef>
+          <a:effectRef idx="1">
+            <a:schemeClr val="accent2"/>
+          </a:effectRef>
+          <a:fontRef idx="minor">
+            <a:schemeClr val="lt1"/>
+          </a:fontRef>
+        </p:style>
+        <p:txBody>
+          <a:bodyPr rtlCol="0" anchor="t"/>
+          <a:lstStyle/>
+          <a:p>
+            <a:r>
+              <a:rPr lang="zh-CN" altLang="en-US" dirty="0"/>
+              <a:t>游戏内邮件</a:t>
+            </a:r>
+            <a:endParaRPr lang="zh-CN" altLang="en-US" dirty="0"/>
+          </a:p>
+        </p:txBody>
+      </p:sp>
+      <p:sp>
+        <p:nvSpPr>
+          <p:cNvPr id="19" name="矩形 18"/>
+          <p:cNvSpPr/>
+          <p:nvPr/>
+        </p:nvSpPr>
+        <p:spPr>
+          <a:xfrm>
+            <a:off x="1173703" y="3314701"/>
+            <a:ext cx="2187389" cy="528918"/>
+          </a:xfrm>
+          <a:prstGeom prst="rect">
+            <a:avLst/>
+          </a:prstGeom>
+        </p:spPr>
+        <p:style>
+          <a:lnRef idx="3">
+            <a:schemeClr val="lt1"/>
+          </a:lnRef>
+          <a:fillRef idx="1">
+            <a:schemeClr val="accent2"/>
+          </a:fillRef>
+          <a:effectRef idx="1">
+            <a:schemeClr val="accent2"/>
+          </a:effectRef>
+          <a:fontRef idx="minor">
+            <a:schemeClr val="lt1"/>
+          </a:fontRef>
+        </p:style>
+        <p:txBody>
+          <a:bodyPr rtlCol="0" anchor="t"/>
+          <a:lstStyle/>
+          <a:p>
+            <a:r>
+              <a:rPr lang="zh-CN" altLang="en-US" dirty="0"/>
+              <a:t>游戏内邮件</a:t>
+            </a:r>
+            <a:endParaRPr lang="zh-CN" altLang="en-US" dirty="0"/>
+          </a:p>
+        </p:txBody>
+      </p:sp>
+      <p:sp>
+        <p:nvSpPr>
+          <p:cNvPr id="20" name="矩形 19"/>
+          <p:cNvSpPr/>
+          <p:nvPr/>
+        </p:nvSpPr>
+        <p:spPr>
+          <a:xfrm>
+            <a:off x="9547412" y="2938183"/>
+            <a:ext cx="2187389" cy="528918"/>
+          </a:xfrm>
+          <a:prstGeom prst="rect">
+            <a:avLst/>
+          </a:prstGeom>
+        </p:spPr>
+        <p:style>
+          <a:lnRef idx="3">
+            <a:schemeClr val="lt1"/>
+          </a:lnRef>
+          <a:fillRef idx="1">
+            <a:schemeClr val="accent2"/>
+          </a:fillRef>
+          <a:effectRef idx="1">
+            <a:schemeClr val="accent2"/>
+          </a:effectRef>
+          <a:fontRef idx="minor">
+            <a:schemeClr val="lt1"/>
+          </a:fontRef>
+        </p:style>
+        <p:txBody>
+          <a:bodyPr rtlCol="0" anchor="t"/>
+          <a:lstStyle/>
+          <a:p>
+            <a:r>
+              <a:rPr lang="zh-CN" altLang="en-US" dirty="0"/>
+              <a:t>能抽出的卡片</a:t>
+            </a:r>
+            <a:endParaRPr lang="zh-CN" altLang="en-US" dirty="0"/>
+          </a:p>
+        </p:txBody>
+      </p:sp>
+      <p:sp>
+        <p:nvSpPr>
+          <p:cNvPr id="21" name="矩形 20"/>
+          <p:cNvSpPr/>
+          <p:nvPr/>
+        </p:nvSpPr>
+        <p:spPr>
+          <a:xfrm>
+            <a:off x="9762565" y="3077136"/>
+            <a:ext cx="2187389" cy="528918"/>
+          </a:xfrm>
+          <a:prstGeom prst="rect">
+            <a:avLst/>
+          </a:prstGeom>
+        </p:spPr>
+        <p:style>
+          <a:lnRef idx="3">
+            <a:schemeClr val="lt1"/>
+          </a:lnRef>
+          <a:fillRef idx="1">
+            <a:schemeClr val="accent2"/>
+          </a:fillRef>
+          <a:effectRef idx="1">
+            <a:schemeClr val="accent2"/>
+          </a:effectRef>
+          <a:fontRef idx="minor">
+            <a:schemeClr val="lt1"/>
+          </a:fontRef>
+        </p:style>
+        <p:txBody>
+          <a:bodyPr rtlCol="0" anchor="t"/>
+          <a:lstStyle/>
+          <a:p>
+            <a:r>
+              <a:rPr lang="zh-CN" altLang="en-US" dirty="0"/>
+              <a:t>能抽出的卡片</a:t>
+            </a:r>
+            <a:endParaRPr lang="zh-CN" altLang="en-US" dirty="0"/>
+          </a:p>
+        </p:txBody>
+      </p:sp>
+      <p:sp>
+        <p:nvSpPr>
+          <p:cNvPr id="22" name="矩形 21"/>
+          <p:cNvSpPr/>
+          <p:nvPr/>
+        </p:nvSpPr>
+        <p:spPr>
+          <a:xfrm>
+            <a:off x="6378753" y="2931461"/>
+            <a:ext cx="2187389" cy="528918"/>
+          </a:xfrm>
+          <a:prstGeom prst="rect">
+            <a:avLst/>
+          </a:prstGeom>
+        </p:spPr>
+        <p:style>
+          <a:lnRef idx="3">
+            <a:schemeClr val="lt1"/>
+          </a:lnRef>
+          <a:fillRef idx="1">
+            <a:schemeClr val="accent2"/>
+          </a:fillRef>
+          <a:effectRef idx="1">
+            <a:schemeClr val="accent2"/>
+          </a:effectRef>
+          <a:fontRef idx="minor">
+            <a:schemeClr val="lt1"/>
+          </a:fontRef>
+        </p:style>
+        <p:txBody>
+          <a:bodyPr rtlCol="0" anchor="t"/>
+          <a:lstStyle/>
+          <a:p>
+            <a:r>
+              <a:rPr lang="zh-CN" altLang="en-US" dirty="0"/>
+              <a:t>游戏内道具</a:t>
+            </a:r>
+            <a:endParaRPr lang="zh-CN" altLang="en-US" dirty="0"/>
+          </a:p>
+        </p:txBody>
+      </p:sp>
+      <p:sp>
+        <p:nvSpPr>
+          <p:cNvPr id="23" name="矩形 22"/>
+          <p:cNvSpPr/>
+          <p:nvPr/>
+        </p:nvSpPr>
+        <p:spPr>
+          <a:xfrm>
+            <a:off x="6618513" y="3115236"/>
+            <a:ext cx="2187389" cy="528918"/>
+          </a:xfrm>
+          <a:prstGeom prst="rect">
+            <a:avLst/>
+          </a:prstGeom>
+        </p:spPr>
+        <p:style>
+          <a:lnRef idx="3">
+            <a:schemeClr val="lt1"/>
+          </a:lnRef>
+          <a:fillRef idx="1">
+            <a:schemeClr val="accent2"/>
+          </a:fillRef>
+          <a:effectRef idx="1">
+            <a:schemeClr val="accent2"/>
+          </a:effectRef>
+          <a:fontRef idx="minor">
+            <a:schemeClr val="lt1"/>
+          </a:fontRef>
+        </p:style>
+        <p:txBody>
+          <a:bodyPr rtlCol="0" anchor="t"/>
+          <a:lstStyle/>
+          <a:p>
+            <a:r>
+              <a:rPr lang="zh-CN" altLang="en-US" dirty="0"/>
+              <a:t>游戏内道具</a:t>
+            </a:r>
+            <a:endParaRPr lang="zh-CN" altLang="en-US" dirty="0"/>
+          </a:p>
+        </p:txBody>
+      </p:sp>
+      <p:sp>
+        <p:nvSpPr>
+          <p:cNvPr id="24" name="矩形 23"/>
+          <p:cNvSpPr/>
+          <p:nvPr/>
+        </p:nvSpPr>
+        <p:spPr>
+          <a:xfrm>
+            <a:off x="3246670" y="990140"/>
+            <a:ext cx="1415552" cy="369333"/>
+          </a:xfrm>
+          <a:prstGeom prst="rect">
+            <a:avLst/>
+          </a:prstGeom>
+        </p:spPr>
+        <p:style>
+          <a:lnRef idx="3">
+            <a:schemeClr val="lt1"/>
+          </a:lnRef>
+          <a:fillRef idx="1">
+            <a:schemeClr val="accent2"/>
+          </a:fillRef>
+          <a:effectRef idx="1">
+            <a:schemeClr val="accent2"/>
+          </a:effectRef>
+          <a:fontRef idx="minor">
+            <a:schemeClr val="lt1"/>
+          </a:fontRef>
+        </p:style>
+        <p:txBody>
+          <a:bodyPr rtlCol="0" anchor="t"/>
+          <a:lstStyle/>
+          <a:p>
+            <a:r>
+              <a:rPr lang="zh-CN" altLang="en-US" dirty="0"/>
+              <a:t>持有的卡片</a:t>
+            </a:r>
+            <a:endParaRPr lang="zh-CN" altLang="en-US" dirty="0"/>
+          </a:p>
+        </p:txBody>
+      </p:sp>
+      <p:sp>
+        <p:nvSpPr>
+          <p:cNvPr id="25" name="矩形 24"/>
+          <p:cNvSpPr/>
+          <p:nvPr/>
+        </p:nvSpPr>
+        <p:spPr>
+          <a:xfrm>
+            <a:off x="3343399" y="1094583"/>
+            <a:ext cx="1415552" cy="369333"/>
+          </a:xfrm>
+          <a:prstGeom prst="rect">
+            <a:avLst/>
+          </a:prstGeom>
+        </p:spPr>
+        <p:style>
+          <a:lnRef idx="3">
+            <a:schemeClr val="lt1"/>
+          </a:lnRef>
+          <a:fillRef idx="1">
+            <a:schemeClr val="accent2"/>
+          </a:fillRef>
+          <a:effectRef idx="1">
+            <a:schemeClr val="accent2"/>
+          </a:effectRef>
+          <a:fontRef idx="minor">
+            <a:schemeClr val="lt1"/>
+          </a:fontRef>
+        </p:style>
+        <p:txBody>
+          <a:bodyPr rtlCol="0" anchor="t"/>
+          <a:lstStyle/>
+          <a:p>
+            <a:r>
+              <a:rPr lang="zh-CN" altLang="en-US" dirty="0"/>
+              <a:t>持有的卡片</a:t>
+            </a:r>
+            <a:endParaRPr lang="zh-CN" altLang="en-US" dirty="0"/>
+          </a:p>
+        </p:txBody>
+      </p:sp>
+      <p:sp>
+        <p:nvSpPr>
+          <p:cNvPr id="26" name="矩形 25"/>
+          <p:cNvSpPr/>
+          <p:nvPr/>
+        </p:nvSpPr>
+        <p:spPr>
+          <a:xfrm>
+            <a:off x="3469043" y="1189604"/>
+            <a:ext cx="1415552" cy="971320"/>
+          </a:xfrm>
+          <a:prstGeom prst="rect">
+            <a:avLst/>
+          </a:prstGeom>
+        </p:spPr>
+        <p:style>
+          <a:lnRef idx="3">
+            <a:schemeClr val="lt1"/>
+          </a:lnRef>
+          <a:fillRef idx="1">
+            <a:schemeClr val="accent2"/>
+          </a:fillRef>
+          <a:effectRef idx="1">
+            <a:schemeClr val="accent2"/>
+          </a:effectRef>
+          <a:fontRef idx="minor">
+            <a:schemeClr val="lt1"/>
+          </a:fontRef>
+        </p:style>
+        <p:txBody>
+          <a:bodyPr rtlCol="0" anchor="t"/>
+          <a:lstStyle/>
+          <a:p>
+            <a:r>
+              <a:rPr lang="zh-CN" altLang="en-US" dirty="0"/>
+              <a:t>持有的卡片</a:t>
+            </a:r>
+            <a:endParaRPr lang="en-US" altLang="zh-CN" dirty="0"/>
+          </a:p>
+          <a:p>
+            <a:r>
+              <a:rPr lang="en-US" altLang="zh-CN" dirty="0"/>
+              <a:t>·</a:t>
+            </a:r>
+            <a:r>
+              <a:rPr lang="zh-CN" altLang="en-US" dirty="0"/>
+              <a:t>获得日期</a:t>
+            </a:r>
+            <a:endParaRPr lang="zh-CN" altLang="en-US" dirty="0"/>
+          </a:p>
+        </p:txBody>
+      </p:sp>
+      <p:sp>
+        <p:nvSpPr>
+          <p:cNvPr id="27" name="矩形 26"/>
+          <p:cNvSpPr/>
+          <p:nvPr/>
+        </p:nvSpPr>
+        <p:spPr>
+          <a:xfrm>
+            <a:off x="8453717" y="4058771"/>
+            <a:ext cx="3496237" cy="1407459"/>
+          </a:xfrm>
+          <a:prstGeom prst="rect">
+            <a:avLst/>
+          </a:prstGeom>
+        </p:spPr>
+        <p:style>
+          <a:lnRef idx="3">
+            <a:schemeClr val="lt1"/>
+          </a:lnRef>
+          <a:fillRef idx="1">
+            <a:schemeClr val="accent2"/>
+          </a:fillRef>
+          <a:effectRef idx="1">
+            <a:schemeClr val="accent2"/>
+          </a:effectRef>
+          <a:fontRef idx="minor">
+            <a:schemeClr val="lt1"/>
+          </a:fontRef>
+        </p:style>
+        <p:txBody>
+          <a:bodyPr rtlCol="0" anchor="t"/>
+          <a:lstStyle/>
+          <a:p>
+            <a:r>
+              <a:rPr lang="zh-CN" altLang="en-US" dirty="0"/>
+              <a:t>活动</a:t>
+            </a:r>
+            <a:endParaRPr lang="zh-CN" altLang="en-US" dirty="0"/>
+          </a:p>
+        </p:txBody>
+      </p:sp>
+      <p:sp>
+        <p:nvSpPr>
+          <p:cNvPr id="28" name="矩形 27"/>
+          <p:cNvSpPr/>
+          <p:nvPr/>
+        </p:nvSpPr>
+        <p:spPr>
+          <a:xfrm>
+            <a:off x="8624047" y="4557645"/>
+            <a:ext cx="1255059" cy="516379"/>
+          </a:xfrm>
+          <a:prstGeom prst="rect">
+            <a:avLst/>
+          </a:prstGeom>
+        </p:spPr>
+        <p:style>
+          <a:lnRef idx="3">
+            <a:schemeClr val="lt1"/>
+          </a:lnRef>
+          <a:fillRef idx="1">
+            <a:schemeClr val="accent2"/>
+          </a:fillRef>
+          <a:effectRef idx="1">
+            <a:schemeClr val="accent2"/>
+          </a:effectRef>
+          <a:fontRef idx="minor">
+            <a:schemeClr val="lt1"/>
+          </a:fontRef>
+        </p:style>
+        <p:txBody>
+          <a:bodyPr rtlCol="0" anchor="t"/>
+          <a:lstStyle/>
+          <a:p>
+            <a:r>
+              <a:rPr lang="zh-CN" altLang="en-US" dirty="0"/>
+              <a:t>定期活动</a:t>
+            </a:r>
+            <a:endParaRPr lang="zh-CN" altLang="en-US" dirty="0"/>
+          </a:p>
+        </p:txBody>
+      </p:sp>
+      <p:sp>
+        <p:nvSpPr>
+          <p:cNvPr id="29" name="矩形 28"/>
+          <p:cNvSpPr/>
+          <p:nvPr/>
+        </p:nvSpPr>
+        <p:spPr>
+          <a:xfrm>
+            <a:off x="10336489" y="4557645"/>
+            <a:ext cx="1255059" cy="516379"/>
+          </a:xfrm>
+          <a:prstGeom prst="rect">
+            <a:avLst/>
+          </a:prstGeom>
+        </p:spPr>
+        <p:style>
+          <a:lnRef idx="3">
+            <a:schemeClr val="lt1"/>
+          </a:lnRef>
+          <a:fillRef idx="1">
+            <a:schemeClr val="accent2"/>
+          </a:fillRef>
+          <a:effectRef idx="1">
+            <a:schemeClr val="accent2"/>
+          </a:effectRef>
+          <a:fontRef idx="minor">
+            <a:schemeClr val="lt1"/>
+          </a:fontRef>
+        </p:style>
+        <p:txBody>
+          <a:bodyPr rtlCol="0" anchor="t"/>
+          <a:lstStyle/>
+          <a:p>
+            <a:r>
+              <a:rPr lang="zh-CN" altLang="en-US" dirty="0"/>
+              <a:t>限时活动</a:t>
+            </a:r>
+            <a:endParaRPr lang="zh-CN" altLang="en-US" dirty="0"/>
+          </a:p>
+        </p:txBody>
+      </p:sp>
+      <p:sp>
+        <p:nvSpPr>
+          <p:cNvPr id="30" name="矩形 29"/>
+          <p:cNvSpPr/>
+          <p:nvPr/>
+        </p:nvSpPr>
+        <p:spPr>
+          <a:xfrm>
+            <a:off x="8768037" y="4676427"/>
+            <a:ext cx="1255059" cy="516379"/>
+          </a:xfrm>
+          <a:prstGeom prst="rect">
+            <a:avLst/>
+          </a:prstGeom>
+        </p:spPr>
+        <p:style>
+          <a:lnRef idx="3">
+            <a:schemeClr val="lt1"/>
+          </a:lnRef>
+          <a:fillRef idx="1">
+            <a:schemeClr val="accent2"/>
+          </a:fillRef>
+          <a:effectRef idx="1">
+            <a:schemeClr val="accent2"/>
+          </a:effectRef>
+          <a:fontRef idx="minor">
+            <a:schemeClr val="lt1"/>
+          </a:fontRef>
+        </p:style>
+        <p:txBody>
+          <a:bodyPr rtlCol="0" anchor="t"/>
+          <a:lstStyle/>
+          <a:p>
+            <a:r>
+              <a:rPr lang="zh-CN" altLang="en-US" dirty="0"/>
+              <a:t>定期活动</a:t>
+            </a:r>
+            <a:endParaRPr lang="zh-CN" altLang="en-US" dirty="0"/>
+          </a:p>
+        </p:txBody>
+      </p:sp>
+      <p:sp>
+        <p:nvSpPr>
+          <p:cNvPr id="31" name="矩形 30"/>
+          <p:cNvSpPr/>
+          <p:nvPr/>
+        </p:nvSpPr>
+        <p:spPr>
+          <a:xfrm>
+            <a:off x="10480479" y="4680455"/>
+            <a:ext cx="1255059" cy="516379"/>
+          </a:xfrm>
+          <a:prstGeom prst="rect">
+            <a:avLst/>
+          </a:prstGeom>
+        </p:spPr>
+        <p:style>
+          <a:lnRef idx="3">
+            <a:schemeClr val="lt1"/>
+          </a:lnRef>
+          <a:fillRef idx="1">
+            <a:schemeClr val="accent2"/>
+          </a:fillRef>
+          <a:effectRef idx="1">
+            <a:schemeClr val="accent2"/>
+          </a:effectRef>
+          <a:fontRef idx="minor">
+            <a:schemeClr val="lt1"/>
+          </a:fontRef>
+        </p:style>
+        <p:txBody>
+          <a:bodyPr rtlCol="0" anchor="t"/>
+          <a:lstStyle/>
+          <a:p>
+            <a:r>
+              <a:rPr lang="zh-CN" altLang="en-US" dirty="0"/>
+              <a:t>限时活动</a:t>
+            </a:r>
+            <a:endParaRPr lang="zh-CN" altLang="en-US" dirty="0"/>
+          </a:p>
+        </p:txBody>
+      </p:sp>
+      <p:sp>
+        <p:nvSpPr>
+          <p:cNvPr id="32" name="矩形 31"/>
+          <p:cNvSpPr/>
+          <p:nvPr/>
+        </p:nvSpPr>
+        <p:spPr>
+          <a:xfrm>
+            <a:off x="2738132" y="5777753"/>
+            <a:ext cx="2187389" cy="694765"/>
+          </a:xfrm>
+          <a:prstGeom prst="rect">
+            <a:avLst/>
+          </a:prstGeom>
+        </p:spPr>
+        <p:style>
+          <a:lnRef idx="2">
+            <a:schemeClr val="accent3">
+              <a:shade val="50000"/>
+            </a:schemeClr>
+          </a:lnRef>
+          <a:fillRef idx="1">
+            <a:schemeClr val="accent3"/>
+          </a:fillRef>
+          <a:effectRef idx="0">
+            <a:schemeClr val="accent3"/>
+          </a:effectRef>
+          <a:fontRef idx="minor">
+            <a:schemeClr val="lt1"/>
+          </a:fontRef>
+        </p:style>
+        <p:txBody>
+          <a:bodyPr rtlCol="0" anchor="t"/>
+          <a:lstStyle/>
+          <a:p>
+            <a:r>
+              <a:rPr lang="zh-CN" altLang="en-US" dirty="0"/>
+              <a:t>进度</a:t>
+            </a:r>
+            <a:endParaRPr lang="zh-CN" altLang="en-US" dirty="0"/>
+          </a:p>
+        </p:txBody>
+      </p:sp>
+      <p:sp>
+        <p:nvSpPr>
+          <p:cNvPr id="33" name="矩形 32"/>
+          <p:cNvSpPr/>
+          <p:nvPr/>
+        </p:nvSpPr>
+        <p:spPr>
+          <a:xfrm>
+            <a:off x="5773548" y="5595758"/>
+            <a:ext cx="1452006" cy="473348"/>
+          </a:xfrm>
+          <a:prstGeom prst="rect">
+            <a:avLst/>
+          </a:prstGeom>
+        </p:spPr>
+        <p:style>
+          <a:lnRef idx="2">
+            <a:schemeClr val="accent2">
+              <a:shade val="50000"/>
+            </a:schemeClr>
+          </a:lnRef>
+          <a:fillRef idx="1">
+            <a:schemeClr val="accent2"/>
+          </a:fillRef>
+          <a:effectRef idx="0">
+            <a:schemeClr val="accent2"/>
+          </a:effectRef>
+          <a:fontRef idx="minor">
+            <a:schemeClr val="lt1"/>
+          </a:fontRef>
+        </p:style>
+        <p:txBody>
+          <a:bodyPr rtlCol="0" anchor="t"/>
+          <a:lstStyle/>
+          <a:p>
+            <a:r>
+              <a:rPr lang="zh-CN" altLang="en-US" dirty="0"/>
+              <a:t>关卡</a:t>
+            </a:r>
+            <a:r>
+              <a:rPr lang="en-US" altLang="zh-CN" dirty="0"/>
+              <a:t>(NPC</a:t>
+            </a:r>
+            <a:r>
+              <a:rPr lang="zh-CN" altLang="en-US" dirty="0"/>
+              <a:t>战</a:t>
+            </a:r>
+            <a:r>
+              <a:rPr lang="en-US" altLang="zh-CN" dirty="0"/>
+              <a:t>)</a:t>
+            </a:r>
+            <a:endParaRPr lang="zh-CN" altLang="en-US" dirty="0"/>
+          </a:p>
+        </p:txBody>
+      </p:sp>
+      <p:sp>
+        <p:nvSpPr>
+          <p:cNvPr id="34" name="矩形 33"/>
+          <p:cNvSpPr/>
+          <p:nvPr/>
+        </p:nvSpPr>
+        <p:spPr>
+          <a:xfrm>
+            <a:off x="6096000" y="5777753"/>
+            <a:ext cx="1452006" cy="473348"/>
+          </a:xfrm>
+          <a:prstGeom prst="rect">
+            <a:avLst/>
+          </a:prstGeom>
+        </p:spPr>
+        <p:style>
+          <a:lnRef idx="2">
+            <a:schemeClr val="accent2">
+              <a:shade val="50000"/>
+            </a:schemeClr>
+          </a:lnRef>
+          <a:fillRef idx="1">
+            <a:schemeClr val="accent2"/>
+          </a:fillRef>
+          <a:effectRef idx="0">
+            <a:schemeClr val="accent2"/>
+          </a:effectRef>
+          <a:fontRef idx="minor">
+            <a:schemeClr val="lt1"/>
+          </a:fontRef>
+        </p:style>
+        <p:txBody>
+          <a:bodyPr rtlCol="0" anchor="t"/>
+          <a:lstStyle/>
+          <a:p>
+            <a:r>
+              <a:rPr lang="zh-CN" altLang="en-US" dirty="0"/>
+              <a:t>关卡</a:t>
+            </a:r>
+            <a:r>
+              <a:rPr lang="en-US" altLang="zh-CN" dirty="0"/>
+              <a:t>(NPC</a:t>
+            </a:r>
+            <a:r>
+              <a:rPr lang="zh-CN" altLang="en-US" dirty="0"/>
+              <a:t>战</a:t>
+            </a:r>
+            <a:r>
+              <a:rPr lang="en-US" altLang="zh-CN" dirty="0"/>
+              <a:t>)</a:t>
+            </a:r>
+            <a:endParaRPr lang="zh-CN" altLang="en-US" dirty="0"/>
+          </a:p>
+        </p:txBody>
+      </p:sp>
+      <p:sp>
+        <p:nvSpPr>
+          <p:cNvPr id="35" name="矩形 34"/>
+          <p:cNvSpPr/>
+          <p:nvPr/>
+        </p:nvSpPr>
+        <p:spPr>
+          <a:xfrm>
+            <a:off x="6325242" y="5888461"/>
+            <a:ext cx="1452006" cy="473348"/>
+          </a:xfrm>
+          <a:prstGeom prst="rect">
+            <a:avLst/>
+          </a:prstGeom>
+        </p:spPr>
+        <p:style>
+          <a:lnRef idx="2">
+            <a:schemeClr val="accent2">
+              <a:shade val="50000"/>
+            </a:schemeClr>
+          </a:lnRef>
+          <a:fillRef idx="1">
+            <a:schemeClr val="accent2"/>
+          </a:fillRef>
+          <a:effectRef idx="0">
+            <a:schemeClr val="accent2"/>
+          </a:effectRef>
+          <a:fontRef idx="minor">
+            <a:schemeClr val="lt1"/>
+          </a:fontRef>
+        </p:style>
+        <p:txBody>
+          <a:bodyPr rtlCol="0" anchor="t"/>
+          <a:lstStyle/>
+          <a:p>
+            <a:r>
+              <a:rPr lang="zh-CN" altLang="en-US" dirty="0"/>
+              <a:t>关卡</a:t>
+            </a:r>
+            <a:r>
+              <a:rPr lang="en-US" altLang="zh-CN" dirty="0"/>
+              <a:t>(NPC</a:t>
+            </a:r>
+            <a:r>
+              <a:rPr lang="zh-CN" altLang="en-US" dirty="0"/>
+              <a:t>战</a:t>
+            </a:r>
+            <a:r>
+              <a:rPr lang="en-US" altLang="zh-CN" dirty="0"/>
+              <a:t>)</a:t>
+            </a:r>
+            <a:endParaRPr lang="zh-CN" altLang="en-US" dirty="0"/>
+          </a:p>
+        </p:txBody>
+      </p:sp>
+      <p:sp>
+        <p:nvSpPr>
+          <p:cNvPr id="37" name="矩形 36"/>
+          <p:cNvSpPr/>
+          <p:nvPr/>
+        </p:nvSpPr>
+        <p:spPr>
+          <a:xfrm>
+            <a:off x="2679898" y="4212981"/>
+            <a:ext cx="1855510" cy="589353"/>
           </a:xfrm>
           <a:prstGeom prst="rect">
             <a:avLst/>
@@ -4579,27 +5815,33 @@
           <a:p>
             <a:r>
               <a:rPr lang="zh-CN" altLang="en-US" dirty="0"/>
-              <a:t>商店</a:t>
-            </a:r>
-          </a:p>
-        </p:txBody>
-      </p:sp>
-      <p:sp>
-        <p:nvSpPr>
-          <p:cNvPr id="6" name="矩形 5">
-            <a:extLst>
-              <a:ext uri="{FF2B5EF4-FFF2-40B4-BE49-F238E27FC236}">
-                <a16:creationId xmlns:a16="http://schemas.microsoft.com/office/drawing/2014/main" id="{73F93025-7CDB-40BD-A080-2B69826804A4}"/>
-              </a:ext>
-            </a:extLst>
-          </p:cNvPr>
+              <a:t>聊天历史</a:t>
+            </a:r>
+            <a:endParaRPr lang="en-US" altLang="zh-CN" dirty="0"/>
+          </a:p>
+          <a:p>
+            <a:r>
+              <a:rPr lang="en-US" altLang="zh-CN" dirty="0"/>
+              <a:t>·</a:t>
+            </a:r>
+            <a:r>
+              <a:rPr lang="zh-CN" altLang="en-US" dirty="0"/>
+              <a:t>对方</a:t>
+            </a:r>
+            <a:endParaRPr lang="zh-CN" altLang="en-US" dirty="0"/>
+          </a:p>
+        </p:txBody>
+      </p:sp>
+      <p:sp>
+        <p:nvSpPr>
+          <p:cNvPr id="38" name="矩形 37"/>
           <p:cNvSpPr/>
           <p:nvPr/>
         </p:nvSpPr>
         <p:spPr>
           <a:xfrm>
-            <a:off x="877685" y="3016624"/>
-            <a:ext cx="2187389" cy="528918"/>
+            <a:off x="2806712" y="4271758"/>
+            <a:ext cx="1855510" cy="589353"/>
           </a:xfrm>
           <a:prstGeom prst="rect">
             <a:avLst/>
@@ -4627,27 +5869,33 @@
           <a:p>
             <a:r>
               <a:rPr lang="zh-CN" altLang="en-US" dirty="0"/>
-              <a:t>游戏内邮件</a:t>
-            </a:r>
-          </a:p>
-        </p:txBody>
-      </p:sp>
-      <p:sp>
-        <p:nvSpPr>
-          <p:cNvPr id="7" name="矩形 6">
-            <a:extLst>
-              <a:ext uri="{FF2B5EF4-FFF2-40B4-BE49-F238E27FC236}">
-                <a16:creationId xmlns:a16="http://schemas.microsoft.com/office/drawing/2014/main" id="{1BF67C6A-B7F3-4FE2-BA39-B34B7AE3431F}"/>
-              </a:ext>
-            </a:extLst>
-          </p:cNvPr>
+              <a:t>聊天历史</a:t>
+            </a:r>
+            <a:endParaRPr lang="en-US" altLang="zh-CN" dirty="0"/>
+          </a:p>
+          <a:p>
+            <a:r>
+              <a:rPr lang="en-US" altLang="zh-CN" dirty="0"/>
+              <a:t>·</a:t>
+            </a:r>
+            <a:r>
+              <a:rPr lang="zh-CN" altLang="en-US" dirty="0"/>
+              <a:t>对方</a:t>
+            </a:r>
+            <a:endParaRPr lang="zh-CN" altLang="en-US" dirty="0"/>
+          </a:p>
+        </p:txBody>
+      </p:sp>
+      <p:sp>
+        <p:nvSpPr>
+          <p:cNvPr id="39" name="矩形 38"/>
           <p:cNvSpPr/>
           <p:nvPr/>
         </p:nvSpPr>
         <p:spPr>
           <a:xfrm>
-            <a:off x="205515" y="4047565"/>
-            <a:ext cx="2187389" cy="694765"/>
+            <a:off x="2942496" y="4381750"/>
+            <a:ext cx="1855510" cy="589353"/>
           </a:xfrm>
           <a:prstGeom prst="rect">
             <a:avLst/>
@@ -4675,855 +5923,7 @@
           <a:p>
             <a:r>
               <a:rPr lang="zh-CN" altLang="en-US" dirty="0"/>
-              <a:t>好友名单</a:t>
-            </a:r>
-          </a:p>
-        </p:txBody>
-      </p:sp>
-      <p:sp>
-        <p:nvSpPr>
-          <p:cNvPr id="8" name="矩形 7">
-            <a:extLst>
-              <a:ext uri="{FF2B5EF4-FFF2-40B4-BE49-F238E27FC236}">
-                <a16:creationId xmlns:a16="http://schemas.microsoft.com/office/drawing/2014/main" id="{EED2F027-F77A-4C99-946C-87C6BFB5B7F5}"/>
-              </a:ext>
-            </a:extLst>
-          </p:cNvPr>
-          <p:cNvSpPr/>
-          <p:nvPr/>
-        </p:nvSpPr>
-        <p:spPr>
-          <a:xfrm>
-            <a:off x="205515" y="4845424"/>
-            <a:ext cx="2187389" cy="694765"/>
-          </a:xfrm>
-          <a:prstGeom prst="rect">
-            <a:avLst/>
-          </a:prstGeom>
-        </p:spPr>
-        <p:style>
-          <a:lnRef idx="2">
-            <a:schemeClr val="accent5">
-              <a:shade val="50000"/>
-            </a:schemeClr>
-          </a:lnRef>
-          <a:fillRef idx="1">
-            <a:schemeClr val="accent5"/>
-          </a:fillRef>
-          <a:effectRef idx="0">
-            <a:schemeClr val="accent5"/>
-          </a:effectRef>
-          <a:fontRef idx="minor">
-            <a:schemeClr val="lt1"/>
-          </a:fontRef>
-        </p:style>
-        <p:txBody>
-          <a:bodyPr rtlCol="0" anchor="t"/>
-          <a:lstStyle/>
-          <a:p>
-            <a:r>
-              <a:rPr lang="zh-CN" altLang="en-US" dirty="0"/>
-              <a:t>黑名单</a:t>
-            </a:r>
-          </a:p>
-        </p:txBody>
-      </p:sp>
-      <p:sp>
-        <p:nvSpPr>
-          <p:cNvPr id="9" name="矩形 8">
-            <a:extLst>
-              <a:ext uri="{FF2B5EF4-FFF2-40B4-BE49-F238E27FC236}">
-                <a16:creationId xmlns:a16="http://schemas.microsoft.com/office/drawing/2014/main" id="{4E553857-EB96-4DD7-8538-8625C5EF095B}"/>
-              </a:ext>
-            </a:extLst>
-          </p:cNvPr>
-          <p:cNvSpPr/>
-          <p:nvPr/>
-        </p:nvSpPr>
-        <p:spPr>
-          <a:xfrm>
-            <a:off x="385483" y="5777753"/>
-            <a:ext cx="2187389" cy="694765"/>
-          </a:xfrm>
-          <a:prstGeom prst="rect">
-            <a:avLst/>
-          </a:prstGeom>
-          <a:solidFill>
-            <a:schemeClr val="bg1">
-              <a:lumMod val="75000"/>
-            </a:schemeClr>
-          </a:solidFill>
-        </p:spPr>
-        <p:style>
-          <a:lnRef idx="2">
-            <a:schemeClr val="accent3">
-              <a:shade val="50000"/>
-            </a:schemeClr>
-          </a:lnRef>
-          <a:fillRef idx="1">
-            <a:schemeClr val="accent3"/>
-          </a:fillRef>
-          <a:effectRef idx="0">
-            <a:schemeClr val="accent3"/>
-          </a:effectRef>
-          <a:fontRef idx="minor">
-            <a:schemeClr val="lt1"/>
-          </a:fontRef>
-        </p:style>
-        <p:txBody>
-          <a:bodyPr rtlCol="0" anchor="t"/>
-          <a:lstStyle/>
-          <a:p>
-            <a:r>
-              <a:rPr lang="zh-CN" altLang="en-US" dirty="0"/>
-              <a:t>战绩（待定，因为受游戏机制影响）</a:t>
-            </a:r>
-          </a:p>
-        </p:txBody>
-      </p:sp>
-      <p:sp>
-        <p:nvSpPr>
-          <p:cNvPr id="10" name="矩形 9">
-            <a:extLst>
-              <a:ext uri="{FF2B5EF4-FFF2-40B4-BE49-F238E27FC236}">
-                <a16:creationId xmlns:a16="http://schemas.microsoft.com/office/drawing/2014/main" id="{334275B3-A91E-4066-A2A8-C4FAED91D6EE}"/>
-              </a:ext>
-            </a:extLst>
-          </p:cNvPr>
-          <p:cNvSpPr/>
-          <p:nvPr/>
-        </p:nvSpPr>
-        <p:spPr>
-          <a:xfrm>
-            <a:off x="6153167" y="2826124"/>
-            <a:ext cx="2187389" cy="528918"/>
-          </a:xfrm>
-          <a:prstGeom prst="rect">
-            <a:avLst/>
-          </a:prstGeom>
-        </p:spPr>
-        <p:style>
-          <a:lnRef idx="2">
-            <a:schemeClr val="accent5">
-              <a:shade val="50000"/>
-            </a:schemeClr>
-          </a:lnRef>
-          <a:fillRef idx="1">
-            <a:schemeClr val="accent5"/>
-          </a:fillRef>
-          <a:effectRef idx="0">
-            <a:schemeClr val="accent5"/>
-          </a:effectRef>
-          <a:fontRef idx="minor">
-            <a:schemeClr val="lt1"/>
-          </a:fontRef>
-        </p:style>
-        <p:txBody>
-          <a:bodyPr rtlCol="0" anchor="t"/>
-          <a:lstStyle/>
-          <a:p>
-            <a:r>
-              <a:rPr lang="zh-CN" altLang="en-US" dirty="0"/>
-              <a:t>游戏内道具</a:t>
-            </a:r>
-          </a:p>
-        </p:txBody>
-      </p:sp>
-      <p:sp>
-        <p:nvSpPr>
-          <p:cNvPr id="11" name="矩形 10">
-            <a:extLst>
-              <a:ext uri="{FF2B5EF4-FFF2-40B4-BE49-F238E27FC236}">
-                <a16:creationId xmlns:a16="http://schemas.microsoft.com/office/drawing/2014/main" id="{DB685338-F989-430F-B1F6-BA5E5274FECB}"/>
-              </a:ext>
-            </a:extLst>
-          </p:cNvPr>
-          <p:cNvSpPr/>
-          <p:nvPr/>
-        </p:nvSpPr>
-        <p:spPr>
-          <a:xfrm>
-            <a:off x="9251578" y="2436159"/>
-            <a:ext cx="2779058" cy="1277471"/>
-          </a:xfrm>
-          <a:prstGeom prst="rect">
-            <a:avLst/>
-          </a:prstGeom>
-        </p:spPr>
-        <p:style>
-          <a:lnRef idx="2">
-            <a:schemeClr val="accent5">
-              <a:shade val="50000"/>
-            </a:schemeClr>
-          </a:lnRef>
-          <a:fillRef idx="1">
-            <a:schemeClr val="accent5"/>
-          </a:fillRef>
-          <a:effectRef idx="0">
-            <a:schemeClr val="accent5"/>
-          </a:effectRef>
-          <a:fontRef idx="minor">
-            <a:schemeClr val="lt1"/>
-          </a:fontRef>
-        </p:style>
-        <p:txBody>
-          <a:bodyPr rtlCol="0" anchor="t"/>
-          <a:lstStyle/>
-          <a:p>
-            <a:r>
-              <a:rPr lang="zh-CN" altLang="en-US" dirty="0"/>
-              <a:t>抽卡池</a:t>
-            </a:r>
-          </a:p>
-        </p:txBody>
-      </p:sp>
-      <p:sp>
-        <p:nvSpPr>
-          <p:cNvPr id="12" name="矩形 11">
-            <a:extLst>
-              <a:ext uri="{FF2B5EF4-FFF2-40B4-BE49-F238E27FC236}">
-                <a16:creationId xmlns:a16="http://schemas.microsoft.com/office/drawing/2014/main" id="{9DC8102E-65DB-4A0C-A43C-604014EF676D}"/>
-              </a:ext>
-            </a:extLst>
-          </p:cNvPr>
-          <p:cNvSpPr/>
-          <p:nvPr/>
-        </p:nvSpPr>
-        <p:spPr>
-          <a:xfrm>
-            <a:off x="9404159" y="2826124"/>
-            <a:ext cx="2187389" cy="528918"/>
-          </a:xfrm>
-          <a:prstGeom prst="rect">
-            <a:avLst/>
-          </a:prstGeom>
-        </p:spPr>
-        <p:style>
-          <a:lnRef idx="2">
-            <a:schemeClr val="accent5">
-              <a:shade val="50000"/>
-            </a:schemeClr>
-          </a:lnRef>
-          <a:fillRef idx="1">
-            <a:schemeClr val="accent5"/>
-          </a:fillRef>
-          <a:effectRef idx="0">
-            <a:schemeClr val="accent5"/>
-          </a:effectRef>
-          <a:fontRef idx="minor">
-            <a:schemeClr val="lt1"/>
-          </a:fontRef>
-        </p:style>
-        <p:txBody>
-          <a:bodyPr rtlCol="0" anchor="t"/>
-          <a:lstStyle/>
-          <a:p>
-            <a:r>
-              <a:rPr lang="zh-CN" altLang="en-US" dirty="0"/>
-              <a:t>能抽出的卡片</a:t>
-            </a:r>
-          </a:p>
-        </p:txBody>
-      </p:sp>
-      <p:sp>
-        <p:nvSpPr>
-          <p:cNvPr id="13" name="矩形 12">
-            <a:extLst>
-              <a:ext uri="{FF2B5EF4-FFF2-40B4-BE49-F238E27FC236}">
-                <a16:creationId xmlns:a16="http://schemas.microsoft.com/office/drawing/2014/main" id="{5D3FFD87-C865-41EB-88BA-E406D82B226A}"/>
-              </a:ext>
-            </a:extLst>
-          </p:cNvPr>
-          <p:cNvSpPr/>
-          <p:nvPr/>
-        </p:nvSpPr>
-        <p:spPr>
-          <a:xfrm>
-            <a:off x="5773548" y="4058771"/>
-            <a:ext cx="2187389" cy="1407459"/>
-          </a:xfrm>
-          <a:prstGeom prst="rect">
-            <a:avLst/>
-          </a:prstGeom>
-        </p:spPr>
-        <p:style>
-          <a:lnRef idx="2">
-            <a:schemeClr val="accent3">
-              <a:shade val="50000"/>
-            </a:schemeClr>
-          </a:lnRef>
-          <a:fillRef idx="1">
-            <a:schemeClr val="accent3"/>
-          </a:fillRef>
-          <a:effectRef idx="0">
-            <a:schemeClr val="accent3"/>
-          </a:effectRef>
-          <a:fontRef idx="minor">
-            <a:schemeClr val="lt1"/>
-          </a:fontRef>
-        </p:style>
-        <p:txBody>
-          <a:bodyPr rtlCol="0" anchor="t"/>
-          <a:lstStyle/>
-          <a:p>
-            <a:r>
-              <a:rPr lang="zh-CN" altLang="en-US" dirty="0"/>
-              <a:t>卡片</a:t>
-            </a:r>
-            <a:endParaRPr lang="en-US" altLang="zh-CN" dirty="0"/>
-          </a:p>
-          <a:p>
-            <a:r>
-              <a:rPr lang="en-US" altLang="zh-CN" dirty="0"/>
-              <a:t>·ID</a:t>
-            </a:r>
-          </a:p>
-          <a:p>
-            <a:r>
-              <a:rPr lang="zh-CN" altLang="en-US" dirty="0"/>
-              <a:t>（具体待定，因为受游戏机制影响）</a:t>
-            </a:r>
-            <a:endParaRPr lang="en-US" altLang="zh-CN" dirty="0"/>
-          </a:p>
-          <a:p>
-            <a:endParaRPr lang="zh-CN" altLang="en-US" dirty="0"/>
-          </a:p>
-        </p:txBody>
-      </p:sp>
-      <p:cxnSp>
-        <p:nvCxnSpPr>
-          <p:cNvPr id="15" name="直接连接符 14">
-            <a:extLst>
-              <a:ext uri="{FF2B5EF4-FFF2-40B4-BE49-F238E27FC236}">
-                <a16:creationId xmlns:a16="http://schemas.microsoft.com/office/drawing/2014/main" id="{20D19954-ADA1-45B3-A532-E8347240761C}"/>
-              </a:ext>
-            </a:extLst>
-          </p:cNvPr>
-          <p:cNvCxnSpPr/>
-          <p:nvPr/>
-        </p:nvCxnSpPr>
-        <p:spPr>
-          <a:xfrm>
-            <a:off x="4966447" y="0"/>
-            <a:ext cx="0" cy="6858000"/>
-          </a:xfrm>
-          <a:prstGeom prst="line">
-            <a:avLst/>
-          </a:prstGeom>
-        </p:spPr>
-        <p:style>
-          <a:lnRef idx="1">
-            <a:schemeClr val="accent1"/>
-          </a:lnRef>
-          <a:fillRef idx="0">
-            <a:schemeClr val="accent1"/>
-          </a:fillRef>
-          <a:effectRef idx="0">
-            <a:schemeClr val="accent1"/>
-          </a:effectRef>
-          <a:fontRef idx="minor">
-            <a:schemeClr val="tx1"/>
-          </a:fontRef>
-        </p:style>
-      </p:cxnSp>
-      <p:sp>
-        <p:nvSpPr>
-          <p:cNvPr id="16" name="文本框 15">
-            <a:extLst>
-              <a:ext uri="{FF2B5EF4-FFF2-40B4-BE49-F238E27FC236}">
-                <a16:creationId xmlns:a16="http://schemas.microsoft.com/office/drawing/2014/main" id="{9A6BEA70-C58D-4A3B-8C9A-369775EBCF34}"/>
-              </a:ext>
-            </a:extLst>
-          </p:cNvPr>
-          <p:cNvSpPr txBox="1"/>
-          <p:nvPr/>
-        </p:nvSpPr>
-        <p:spPr>
-          <a:xfrm>
-            <a:off x="5091953" y="226820"/>
-            <a:ext cx="877163" cy="369332"/>
-          </a:xfrm>
-          <a:prstGeom prst="rect">
-            <a:avLst/>
-          </a:prstGeom>
-          <a:noFill/>
-        </p:spPr>
-        <p:txBody>
-          <a:bodyPr wrap="none" rtlCol="0">
-            <a:spAutoFit/>
-          </a:bodyPr>
-          <a:lstStyle/>
-          <a:p>
-            <a:r>
-              <a:rPr lang="zh-CN" altLang="en-US" dirty="0"/>
-              <a:t>运营方</a:t>
-            </a:r>
-          </a:p>
-        </p:txBody>
-      </p:sp>
-      <p:sp>
-        <p:nvSpPr>
-          <p:cNvPr id="17" name="文本框 16">
-            <a:extLst>
-              <a:ext uri="{FF2B5EF4-FFF2-40B4-BE49-F238E27FC236}">
-                <a16:creationId xmlns:a16="http://schemas.microsoft.com/office/drawing/2014/main" id="{E2195B51-E071-45DB-9BA3-142422EA343E}"/>
-              </a:ext>
-            </a:extLst>
-          </p:cNvPr>
-          <p:cNvSpPr txBox="1"/>
-          <p:nvPr/>
-        </p:nvSpPr>
-        <p:spPr>
-          <a:xfrm>
-            <a:off x="3881535" y="226820"/>
-            <a:ext cx="877163" cy="369332"/>
-          </a:xfrm>
-          <a:prstGeom prst="rect">
-            <a:avLst/>
-          </a:prstGeom>
-          <a:noFill/>
-        </p:spPr>
-        <p:txBody>
-          <a:bodyPr wrap="none" rtlCol="0">
-            <a:spAutoFit/>
-          </a:bodyPr>
-          <a:lstStyle/>
-          <a:p>
-            <a:r>
-              <a:rPr lang="zh-CN" altLang="en-US" dirty="0"/>
-              <a:t>用户方</a:t>
-            </a:r>
-          </a:p>
-        </p:txBody>
-      </p:sp>
-      <p:sp>
-        <p:nvSpPr>
-          <p:cNvPr id="18" name="矩形 17">
-            <a:extLst>
-              <a:ext uri="{FF2B5EF4-FFF2-40B4-BE49-F238E27FC236}">
-                <a16:creationId xmlns:a16="http://schemas.microsoft.com/office/drawing/2014/main" id="{BFF2618A-7CA5-474D-B811-09666F25C187}"/>
-              </a:ext>
-            </a:extLst>
-          </p:cNvPr>
-          <p:cNvSpPr/>
-          <p:nvPr/>
-        </p:nvSpPr>
-        <p:spPr>
-          <a:xfrm>
-            <a:off x="1057162" y="3184713"/>
-            <a:ext cx="2187389" cy="528918"/>
-          </a:xfrm>
-          <a:prstGeom prst="rect">
-            <a:avLst/>
-          </a:prstGeom>
-        </p:spPr>
-        <p:style>
-          <a:lnRef idx="2">
-            <a:schemeClr val="accent5">
-              <a:shade val="50000"/>
-            </a:schemeClr>
-          </a:lnRef>
-          <a:fillRef idx="1">
-            <a:schemeClr val="accent5"/>
-          </a:fillRef>
-          <a:effectRef idx="0">
-            <a:schemeClr val="accent5"/>
-          </a:effectRef>
-          <a:fontRef idx="minor">
-            <a:schemeClr val="lt1"/>
-          </a:fontRef>
-        </p:style>
-        <p:txBody>
-          <a:bodyPr rtlCol="0" anchor="t"/>
-          <a:lstStyle/>
-          <a:p>
-            <a:r>
-              <a:rPr lang="zh-CN" altLang="en-US" dirty="0"/>
-              <a:t>游戏内邮件</a:t>
-            </a:r>
-          </a:p>
-        </p:txBody>
-      </p:sp>
-      <p:sp>
-        <p:nvSpPr>
-          <p:cNvPr id="19" name="矩形 18">
-            <a:extLst>
-              <a:ext uri="{FF2B5EF4-FFF2-40B4-BE49-F238E27FC236}">
-                <a16:creationId xmlns:a16="http://schemas.microsoft.com/office/drawing/2014/main" id="{702F6839-7D4F-4F9E-AE2C-64D8BED861CF}"/>
-              </a:ext>
-            </a:extLst>
-          </p:cNvPr>
-          <p:cNvSpPr/>
-          <p:nvPr/>
-        </p:nvSpPr>
-        <p:spPr>
-          <a:xfrm>
-            <a:off x="1173703" y="3314701"/>
-            <a:ext cx="2187389" cy="528918"/>
-          </a:xfrm>
-          <a:prstGeom prst="rect">
-            <a:avLst/>
-          </a:prstGeom>
-        </p:spPr>
-        <p:style>
-          <a:lnRef idx="2">
-            <a:schemeClr val="accent5">
-              <a:shade val="50000"/>
-            </a:schemeClr>
-          </a:lnRef>
-          <a:fillRef idx="1">
-            <a:schemeClr val="accent5"/>
-          </a:fillRef>
-          <a:effectRef idx="0">
-            <a:schemeClr val="accent5"/>
-          </a:effectRef>
-          <a:fontRef idx="minor">
-            <a:schemeClr val="lt1"/>
-          </a:fontRef>
-        </p:style>
-        <p:txBody>
-          <a:bodyPr rtlCol="0" anchor="t"/>
-          <a:lstStyle/>
-          <a:p>
-            <a:r>
-              <a:rPr lang="zh-CN" altLang="en-US" dirty="0"/>
-              <a:t>游戏内邮件</a:t>
-            </a:r>
-          </a:p>
-        </p:txBody>
-      </p:sp>
-      <p:sp>
-        <p:nvSpPr>
-          <p:cNvPr id="20" name="矩形 19">
-            <a:extLst>
-              <a:ext uri="{FF2B5EF4-FFF2-40B4-BE49-F238E27FC236}">
-                <a16:creationId xmlns:a16="http://schemas.microsoft.com/office/drawing/2014/main" id="{C36E7092-0ECC-4B28-85B2-5DDA55794CF9}"/>
-              </a:ext>
-            </a:extLst>
-          </p:cNvPr>
-          <p:cNvSpPr/>
-          <p:nvPr/>
-        </p:nvSpPr>
-        <p:spPr>
-          <a:xfrm>
-            <a:off x="9547412" y="2938183"/>
-            <a:ext cx="2187389" cy="528918"/>
-          </a:xfrm>
-          <a:prstGeom prst="rect">
-            <a:avLst/>
-          </a:prstGeom>
-        </p:spPr>
-        <p:style>
-          <a:lnRef idx="2">
-            <a:schemeClr val="accent5">
-              <a:shade val="50000"/>
-            </a:schemeClr>
-          </a:lnRef>
-          <a:fillRef idx="1">
-            <a:schemeClr val="accent5"/>
-          </a:fillRef>
-          <a:effectRef idx="0">
-            <a:schemeClr val="accent5"/>
-          </a:effectRef>
-          <a:fontRef idx="minor">
-            <a:schemeClr val="lt1"/>
-          </a:fontRef>
-        </p:style>
-        <p:txBody>
-          <a:bodyPr rtlCol="0" anchor="t"/>
-          <a:lstStyle/>
-          <a:p>
-            <a:r>
-              <a:rPr lang="zh-CN" altLang="en-US" dirty="0"/>
-              <a:t>能抽出的卡片</a:t>
-            </a:r>
-          </a:p>
-        </p:txBody>
-      </p:sp>
-      <p:sp>
-        <p:nvSpPr>
-          <p:cNvPr id="21" name="矩形 20">
-            <a:extLst>
-              <a:ext uri="{FF2B5EF4-FFF2-40B4-BE49-F238E27FC236}">
-                <a16:creationId xmlns:a16="http://schemas.microsoft.com/office/drawing/2014/main" id="{21CF3698-2A9D-428B-9856-B12B48EF821B}"/>
-              </a:ext>
-            </a:extLst>
-          </p:cNvPr>
-          <p:cNvSpPr/>
-          <p:nvPr/>
-        </p:nvSpPr>
-        <p:spPr>
-          <a:xfrm>
-            <a:off x="9762565" y="3077136"/>
-            <a:ext cx="2187389" cy="528918"/>
-          </a:xfrm>
-          <a:prstGeom prst="rect">
-            <a:avLst/>
-          </a:prstGeom>
-        </p:spPr>
-        <p:style>
-          <a:lnRef idx="2">
-            <a:schemeClr val="accent5">
-              <a:shade val="50000"/>
-            </a:schemeClr>
-          </a:lnRef>
-          <a:fillRef idx="1">
-            <a:schemeClr val="accent5"/>
-          </a:fillRef>
-          <a:effectRef idx="0">
-            <a:schemeClr val="accent5"/>
-          </a:effectRef>
-          <a:fontRef idx="minor">
-            <a:schemeClr val="lt1"/>
-          </a:fontRef>
-        </p:style>
-        <p:txBody>
-          <a:bodyPr rtlCol="0" anchor="t"/>
-          <a:lstStyle/>
-          <a:p>
-            <a:r>
-              <a:rPr lang="zh-CN" altLang="en-US" dirty="0"/>
-              <a:t>能抽出的卡片</a:t>
-            </a:r>
-          </a:p>
-        </p:txBody>
-      </p:sp>
-      <p:sp>
-        <p:nvSpPr>
-          <p:cNvPr id="22" name="矩形 21">
-            <a:extLst>
-              <a:ext uri="{FF2B5EF4-FFF2-40B4-BE49-F238E27FC236}">
-                <a16:creationId xmlns:a16="http://schemas.microsoft.com/office/drawing/2014/main" id="{B3BFCBD0-3D60-4F22-811F-CA36DE947A38}"/>
-              </a:ext>
-            </a:extLst>
-          </p:cNvPr>
-          <p:cNvSpPr/>
-          <p:nvPr/>
-        </p:nvSpPr>
-        <p:spPr>
-          <a:xfrm>
-            <a:off x="6378753" y="2931461"/>
-            <a:ext cx="2187389" cy="528918"/>
-          </a:xfrm>
-          <a:prstGeom prst="rect">
-            <a:avLst/>
-          </a:prstGeom>
-        </p:spPr>
-        <p:style>
-          <a:lnRef idx="2">
-            <a:schemeClr val="accent5">
-              <a:shade val="50000"/>
-            </a:schemeClr>
-          </a:lnRef>
-          <a:fillRef idx="1">
-            <a:schemeClr val="accent5"/>
-          </a:fillRef>
-          <a:effectRef idx="0">
-            <a:schemeClr val="accent5"/>
-          </a:effectRef>
-          <a:fontRef idx="minor">
-            <a:schemeClr val="lt1"/>
-          </a:fontRef>
-        </p:style>
-        <p:txBody>
-          <a:bodyPr rtlCol="0" anchor="t"/>
-          <a:lstStyle/>
-          <a:p>
-            <a:r>
-              <a:rPr lang="zh-CN" altLang="en-US" dirty="0"/>
-              <a:t>游戏内道具</a:t>
-            </a:r>
-          </a:p>
-        </p:txBody>
-      </p:sp>
-      <p:sp>
-        <p:nvSpPr>
-          <p:cNvPr id="23" name="矩形 22">
-            <a:extLst>
-              <a:ext uri="{FF2B5EF4-FFF2-40B4-BE49-F238E27FC236}">
-                <a16:creationId xmlns:a16="http://schemas.microsoft.com/office/drawing/2014/main" id="{7ECEC543-0BB3-4EC9-9A21-D76CDA4D1820}"/>
-              </a:ext>
-            </a:extLst>
-          </p:cNvPr>
-          <p:cNvSpPr/>
-          <p:nvPr/>
-        </p:nvSpPr>
-        <p:spPr>
-          <a:xfrm>
-            <a:off x="6618513" y="3115236"/>
-            <a:ext cx="2187389" cy="528918"/>
-          </a:xfrm>
-          <a:prstGeom prst="rect">
-            <a:avLst/>
-          </a:prstGeom>
-        </p:spPr>
-        <p:style>
-          <a:lnRef idx="2">
-            <a:schemeClr val="accent5">
-              <a:shade val="50000"/>
-            </a:schemeClr>
-          </a:lnRef>
-          <a:fillRef idx="1">
-            <a:schemeClr val="accent5"/>
-          </a:fillRef>
-          <a:effectRef idx="0">
-            <a:schemeClr val="accent5"/>
-          </a:effectRef>
-          <a:fontRef idx="minor">
-            <a:schemeClr val="lt1"/>
-          </a:fontRef>
-        </p:style>
-        <p:txBody>
-          <a:bodyPr rtlCol="0" anchor="t"/>
-          <a:lstStyle/>
-          <a:p>
-            <a:r>
-              <a:rPr lang="zh-CN" altLang="en-US" dirty="0"/>
-              <a:t>游戏内道具</a:t>
-            </a:r>
-          </a:p>
-        </p:txBody>
-      </p:sp>
-      <p:sp>
-        <p:nvSpPr>
-          <p:cNvPr id="24" name="矩形 23">
-            <a:extLst>
-              <a:ext uri="{FF2B5EF4-FFF2-40B4-BE49-F238E27FC236}">
-                <a16:creationId xmlns:a16="http://schemas.microsoft.com/office/drawing/2014/main" id="{35D7FA1F-B82C-4FF3-BE95-DF999A73542C}"/>
-              </a:ext>
-            </a:extLst>
-          </p:cNvPr>
-          <p:cNvSpPr/>
-          <p:nvPr/>
-        </p:nvSpPr>
-        <p:spPr>
-          <a:xfrm>
-            <a:off x="3246670" y="990140"/>
-            <a:ext cx="1415552" cy="369333"/>
-          </a:xfrm>
-          <a:prstGeom prst="rect">
-            <a:avLst/>
-          </a:prstGeom>
-        </p:spPr>
-        <p:style>
-          <a:lnRef idx="2">
-            <a:schemeClr val="accent5">
-              <a:shade val="50000"/>
-            </a:schemeClr>
-          </a:lnRef>
-          <a:fillRef idx="1">
-            <a:schemeClr val="accent5"/>
-          </a:fillRef>
-          <a:effectRef idx="0">
-            <a:schemeClr val="accent5"/>
-          </a:effectRef>
-          <a:fontRef idx="minor">
-            <a:schemeClr val="lt1"/>
-          </a:fontRef>
-        </p:style>
-        <p:txBody>
-          <a:bodyPr rtlCol="0" anchor="t"/>
-          <a:lstStyle/>
-          <a:p>
-            <a:r>
-              <a:rPr lang="zh-CN" altLang="en-US" dirty="0"/>
-              <a:t>持有的卡片</a:t>
-            </a:r>
-          </a:p>
-        </p:txBody>
-      </p:sp>
-      <p:sp>
-        <p:nvSpPr>
-          <p:cNvPr id="25" name="矩形 24">
-            <a:extLst>
-              <a:ext uri="{FF2B5EF4-FFF2-40B4-BE49-F238E27FC236}">
-                <a16:creationId xmlns:a16="http://schemas.microsoft.com/office/drawing/2014/main" id="{4D474286-2042-45BE-9AD4-1C172B7858D4}"/>
-              </a:ext>
-            </a:extLst>
-          </p:cNvPr>
-          <p:cNvSpPr/>
-          <p:nvPr/>
-        </p:nvSpPr>
-        <p:spPr>
-          <a:xfrm>
-            <a:off x="3343399" y="1094583"/>
-            <a:ext cx="1415552" cy="369333"/>
-          </a:xfrm>
-          <a:prstGeom prst="rect">
-            <a:avLst/>
-          </a:prstGeom>
-        </p:spPr>
-        <p:style>
-          <a:lnRef idx="2">
-            <a:schemeClr val="accent5">
-              <a:shade val="50000"/>
-            </a:schemeClr>
-          </a:lnRef>
-          <a:fillRef idx="1">
-            <a:schemeClr val="accent5"/>
-          </a:fillRef>
-          <a:effectRef idx="0">
-            <a:schemeClr val="accent5"/>
-          </a:effectRef>
-          <a:fontRef idx="minor">
-            <a:schemeClr val="lt1"/>
-          </a:fontRef>
-        </p:style>
-        <p:txBody>
-          <a:bodyPr rtlCol="0" anchor="t"/>
-          <a:lstStyle/>
-          <a:p>
-            <a:r>
-              <a:rPr lang="zh-CN" altLang="en-US" dirty="0"/>
-              <a:t>持有的卡片</a:t>
-            </a:r>
-          </a:p>
-        </p:txBody>
-      </p:sp>
-      <p:sp>
-        <p:nvSpPr>
-          <p:cNvPr id="26" name="矩形 25">
-            <a:extLst>
-              <a:ext uri="{FF2B5EF4-FFF2-40B4-BE49-F238E27FC236}">
-                <a16:creationId xmlns:a16="http://schemas.microsoft.com/office/drawing/2014/main" id="{B207A031-C37F-41C1-B541-91C2EA68597D}"/>
-              </a:ext>
-            </a:extLst>
-          </p:cNvPr>
-          <p:cNvSpPr/>
-          <p:nvPr/>
-        </p:nvSpPr>
-        <p:spPr>
-          <a:xfrm>
-            <a:off x="3469043" y="1189604"/>
-            <a:ext cx="1415552" cy="971320"/>
-          </a:xfrm>
-          <a:prstGeom prst="rect">
-            <a:avLst/>
-          </a:prstGeom>
-        </p:spPr>
-        <p:style>
-          <a:lnRef idx="2">
-            <a:schemeClr val="accent5">
-              <a:shade val="50000"/>
-            </a:schemeClr>
-          </a:lnRef>
-          <a:fillRef idx="1">
-            <a:schemeClr val="accent5"/>
-          </a:fillRef>
-          <a:effectRef idx="0">
-            <a:schemeClr val="accent5"/>
-          </a:effectRef>
-          <a:fontRef idx="minor">
-            <a:schemeClr val="lt1"/>
-          </a:fontRef>
-        </p:style>
-        <p:txBody>
-          <a:bodyPr rtlCol="0" anchor="t"/>
-          <a:lstStyle/>
-          <a:p>
-            <a:r>
-              <a:rPr lang="zh-CN" altLang="en-US" dirty="0"/>
-              <a:t>持有的卡片</a:t>
+              <a:t>聊天历史</a:t>
             </a:r>
             <a:endParaRPr lang="en-US" altLang="zh-CN" dirty="0"/>
           </a:p>
@@ -5534,665 +5934,13 @@
             </a:r>
             <a:r>
               <a:rPr lang="zh-CN" altLang="en-US" dirty="0"/>
-              <a:t>获得日期</a:t>
-            </a:r>
-          </a:p>
-        </p:txBody>
-      </p:sp>
-      <p:sp>
-        <p:nvSpPr>
-          <p:cNvPr id="27" name="矩形 26">
-            <a:extLst>
-              <a:ext uri="{FF2B5EF4-FFF2-40B4-BE49-F238E27FC236}">
-                <a16:creationId xmlns:a16="http://schemas.microsoft.com/office/drawing/2014/main" id="{4E8DF740-C963-4697-9246-46F0A074E347}"/>
-              </a:ext>
-            </a:extLst>
-          </p:cNvPr>
-          <p:cNvSpPr/>
-          <p:nvPr/>
-        </p:nvSpPr>
-        <p:spPr>
-          <a:xfrm>
-            <a:off x="8453717" y="4058771"/>
-            <a:ext cx="3496237" cy="1407459"/>
-          </a:xfrm>
-          <a:prstGeom prst="rect">
-            <a:avLst/>
-          </a:prstGeom>
-        </p:spPr>
-        <p:style>
-          <a:lnRef idx="2">
-            <a:schemeClr val="accent5">
-              <a:shade val="50000"/>
-            </a:schemeClr>
-          </a:lnRef>
-          <a:fillRef idx="1">
-            <a:schemeClr val="accent5"/>
-          </a:fillRef>
-          <a:effectRef idx="0">
-            <a:schemeClr val="accent5"/>
-          </a:effectRef>
-          <a:fontRef idx="minor">
-            <a:schemeClr val="lt1"/>
-          </a:fontRef>
-        </p:style>
-        <p:txBody>
-          <a:bodyPr rtlCol="0" anchor="t"/>
-          <a:lstStyle/>
-          <a:p>
-            <a:r>
-              <a:rPr lang="zh-CN" altLang="en-US" dirty="0"/>
-              <a:t>活动</a:t>
-            </a:r>
-          </a:p>
-        </p:txBody>
-      </p:sp>
-      <p:sp>
-        <p:nvSpPr>
-          <p:cNvPr id="28" name="矩形 27">
-            <a:extLst>
-              <a:ext uri="{FF2B5EF4-FFF2-40B4-BE49-F238E27FC236}">
-                <a16:creationId xmlns:a16="http://schemas.microsoft.com/office/drawing/2014/main" id="{D6CCEB2F-FF3C-4A5B-9C83-2E385E5CF1D6}"/>
-              </a:ext>
-            </a:extLst>
-          </p:cNvPr>
-          <p:cNvSpPr/>
-          <p:nvPr/>
-        </p:nvSpPr>
-        <p:spPr>
-          <a:xfrm>
-            <a:off x="8624047" y="4557645"/>
-            <a:ext cx="1255059" cy="516379"/>
-          </a:xfrm>
-          <a:prstGeom prst="rect">
-            <a:avLst/>
-          </a:prstGeom>
-        </p:spPr>
-        <p:style>
-          <a:lnRef idx="2">
-            <a:schemeClr val="accent5">
-              <a:shade val="50000"/>
-            </a:schemeClr>
-          </a:lnRef>
-          <a:fillRef idx="1">
-            <a:schemeClr val="accent5"/>
-          </a:fillRef>
-          <a:effectRef idx="0">
-            <a:schemeClr val="accent5"/>
-          </a:effectRef>
-          <a:fontRef idx="minor">
-            <a:schemeClr val="lt1"/>
-          </a:fontRef>
-        </p:style>
-        <p:txBody>
-          <a:bodyPr rtlCol="0" anchor="t"/>
-          <a:lstStyle/>
-          <a:p>
-            <a:r>
-              <a:rPr lang="zh-CN" altLang="en-US" dirty="0"/>
-              <a:t>定期活动</a:t>
-            </a:r>
-          </a:p>
-        </p:txBody>
-      </p:sp>
-      <p:sp>
-        <p:nvSpPr>
-          <p:cNvPr id="29" name="矩形 28">
-            <a:extLst>
-              <a:ext uri="{FF2B5EF4-FFF2-40B4-BE49-F238E27FC236}">
-                <a16:creationId xmlns:a16="http://schemas.microsoft.com/office/drawing/2014/main" id="{69DF0C1A-6A84-4EA4-9906-3AD1C8A8433A}"/>
-              </a:ext>
-            </a:extLst>
-          </p:cNvPr>
-          <p:cNvSpPr/>
-          <p:nvPr/>
-        </p:nvSpPr>
-        <p:spPr>
-          <a:xfrm>
-            <a:off x="10336489" y="4557645"/>
-            <a:ext cx="1255059" cy="516379"/>
-          </a:xfrm>
-          <a:prstGeom prst="rect">
-            <a:avLst/>
-          </a:prstGeom>
-        </p:spPr>
-        <p:style>
-          <a:lnRef idx="2">
-            <a:schemeClr val="accent5">
-              <a:shade val="50000"/>
-            </a:schemeClr>
-          </a:lnRef>
-          <a:fillRef idx="1">
-            <a:schemeClr val="accent5"/>
-          </a:fillRef>
-          <a:effectRef idx="0">
-            <a:schemeClr val="accent5"/>
-          </a:effectRef>
-          <a:fontRef idx="minor">
-            <a:schemeClr val="lt1"/>
-          </a:fontRef>
-        </p:style>
-        <p:txBody>
-          <a:bodyPr rtlCol="0" anchor="t"/>
-          <a:lstStyle/>
-          <a:p>
-            <a:r>
-              <a:rPr lang="zh-CN" altLang="en-US" dirty="0"/>
-              <a:t>限时活动</a:t>
-            </a:r>
-          </a:p>
-        </p:txBody>
-      </p:sp>
-      <p:sp>
-        <p:nvSpPr>
-          <p:cNvPr id="30" name="矩形 29">
-            <a:extLst>
-              <a:ext uri="{FF2B5EF4-FFF2-40B4-BE49-F238E27FC236}">
-                <a16:creationId xmlns:a16="http://schemas.microsoft.com/office/drawing/2014/main" id="{622968B1-9423-496B-8B96-A4D0ACEF67B0}"/>
-              </a:ext>
-            </a:extLst>
-          </p:cNvPr>
-          <p:cNvSpPr/>
-          <p:nvPr/>
-        </p:nvSpPr>
-        <p:spPr>
-          <a:xfrm>
-            <a:off x="8768037" y="4676427"/>
-            <a:ext cx="1255059" cy="516379"/>
-          </a:xfrm>
-          <a:prstGeom prst="rect">
-            <a:avLst/>
-          </a:prstGeom>
-        </p:spPr>
-        <p:style>
-          <a:lnRef idx="2">
-            <a:schemeClr val="accent5">
-              <a:shade val="50000"/>
-            </a:schemeClr>
-          </a:lnRef>
-          <a:fillRef idx="1">
-            <a:schemeClr val="accent5"/>
-          </a:fillRef>
-          <a:effectRef idx="0">
-            <a:schemeClr val="accent5"/>
-          </a:effectRef>
-          <a:fontRef idx="minor">
-            <a:schemeClr val="lt1"/>
-          </a:fontRef>
-        </p:style>
-        <p:txBody>
-          <a:bodyPr rtlCol="0" anchor="t"/>
-          <a:lstStyle/>
-          <a:p>
-            <a:r>
-              <a:rPr lang="zh-CN" altLang="en-US" dirty="0"/>
-              <a:t>定期活动</a:t>
-            </a:r>
-          </a:p>
-        </p:txBody>
-      </p:sp>
-      <p:sp>
-        <p:nvSpPr>
-          <p:cNvPr id="31" name="矩形 30">
-            <a:extLst>
-              <a:ext uri="{FF2B5EF4-FFF2-40B4-BE49-F238E27FC236}">
-                <a16:creationId xmlns:a16="http://schemas.microsoft.com/office/drawing/2014/main" id="{540B943C-0AD1-4EFF-BD83-9497E6899753}"/>
-              </a:ext>
-            </a:extLst>
-          </p:cNvPr>
-          <p:cNvSpPr/>
-          <p:nvPr/>
-        </p:nvSpPr>
-        <p:spPr>
-          <a:xfrm>
-            <a:off x="10480479" y="4680455"/>
-            <a:ext cx="1255059" cy="516379"/>
-          </a:xfrm>
-          <a:prstGeom prst="rect">
-            <a:avLst/>
-          </a:prstGeom>
-        </p:spPr>
-        <p:style>
-          <a:lnRef idx="2">
-            <a:schemeClr val="accent5">
-              <a:shade val="50000"/>
-            </a:schemeClr>
-          </a:lnRef>
-          <a:fillRef idx="1">
-            <a:schemeClr val="accent5"/>
-          </a:fillRef>
-          <a:effectRef idx="0">
-            <a:schemeClr val="accent5"/>
-          </a:effectRef>
-          <a:fontRef idx="minor">
-            <a:schemeClr val="lt1"/>
-          </a:fontRef>
-        </p:style>
-        <p:txBody>
-          <a:bodyPr rtlCol="0" anchor="t"/>
-          <a:lstStyle/>
-          <a:p>
-            <a:r>
-              <a:rPr lang="zh-CN" altLang="en-US" dirty="0"/>
-              <a:t>限时活动</a:t>
-            </a:r>
-          </a:p>
-        </p:txBody>
-      </p:sp>
-      <p:sp>
-        <p:nvSpPr>
-          <p:cNvPr id="32" name="矩形 31">
-            <a:extLst>
-              <a:ext uri="{FF2B5EF4-FFF2-40B4-BE49-F238E27FC236}">
-                <a16:creationId xmlns:a16="http://schemas.microsoft.com/office/drawing/2014/main" id="{5DC37076-FAAE-44E0-90EB-F133D0191F2F}"/>
-              </a:ext>
-            </a:extLst>
-          </p:cNvPr>
-          <p:cNvSpPr/>
-          <p:nvPr/>
-        </p:nvSpPr>
-        <p:spPr>
-          <a:xfrm>
-            <a:off x="2738132" y="5777753"/>
-            <a:ext cx="2187389" cy="694765"/>
-          </a:xfrm>
-          <a:prstGeom prst="rect">
-            <a:avLst/>
-          </a:prstGeom>
-        </p:spPr>
-        <p:style>
-          <a:lnRef idx="2">
-            <a:schemeClr val="accent3">
-              <a:shade val="50000"/>
-            </a:schemeClr>
-          </a:lnRef>
-          <a:fillRef idx="1">
-            <a:schemeClr val="accent3"/>
-          </a:fillRef>
-          <a:effectRef idx="0">
-            <a:schemeClr val="accent3"/>
-          </a:effectRef>
-          <a:fontRef idx="minor">
-            <a:schemeClr val="lt1"/>
-          </a:fontRef>
-        </p:style>
-        <p:txBody>
-          <a:bodyPr rtlCol="0" anchor="t"/>
-          <a:lstStyle/>
-          <a:p>
-            <a:r>
-              <a:rPr lang="zh-CN" altLang="en-US" dirty="0"/>
-              <a:t>进度</a:t>
-            </a:r>
-          </a:p>
-        </p:txBody>
-      </p:sp>
-      <p:sp>
-        <p:nvSpPr>
-          <p:cNvPr id="33" name="矩形 32">
-            <a:extLst>
-              <a:ext uri="{FF2B5EF4-FFF2-40B4-BE49-F238E27FC236}">
-                <a16:creationId xmlns:a16="http://schemas.microsoft.com/office/drawing/2014/main" id="{AAF40947-0FAF-40F2-8DF8-F42C6577C92D}"/>
-              </a:ext>
-            </a:extLst>
-          </p:cNvPr>
-          <p:cNvSpPr/>
-          <p:nvPr/>
-        </p:nvSpPr>
-        <p:spPr>
-          <a:xfrm>
-            <a:off x="5773548" y="5595758"/>
-            <a:ext cx="1452006" cy="473348"/>
-          </a:xfrm>
-          <a:prstGeom prst="rect">
-            <a:avLst/>
-          </a:prstGeom>
-        </p:spPr>
-        <p:style>
-          <a:lnRef idx="2">
-            <a:schemeClr val="accent3">
-              <a:shade val="50000"/>
-            </a:schemeClr>
-          </a:lnRef>
-          <a:fillRef idx="1">
-            <a:schemeClr val="accent3"/>
-          </a:fillRef>
-          <a:effectRef idx="0">
-            <a:schemeClr val="accent3"/>
-          </a:effectRef>
-          <a:fontRef idx="minor">
-            <a:schemeClr val="lt1"/>
-          </a:fontRef>
-        </p:style>
-        <p:txBody>
-          <a:bodyPr rtlCol="0" anchor="t"/>
-          <a:lstStyle/>
-          <a:p>
-            <a:r>
-              <a:rPr lang="zh-CN" altLang="en-US" dirty="0"/>
-              <a:t>关卡</a:t>
-            </a:r>
-            <a:r>
-              <a:rPr lang="en-US" altLang="zh-CN" dirty="0"/>
-              <a:t>(NPC</a:t>
-            </a:r>
-            <a:r>
-              <a:rPr lang="zh-CN" altLang="en-US" dirty="0"/>
-              <a:t>战</a:t>
-            </a:r>
-            <a:r>
-              <a:rPr lang="en-US" altLang="zh-CN" dirty="0"/>
-              <a:t>)</a:t>
+              <a:t>对方</a:t>
             </a:r>
             <a:endParaRPr lang="zh-CN" altLang="en-US" dirty="0"/>
           </a:p>
         </p:txBody>
       </p:sp>
-      <p:sp>
-        <p:nvSpPr>
-          <p:cNvPr id="34" name="矩形 33">
-            <a:extLst>
-              <a:ext uri="{FF2B5EF4-FFF2-40B4-BE49-F238E27FC236}">
-                <a16:creationId xmlns:a16="http://schemas.microsoft.com/office/drawing/2014/main" id="{22644418-11F0-4126-BD65-28EE0BE6E8BE}"/>
-              </a:ext>
-            </a:extLst>
-          </p:cNvPr>
-          <p:cNvSpPr/>
-          <p:nvPr/>
-        </p:nvSpPr>
-        <p:spPr>
-          <a:xfrm>
-            <a:off x="6096000" y="5777753"/>
-            <a:ext cx="1452006" cy="473348"/>
-          </a:xfrm>
-          <a:prstGeom prst="rect">
-            <a:avLst/>
-          </a:prstGeom>
-        </p:spPr>
-        <p:style>
-          <a:lnRef idx="2">
-            <a:schemeClr val="accent3">
-              <a:shade val="50000"/>
-            </a:schemeClr>
-          </a:lnRef>
-          <a:fillRef idx="1">
-            <a:schemeClr val="accent3"/>
-          </a:fillRef>
-          <a:effectRef idx="0">
-            <a:schemeClr val="accent3"/>
-          </a:effectRef>
-          <a:fontRef idx="minor">
-            <a:schemeClr val="lt1"/>
-          </a:fontRef>
-        </p:style>
-        <p:txBody>
-          <a:bodyPr rtlCol="0" anchor="t"/>
-          <a:lstStyle/>
-          <a:p>
-            <a:r>
-              <a:rPr lang="zh-CN" altLang="en-US" dirty="0"/>
-              <a:t>关卡</a:t>
-            </a:r>
-            <a:r>
-              <a:rPr lang="en-US" altLang="zh-CN" dirty="0"/>
-              <a:t>(NPC</a:t>
-            </a:r>
-            <a:r>
-              <a:rPr lang="zh-CN" altLang="en-US" dirty="0"/>
-              <a:t>战</a:t>
-            </a:r>
-            <a:r>
-              <a:rPr lang="en-US" altLang="zh-CN" dirty="0"/>
-              <a:t>)</a:t>
-            </a:r>
-            <a:endParaRPr lang="zh-CN" altLang="en-US" dirty="0"/>
-          </a:p>
-        </p:txBody>
-      </p:sp>
-      <p:sp>
-        <p:nvSpPr>
-          <p:cNvPr id="35" name="矩形 34">
-            <a:extLst>
-              <a:ext uri="{FF2B5EF4-FFF2-40B4-BE49-F238E27FC236}">
-                <a16:creationId xmlns:a16="http://schemas.microsoft.com/office/drawing/2014/main" id="{F7505145-0580-4E30-A27A-A57ED9C40C07}"/>
-              </a:ext>
-            </a:extLst>
-          </p:cNvPr>
-          <p:cNvSpPr/>
-          <p:nvPr/>
-        </p:nvSpPr>
-        <p:spPr>
-          <a:xfrm>
-            <a:off x="6325242" y="5888461"/>
-            <a:ext cx="1452006" cy="473348"/>
-          </a:xfrm>
-          <a:prstGeom prst="rect">
-            <a:avLst/>
-          </a:prstGeom>
-        </p:spPr>
-        <p:style>
-          <a:lnRef idx="2">
-            <a:schemeClr val="accent3">
-              <a:shade val="50000"/>
-            </a:schemeClr>
-          </a:lnRef>
-          <a:fillRef idx="1">
-            <a:schemeClr val="accent3"/>
-          </a:fillRef>
-          <a:effectRef idx="0">
-            <a:schemeClr val="accent3"/>
-          </a:effectRef>
-          <a:fontRef idx="minor">
-            <a:schemeClr val="lt1"/>
-          </a:fontRef>
-        </p:style>
-        <p:txBody>
-          <a:bodyPr rtlCol="0" anchor="t"/>
-          <a:lstStyle/>
-          <a:p>
-            <a:r>
-              <a:rPr lang="zh-CN" altLang="en-US" dirty="0"/>
-              <a:t>关卡</a:t>
-            </a:r>
-            <a:r>
-              <a:rPr lang="en-US" altLang="zh-CN" dirty="0"/>
-              <a:t>(NPC</a:t>
-            </a:r>
-            <a:r>
-              <a:rPr lang="zh-CN" altLang="en-US" dirty="0"/>
-              <a:t>战</a:t>
-            </a:r>
-            <a:r>
-              <a:rPr lang="en-US" altLang="zh-CN" dirty="0"/>
-              <a:t>)</a:t>
-            </a:r>
-            <a:endParaRPr lang="zh-CN" altLang="en-US" dirty="0"/>
-          </a:p>
-        </p:txBody>
-      </p:sp>
-      <p:sp>
-        <p:nvSpPr>
-          <p:cNvPr id="37" name="矩形 36">
-            <a:extLst>
-              <a:ext uri="{FF2B5EF4-FFF2-40B4-BE49-F238E27FC236}">
-                <a16:creationId xmlns:a16="http://schemas.microsoft.com/office/drawing/2014/main" id="{C7088AB9-7577-468B-B829-25EE46FA2F1A}"/>
-              </a:ext>
-            </a:extLst>
-          </p:cNvPr>
-          <p:cNvSpPr/>
-          <p:nvPr/>
-        </p:nvSpPr>
-        <p:spPr>
-          <a:xfrm>
-            <a:off x="2679898" y="4212981"/>
-            <a:ext cx="1855510" cy="589353"/>
-          </a:xfrm>
-          <a:prstGeom prst="rect">
-            <a:avLst/>
-          </a:prstGeom>
-        </p:spPr>
-        <p:style>
-          <a:lnRef idx="2">
-            <a:schemeClr val="accent5">
-              <a:shade val="50000"/>
-            </a:schemeClr>
-          </a:lnRef>
-          <a:fillRef idx="1">
-            <a:schemeClr val="accent5"/>
-          </a:fillRef>
-          <a:effectRef idx="0">
-            <a:schemeClr val="accent5"/>
-          </a:effectRef>
-          <a:fontRef idx="minor">
-            <a:schemeClr val="lt1"/>
-          </a:fontRef>
-        </p:style>
-        <p:txBody>
-          <a:bodyPr rtlCol="0" anchor="t"/>
-          <a:lstStyle/>
-          <a:p>
-            <a:r>
-              <a:rPr lang="zh-CN" altLang="en-US" dirty="0"/>
-              <a:t>聊天历史</a:t>
-            </a:r>
-            <a:endParaRPr lang="en-US" altLang="zh-CN" dirty="0"/>
-          </a:p>
-          <a:p>
-            <a:r>
-              <a:rPr lang="en-US" altLang="zh-CN" dirty="0"/>
-              <a:t>·</a:t>
-            </a:r>
-            <a:r>
-              <a:rPr lang="zh-CN" altLang="en-US" dirty="0"/>
-              <a:t>对方</a:t>
-            </a:r>
-          </a:p>
-        </p:txBody>
-      </p:sp>
-      <p:sp>
-        <p:nvSpPr>
-          <p:cNvPr id="38" name="矩形 37">
-            <a:extLst>
-              <a:ext uri="{FF2B5EF4-FFF2-40B4-BE49-F238E27FC236}">
-                <a16:creationId xmlns:a16="http://schemas.microsoft.com/office/drawing/2014/main" id="{2241900F-E276-411A-8AD8-CC1B4454CD7B}"/>
-              </a:ext>
-            </a:extLst>
-          </p:cNvPr>
-          <p:cNvSpPr/>
-          <p:nvPr/>
-        </p:nvSpPr>
-        <p:spPr>
-          <a:xfrm>
-            <a:off x="2806712" y="4271758"/>
-            <a:ext cx="1855510" cy="589353"/>
-          </a:xfrm>
-          <a:prstGeom prst="rect">
-            <a:avLst/>
-          </a:prstGeom>
-        </p:spPr>
-        <p:style>
-          <a:lnRef idx="2">
-            <a:schemeClr val="accent5">
-              <a:shade val="50000"/>
-            </a:schemeClr>
-          </a:lnRef>
-          <a:fillRef idx="1">
-            <a:schemeClr val="accent5"/>
-          </a:fillRef>
-          <a:effectRef idx="0">
-            <a:schemeClr val="accent5"/>
-          </a:effectRef>
-          <a:fontRef idx="minor">
-            <a:schemeClr val="lt1"/>
-          </a:fontRef>
-        </p:style>
-        <p:txBody>
-          <a:bodyPr rtlCol="0" anchor="t"/>
-          <a:lstStyle/>
-          <a:p>
-            <a:r>
-              <a:rPr lang="zh-CN" altLang="en-US" dirty="0"/>
-              <a:t>聊天历史</a:t>
-            </a:r>
-            <a:endParaRPr lang="en-US" altLang="zh-CN" dirty="0"/>
-          </a:p>
-          <a:p>
-            <a:r>
-              <a:rPr lang="en-US" altLang="zh-CN" dirty="0"/>
-              <a:t>·</a:t>
-            </a:r>
-            <a:r>
-              <a:rPr lang="zh-CN" altLang="en-US" dirty="0"/>
-              <a:t>对方</a:t>
-            </a:r>
-          </a:p>
-        </p:txBody>
-      </p:sp>
-      <p:sp>
-        <p:nvSpPr>
-          <p:cNvPr id="39" name="矩形 38">
-            <a:extLst>
-              <a:ext uri="{FF2B5EF4-FFF2-40B4-BE49-F238E27FC236}">
-                <a16:creationId xmlns:a16="http://schemas.microsoft.com/office/drawing/2014/main" id="{3376D8D6-3864-43BF-BB55-BA2FED4594B4}"/>
-              </a:ext>
-            </a:extLst>
-          </p:cNvPr>
-          <p:cNvSpPr/>
-          <p:nvPr/>
-        </p:nvSpPr>
-        <p:spPr>
-          <a:xfrm>
-            <a:off x="2942496" y="4381750"/>
-            <a:ext cx="1855510" cy="589353"/>
-          </a:xfrm>
-          <a:prstGeom prst="rect">
-            <a:avLst/>
-          </a:prstGeom>
-        </p:spPr>
-        <p:style>
-          <a:lnRef idx="2">
-            <a:schemeClr val="accent5">
-              <a:shade val="50000"/>
-            </a:schemeClr>
-          </a:lnRef>
-          <a:fillRef idx="1">
-            <a:schemeClr val="accent5"/>
-          </a:fillRef>
-          <a:effectRef idx="0">
-            <a:schemeClr val="accent5"/>
-          </a:effectRef>
-          <a:fontRef idx="minor">
-            <a:schemeClr val="lt1"/>
-          </a:fontRef>
-        </p:style>
-        <p:txBody>
-          <a:bodyPr rtlCol="0" anchor="t"/>
-          <a:lstStyle/>
-          <a:p>
-            <a:r>
-              <a:rPr lang="zh-CN" altLang="en-US" dirty="0"/>
-              <a:t>聊天历史</a:t>
-            </a:r>
-            <a:endParaRPr lang="en-US" altLang="zh-CN" dirty="0"/>
-          </a:p>
-          <a:p>
-            <a:r>
-              <a:rPr lang="en-US" altLang="zh-CN" dirty="0"/>
-              <a:t>·</a:t>
-            </a:r>
-            <a:r>
-              <a:rPr lang="zh-CN" altLang="en-US" dirty="0"/>
-              <a:t>对方</a:t>
-            </a:r>
-          </a:p>
-        </p:txBody>
-      </p:sp>
     </p:spTree>
-    <p:extLst>
-      <p:ext uri="{BB962C8B-B14F-4D97-AF65-F5344CB8AC3E}">
-        <p14:creationId xmlns:p14="http://schemas.microsoft.com/office/powerpoint/2010/main" val="1909490213"/>
-      </p:ext>
-    </p:extLst>
   </p:cSld>
   <p:clrMapOvr>
     <a:masterClrMapping/>
@@ -6219,13 +5967,7 @@
       </p:grpSpPr>
       <p:sp>
         <p:nvSpPr>
-          <p:cNvPr id="2" name="文本框 1">
-            <a:extLst>
-              <a:ext uri="{FF2B5EF4-FFF2-40B4-BE49-F238E27FC236}">
-                <a16:creationId xmlns:a16="http://schemas.microsoft.com/office/drawing/2014/main" id="{84F609D7-59AD-4A63-96C2-95A24CA0794F}"/>
-              </a:ext>
-            </a:extLst>
-          </p:cNvPr>
+          <p:cNvPr id="2" name="文本框 1"/>
           <p:cNvSpPr txBox="1"/>
           <p:nvPr/>
         </p:nvSpPr>
@@ -6275,39 +6017,39 @@
               <a:rPr lang="en-US" altLang="zh-CN" sz="3600" dirty="0"/>
               <a:t>2.Spring</a:t>
             </a:r>
+            <a:endParaRPr lang="en-US" altLang="zh-CN" sz="3600" dirty="0"/>
           </a:p>
           <a:p>
             <a:r>
               <a:rPr lang="en-US" altLang="zh-CN" sz="3600" dirty="0"/>
               <a:t>3.Mysql+MongoDB</a:t>
             </a:r>
+            <a:endParaRPr lang="en-US" altLang="zh-CN" sz="3600" dirty="0"/>
           </a:p>
           <a:p>
             <a:r>
               <a:rPr lang="en-US" altLang="zh-CN" sz="3600" dirty="0"/>
               <a:t>4.Vue</a:t>
             </a:r>
+            <a:endParaRPr lang="en-US" altLang="zh-CN" sz="3600" dirty="0"/>
           </a:p>
           <a:p>
             <a:r>
               <a:rPr lang="en-US" altLang="zh-CN" sz="3600" dirty="0"/>
               <a:t>5.GitHub</a:t>
             </a:r>
+            <a:endParaRPr lang="en-US" altLang="zh-CN" sz="3600" dirty="0"/>
           </a:p>
           <a:p>
             <a:r>
               <a:rPr lang="en-US" altLang="zh-CN" sz="3600" dirty="0"/>
               <a:t>6.aws</a:t>
             </a:r>
+            <a:endParaRPr lang="en-US" altLang="zh-CN" sz="3600" dirty="0"/>
           </a:p>
         </p:txBody>
       </p:sp>
     </p:spTree>
-    <p:extLst>
-      <p:ext uri="{BB962C8B-B14F-4D97-AF65-F5344CB8AC3E}">
-        <p14:creationId xmlns:p14="http://schemas.microsoft.com/office/powerpoint/2010/main" val="2336165118"/>
-      </p:ext>
-    </p:extLst>
   </p:cSld>
   <p:clrMapOvr>
     <a:masterClrMapping/>
@@ -6358,7 +6100,7 @@
     </a:clrScheme>
     <a:fontScheme name="Office">
       <a:majorFont>
-        <a:latin typeface="等线 Light" panose="020F0302020204030204"/>
+        <a:latin typeface="等线 Light"/>
         <a:ea typeface=""/>
         <a:cs typeface=""/>
         <a:font script="Jpan" typeface="游ゴシック Light"/>
@@ -6391,26 +6133,9 @@
         <a:font script="Viet" typeface="Times New Roman"/>
         <a:font script="Uigh" typeface="Microsoft Uighur"/>
         <a:font script="Geor" typeface="Sylfaen"/>
-        <a:font script="Armn" typeface="Arial"/>
-        <a:font script="Bugi" typeface="Leelawadee UI"/>
-        <a:font script="Bopo" typeface="Microsoft JhengHei"/>
-        <a:font script="Java" typeface="Javanese Text"/>
-        <a:font script="Lisu" typeface="Segoe UI"/>
-        <a:font script="Mymr" typeface="Myanmar Text"/>
-        <a:font script="Nkoo" typeface="Ebrima"/>
-        <a:font script="Olck" typeface="Nirmala UI"/>
-        <a:font script="Osma" typeface="Ebrima"/>
-        <a:font script="Phag" typeface="Phagspa"/>
-        <a:font script="Syrn" typeface="Estrangelo Edessa"/>
-        <a:font script="Syrj" typeface="Estrangelo Edessa"/>
-        <a:font script="Syre" typeface="Estrangelo Edessa"/>
-        <a:font script="Sora" typeface="Nirmala UI"/>
-        <a:font script="Tale" typeface="Microsoft Tai Le"/>
-        <a:font script="Talu" typeface="Microsoft New Tai Lue"/>
-        <a:font script="Tfng" typeface="Ebrima"/>
       </a:majorFont>
       <a:minorFont>
-        <a:latin typeface="等线" panose="020F0502020204030204"/>
+        <a:latin typeface="等线"/>
         <a:ea typeface=""/>
         <a:cs typeface=""/>
         <a:font script="Jpan" typeface="游ゴシック"/>
@@ -6443,23 +6168,6 @@
         <a:font script="Viet" typeface="Arial"/>
         <a:font script="Uigh" typeface="Microsoft Uighur"/>
         <a:font script="Geor" typeface="Sylfaen"/>
-        <a:font script="Armn" typeface="Arial"/>
-        <a:font script="Bugi" typeface="Leelawadee UI"/>
-        <a:font script="Bopo" typeface="Microsoft JhengHei"/>
-        <a:font script="Java" typeface="Javanese Text"/>
-        <a:font script="Lisu" typeface="Segoe UI"/>
-        <a:font script="Mymr" typeface="Myanmar Text"/>
-        <a:font script="Nkoo" typeface="Ebrima"/>
-        <a:font script="Olck" typeface="Nirmala UI"/>
-        <a:font script="Osma" typeface="Ebrima"/>
-        <a:font script="Phag" typeface="Phagspa"/>
-        <a:font script="Syrn" typeface="Estrangelo Edessa"/>
-        <a:font script="Syrj" typeface="Estrangelo Edessa"/>
-        <a:font script="Syre" typeface="Estrangelo Edessa"/>
-        <a:font script="Sora" typeface="Nirmala UI"/>
-        <a:font script="Tale" typeface="Microsoft Tai Le"/>
-        <a:font script="Talu" typeface="Microsoft New Tai Lue"/>
-        <a:font script="Tfng" typeface="Ebrima"/>
       </a:minorFont>
     </a:fontScheme>
     <a:fmtScheme name="Office">
@@ -6600,8 +6308,265 @@
       </a:bgFillStyleLst>
     </a:fmtScheme>
   </a:themeElements>
-  <a:objectDefaults/>
-  <a:extraClrSchemeLst/>
+  <a:extLst>
+    <a:ext uri="{05A4C25C-085E-4340-85A3-A5531E510DB2}">
+      <thm15:themeFamily xmlns:thm15="http://schemas.microsoft.com/office/thememl/2012/main" name="Office Theme" id="{62F939B6-93AF-4DB8-9C6B-D6C7DFDC589F}" vid="{4A3C46E8-61CC-4603-A589-7422A47A8E4A}"/>
+    </a:ext>
+  </a:extLst>
+</a:theme>
+</file>
+
+<file path=ppt/theme/theme2.xml><?xml version="1.0" encoding="utf-8"?>
+<a:theme xmlns:a="http://schemas.openxmlformats.org/drawingml/2006/main" name="Office 主题">
+  <a:themeElements>
+    <a:clrScheme name="Office">
+      <a:dk1>
+        <a:sysClr val="windowText" lastClr="000000"/>
+      </a:dk1>
+      <a:lt1>
+        <a:sysClr val="window" lastClr="FFFFFF"/>
+      </a:lt1>
+      <a:dk2>
+        <a:srgbClr val="44546A"/>
+      </a:dk2>
+      <a:lt2>
+        <a:srgbClr val="E7E6E6"/>
+      </a:lt2>
+      <a:accent1>
+        <a:srgbClr val="5B9BD5"/>
+      </a:accent1>
+      <a:accent2>
+        <a:srgbClr val="ED7D31"/>
+      </a:accent2>
+      <a:accent3>
+        <a:srgbClr val="A5A5A5"/>
+      </a:accent3>
+      <a:accent4>
+        <a:srgbClr val="FFC000"/>
+      </a:accent4>
+      <a:accent5>
+        <a:srgbClr val="4472C4"/>
+      </a:accent5>
+      <a:accent6>
+        <a:srgbClr val="70AD47"/>
+      </a:accent6>
+      <a:hlink>
+        <a:srgbClr val="0563C1"/>
+      </a:hlink>
+      <a:folHlink>
+        <a:srgbClr val="954F72"/>
+      </a:folHlink>
+    </a:clrScheme>
+    <a:fontScheme name="Office">
+      <a:majorFont>
+        <a:latin typeface="Calibri Light"/>
+        <a:ea typeface=""/>
+        <a:cs typeface=""/>
+        <a:font script="Jpan" typeface="ＭＳ Ｐゴシック"/>
+        <a:font script="Hang" typeface="맑은 고딕"/>
+        <a:font script="Hans" typeface="宋体"/>
+        <a:font script="Hant" typeface="新細明體"/>
+        <a:font script="Arab" typeface="Times New Roman"/>
+        <a:font script="Hebr" typeface="Times New Roman"/>
+        <a:font script="Thai" typeface="Angsana New"/>
+        <a:font script="Ethi" typeface="Nyala"/>
+        <a:font script="Beng" typeface="Vrinda"/>
+        <a:font script="Gujr" typeface="Shruti"/>
+        <a:font script="Khmr" typeface="MoolBoran"/>
+        <a:font script="Knda" typeface="Tunga"/>
+        <a:font script="Guru" typeface="Raavi"/>
+        <a:font script="Cans" typeface="Euphemia"/>
+        <a:font script="Cher" typeface="Plantagenet Cherokee"/>
+        <a:font script="Yiii" typeface="Microsoft Yi Baiti"/>
+        <a:font script="Tibt" typeface="Microsoft Himalaya"/>
+        <a:font script="Thaa" typeface="MV Boli"/>
+        <a:font script="Deva" typeface="Mangal"/>
+        <a:font script="Telu" typeface="Gautami"/>
+        <a:font script="Taml" typeface="Latha"/>
+        <a:font script="Syrc" typeface="Estrangelo Edessa"/>
+        <a:font script="Orya" typeface="Kalinga"/>
+        <a:font script="Mlym" typeface="Kartika"/>
+        <a:font script="Laoo" typeface="DokChampa"/>
+        <a:font script="Sinh" typeface="Iskoola Pota"/>
+        <a:font script="Mong" typeface="Mongolian Baiti"/>
+        <a:font script="Viet" typeface="Times New Roman"/>
+        <a:font script="Uigh" typeface="Microsoft Uighur"/>
+        <a:font script="Geor" typeface="Sylfaen"/>
+      </a:majorFont>
+      <a:minorFont>
+        <a:latin typeface="Calibri"/>
+        <a:ea typeface=""/>
+        <a:cs typeface=""/>
+        <a:font script="Jpan" typeface="ＭＳ Ｐゴシック"/>
+        <a:font script="Hang" typeface="맑은 고딕"/>
+        <a:font script="Hans" typeface="宋体"/>
+        <a:font script="Hant" typeface="新細明體"/>
+        <a:font script="Arab" typeface="Arial"/>
+        <a:font script="Hebr" typeface="Arial"/>
+        <a:font script="Thai" typeface="Cordia New"/>
+        <a:font script="Ethi" typeface="Nyala"/>
+        <a:font script="Beng" typeface="Vrinda"/>
+        <a:font script="Gujr" typeface="Shruti"/>
+        <a:font script="Khmr" typeface="DaunPenh"/>
+        <a:font script="Knda" typeface="Tunga"/>
+        <a:font script="Guru" typeface="Raavi"/>
+        <a:font script="Cans" typeface="Euphemia"/>
+        <a:font script="Cher" typeface="Plantagenet Cherokee"/>
+        <a:font script="Yiii" typeface="Microsoft Yi Baiti"/>
+        <a:font script="Tibt" typeface="Microsoft Himalaya"/>
+        <a:font script="Thaa" typeface="MV Boli"/>
+        <a:font script="Deva" typeface="Mangal"/>
+        <a:font script="Telu" typeface="Gautami"/>
+        <a:font script="Taml" typeface="Latha"/>
+        <a:font script="Syrc" typeface="Estrangelo Edessa"/>
+        <a:font script="Orya" typeface="Kalinga"/>
+        <a:font script="Mlym" typeface="Kartika"/>
+        <a:font script="Laoo" typeface="DokChampa"/>
+        <a:font script="Sinh" typeface="Iskoola Pota"/>
+        <a:font script="Mong" typeface="Mongolian Baiti"/>
+        <a:font script="Viet" typeface="Arial"/>
+        <a:font script="Uigh" typeface="Microsoft Uighur"/>
+        <a:font script="Geor" typeface="Sylfaen"/>
+      </a:minorFont>
+    </a:fontScheme>
+    <a:fmtScheme name="Office">
+      <a:fillStyleLst>
+        <a:solidFill>
+          <a:schemeClr val="phClr"/>
+        </a:solidFill>
+        <a:gradFill rotWithShape="1">
+          <a:gsLst>
+            <a:gs pos="0">
+              <a:schemeClr val="phClr">
+                <a:lumMod val="110000"/>
+                <a:satMod val="105000"/>
+                <a:tint val="67000"/>
+              </a:schemeClr>
+            </a:gs>
+            <a:gs pos="50000">
+              <a:schemeClr val="phClr">
+                <a:lumMod val="105000"/>
+                <a:satMod val="103000"/>
+                <a:tint val="73000"/>
+              </a:schemeClr>
+            </a:gs>
+            <a:gs pos="100000">
+              <a:schemeClr val="phClr">
+                <a:lumMod val="105000"/>
+                <a:satMod val="109000"/>
+                <a:tint val="81000"/>
+              </a:schemeClr>
+            </a:gs>
+          </a:gsLst>
+          <a:lin ang="5400000" scaled="0"/>
+        </a:gradFill>
+        <a:gradFill rotWithShape="1">
+          <a:gsLst>
+            <a:gs pos="0">
+              <a:schemeClr val="phClr">
+                <a:satMod val="103000"/>
+                <a:lumMod val="102000"/>
+                <a:tint val="94000"/>
+              </a:schemeClr>
+            </a:gs>
+            <a:gs pos="50000">
+              <a:schemeClr val="phClr">
+                <a:satMod val="110000"/>
+                <a:lumMod val="100000"/>
+                <a:shade val="100000"/>
+              </a:schemeClr>
+            </a:gs>
+            <a:gs pos="100000">
+              <a:schemeClr val="phClr">
+                <a:lumMod val="99000"/>
+                <a:satMod val="120000"/>
+                <a:shade val="78000"/>
+              </a:schemeClr>
+            </a:gs>
+          </a:gsLst>
+          <a:lin ang="5400000" scaled="0"/>
+        </a:gradFill>
+      </a:fillStyleLst>
+      <a:lnStyleLst>
+        <a:ln w="6350" cap="flat" cmpd="sng" algn="ctr">
+          <a:solidFill>
+            <a:schemeClr val="phClr"/>
+          </a:solidFill>
+          <a:prstDash val="solid"/>
+          <a:miter lim="800000"/>
+        </a:ln>
+        <a:ln w="12700" cap="flat" cmpd="sng" algn="ctr">
+          <a:solidFill>
+            <a:schemeClr val="phClr"/>
+          </a:solidFill>
+          <a:prstDash val="solid"/>
+          <a:miter lim="800000"/>
+        </a:ln>
+        <a:ln w="19050" cap="flat" cmpd="sng" algn="ctr">
+          <a:solidFill>
+            <a:schemeClr val="phClr"/>
+          </a:solidFill>
+          <a:prstDash val="solid"/>
+          <a:miter lim="800000"/>
+        </a:ln>
+      </a:lnStyleLst>
+      <a:effectStyleLst>
+        <a:effectStyle>
+          <a:effectLst/>
+        </a:effectStyle>
+        <a:effectStyle>
+          <a:effectLst/>
+        </a:effectStyle>
+        <a:effectStyle>
+          <a:effectLst>
+            <a:outerShdw blurRad="57150" dist="19050" dir="5400000" algn="ctr" rotWithShape="0">
+              <a:srgbClr val="000000">
+                <a:alpha val="63000"/>
+              </a:srgbClr>
+            </a:outerShdw>
+          </a:effectLst>
+        </a:effectStyle>
+      </a:effectStyleLst>
+      <a:bgFillStyleLst>
+        <a:solidFill>
+          <a:schemeClr val="phClr"/>
+        </a:solidFill>
+        <a:solidFill>
+          <a:schemeClr val="phClr">
+            <a:tint val="95000"/>
+            <a:satMod val="170000"/>
+          </a:schemeClr>
+        </a:solidFill>
+        <a:gradFill rotWithShape="1">
+          <a:gsLst>
+            <a:gs pos="0">
+              <a:schemeClr val="phClr">
+                <a:tint val="93000"/>
+                <a:satMod val="150000"/>
+                <a:shade val="98000"/>
+                <a:lumMod val="102000"/>
+              </a:schemeClr>
+            </a:gs>
+            <a:gs pos="50000">
+              <a:schemeClr val="phClr">
+                <a:tint val="98000"/>
+                <a:satMod val="130000"/>
+                <a:shade val="90000"/>
+                <a:lumMod val="103000"/>
+              </a:schemeClr>
+            </a:gs>
+            <a:gs pos="100000">
+              <a:schemeClr val="phClr">
+                <a:shade val="63000"/>
+                <a:satMod val="120000"/>
+              </a:schemeClr>
+            </a:gs>
+          </a:gsLst>
+          <a:lin ang="5400000" scaled="0"/>
+        </a:gradFill>
+      </a:bgFillStyleLst>
+    </a:fmtScheme>
+  </a:themeElements>
   <a:extLst>
     <a:ext uri="{05A4C25C-085E-4340-85A3-A5531E510DB2}">
       <thm15:themeFamily xmlns:thm15="http://schemas.microsoft.com/office/thememl/2012/main" name="Office Theme" id="{62F939B6-93AF-4DB8-9C6B-D6C7DFDC589F}" vid="{4A3C46E8-61CC-4603-A589-7422A47A8E4A}"/>

--- a/抽卡手游.pptx
+++ b/抽卡手游.pptx
@@ -15,7 +15,8 @@
     <p:sldId id="263" r:id="rId7"/>
     <p:sldId id="259" r:id="rId8"/>
     <p:sldId id="261" r:id="rId9"/>
-    <p:sldId id="260" r:id="rId11"/>
+    <p:sldId id="267" r:id="rId11"/>
+    <p:sldId id="260" r:id="rId12"/>
   </p:sldIdLst>
   <p:sldSz cx="12192000" cy="6858000"/>
   <p:notesSz cx="6858000" cy="9144000"/>
@@ -5949,6 +5950,1706 @@
 </file>
 
 <file path=ppt/slides/slide8.xml><?xml version="1.0" encoding="utf-8"?>
+<p:sld xmlns:a="http://schemas.openxmlformats.org/drawingml/2006/main" xmlns:r="http://schemas.openxmlformats.org/officeDocument/2006/relationships" xmlns:p="http://schemas.openxmlformats.org/presentationml/2006/main">
+  <p:cSld>
+    <p:spTree>
+      <p:nvGrpSpPr>
+        <p:cNvPr id="1" name=""/>
+        <p:cNvGrpSpPr/>
+        <p:nvPr/>
+      </p:nvGrpSpPr>
+      <p:grpSpPr>
+        <a:xfrm>
+          <a:off x="0" y="0"/>
+          <a:ext cx="0" cy="0"/>
+          <a:chOff x="0" y="0"/>
+          <a:chExt cx="0" cy="0"/>
+        </a:xfrm>
+      </p:grpSpPr>
+      <p:sp>
+        <p:nvSpPr>
+          <p:cNvPr id="2" name="矩形 1"/>
+          <p:cNvSpPr/>
+          <p:nvPr/>
+        </p:nvSpPr>
+        <p:spPr>
+          <a:xfrm>
+            <a:off x="1711325" y="2299335"/>
+            <a:ext cx="1138555" cy="1997075"/>
+          </a:xfrm>
+          <a:prstGeom prst="rect">
+            <a:avLst/>
+          </a:prstGeom>
+        </p:spPr>
+        <p:style>
+          <a:lnRef idx="2">
+            <a:schemeClr val="accent5">
+              <a:shade val="50000"/>
+            </a:schemeClr>
+          </a:lnRef>
+          <a:fillRef idx="1">
+            <a:schemeClr val="accent5"/>
+          </a:fillRef>
+          <a:effectRef idx="0">
+            <a:schemeClr val="accent5"/>
+          </a:effectRef>
+          <a:fontRef idx="minor">
+            <a:schemeClr val="lt1"/>
+          </a:fontRef>
+        </p:style>
+        <p:txBody>
+          <a:bodyPr rtlCol="0" anchor="t"/>
+          <a:lstStyle/>
+          <a:p>
+            <a:r>
+              <a:rPr lang="zh-CN" altLang="en-US" dirty="0"/>
+              <a:t>用户</a:t>
+            </a:r>
+            <a:endParaRPr lang="en-US" altLang="zh-CN" dirty="0"/>
+          </a:p>
+          <a:p>
+            <a:r>
+              <a:rPr lang="en-US" altLang="zh-CN" dirty="0"/>
+              <a:t>·</a:t>
+            </a:r>
+            <a:r>
+              <a:rPr lang="zh-CN" altLang="en-US" dirty="0"/>
+              <a:t>密码</a:t>
+            </a:r>
+            <a:endParaRPr lang="en-US" altLang="zh-CN" dirty="0"/>
+          </a:p>
+          <a:p>
+            <a:r>
+              <a:rPr lang="en-US" altLang="zh-CN" dirty="0"/>
+              <a:t>·</a:t>
+            </a:r>
+            <a:r>
+              <a:rPr lang="zh-CN" altLang="en-US" dirty="0"/>
+              <a:t>手机</a:t>
+            </a:r>
+            <a:endParaRPr lang="en-US" altLang="zh-CN" dirty="0"/>
+          </a:p>
+          <a:p>
+            <a:r>
+              <a:rPr lang="en-US" altLang="zh-CN" dirty="0"/>
+              <a:t>·</a:t>
+            </a:r>
+            <a:r>
+              <a:rPr lang="zh-CN" altLang="en-US" dirty="0"/>
+              <a:t>邮箱</a:t>
+            </a:r>
+            <a:endParaRPr lang="en-US" altLang="zh-CN" dirty="0"/>
+          </a:p>
+          <a:p>
+            <a:r>
+              <a:rPr lang="en-US" altLang="zh-CN" dirty="0"/>
+              <a:t>·</a:t>
+            </a:r>
+            <a:r>
+              <a:rPr lang="zh-CN" altLang="en-US" dirty="0"/>
+              <a:t>余额</a:t>
+            </a:r>
+            <a:endParaRPr lang="en-US" altLang="zh-CN" dirty="0"/>
+          </a:p>
+          <a:p>
+            <a:r>
+              <a:rPr lang="en-US" altLang="zh-CN" dirty="0"/>
+              <a:t>·BAN</a:t>
+            </a:r>
+            <a:r>
+              <a:rPr lang="zh-CN" altLang="en-US" dirty="0"/>
+              <a:t>？</a:t>
+            </a:r>
+            <a:endParaRPr lang="en-US" altLang="zh-CN" dirty="0"/>
+          </a:p>
+          <a:p>
+            <a:r>
+              <a:rPr lang="en-US" altLang="zh-CN" dirty="0"/>
+              <a:t>·</a:t>
+            </a:r>
+            <a:r>
+              <a:rPr lang="zh-CN" altLang="en-US" dirty="0"/>
+              <a:t>等级</a:t>
+            </a:r>
+            <a:endParaRPr lang="zh-CN" altLang="en-US" dirty="0"/>
+          </a:p>
+        </p:txBody>
+      </p:sp>
+      <p:sp>
+        <p:nvSpPr>
+          <p:cNvPr id="3" name="矩形 2"/>
+          <p:cNvSpPr/>
+          <p:nvPr/>
+        </p:nvSpPr>
+        <p:spPr>
+          <a:xfrm>
+            <a:off x="10206990" y="1313180"/>
+            <a:ext cx="961390" cy="693420"/>
+          </a:xfrm>
+          <a:prstGeom prst="rect">
+            <a:avLst/>
+          </a:prstGeom>
+        </p:spPr>
+        <p:style>
+          <a:lnRef idx="2">
+            <a:schemeClr val="accent5">
+              <a:shade val="50000"/>
+            </a:schemeClr>
+          </a:lnRef>
+          <a:fillRef idx="1">
+            <a:schemeClr val="accent5"/>
+          </a:fillRef>
+          <a:effectRef idx="0">
+            <a:schemeClr val="accent5"/>
+          </a:effectRef>
+          <a:fontRef idx="minor">
+            <a:schemeClr val="lt1"/>
+          </a:fontRef>
+        </p:style>
+        <p:txBody>
+          <a:bodyPr rtlCol="0" anchor="t"/>
+          <a:lstStyle/>
+          <a:p>
+            <a:r>
+              <a:rPr lang="zh-CN" altLang="en-US" dirty="0"/>
+              <a:t>管理员</a:t>
+            </a:r>
+            <a:endParaRPr lang="en-US" altLang="zh-CN" dirty="0"/>
+          </a:p>
+          <a:p>
+            <a:r>
+              <a:rPr lang="en-US" altLang="zh-CN" dirty="0"/>
+              <a:t>·</a:t>
+            </a:r>
+            <a:r>
+              <a:rPr lang="zh-CN" altLang="en-US" dirty="0"/>
+              <a:t>密码</a:t>
+            </a:r>
+            <a:endParaRPr lang="en-US" altLang="zh-CN" dirty="0"/>
+          </a:p>
+          <a:p>
+            <a:endParaRPr lang="en-US" altLang="zh-CN" dirty="0"/>
+          </a:p>
+          <a:p>
+            <a:endParaRPr lang="zh-CN" altLang="en-US" dirty="0"/>
+          </a:p>
+        </p:txBody>
+      </p:sp>
+      <p:sp>
+        <p:nvSpPr>
+          <p:cNvPr id="4" name="矩形 3"/>
+          <p:cNvSpPr/>
+          <p:nvPr/>
+        </p:nvSpPr>
+        <p:spPr>
+          <a:xfrm>
+            <a:off x="1943735" y="1476375"/>
+            <a:ext cx="673735" cy="405130"/>
+          </a:xfrm>
+          <a:prstGeom prst="rect">
+            <a:avLst/>
+          </a:prstGeom>
+        </p:spPr>
+        <p:style>
+          <a:lnRef idx="2">
+            <a:schemeClr val="accent5">
+              <a:shade val="50000"/>
+            </a:schemeClr>
+          </a:lnRef>
+          <a:fillRef idx="1">
+            <a:schemeClr val="accent5"/>
+          </a:fillRef>
+          <a:effectRef idx="0">
+            <a:schemeClr val="accent5"/>
+          </a:effectRef>
+          <a:fontRef idx="minor">
+            <a:schemeClr val="lt1"/>
+          </a:fontRef>
+        </p:style>
+        <p:txBody>
+          <a:bodyPr rtlCol="0" anchor="t"/>
+          <a:lstStyle/>
+          <a:p>
+            <a:r>
+              <a:rPr lang="zh-CN" altLang="en-US" dirty="0"/>
+              <a:t>邮箱</a:t>
+            </a:r>
+            <a:endParaRPr lang="zh-CN" altLang="en-US" dirty="0"/>
+          </a:p>
+        </p:txBody>
+      </p:sp>
+      <p:sp>
+        <p:nvSpPr>
+          <p:cNvPr id="5" name="矩形 4"/>
+          <p:cNvSpPr/>
+          <p:nvPr/>
+        </p:nvSpPr>
+        <p:spPr>
+          <a:xfrm>
+            <a:off x="5773420" y="1094740"/>
+            <a:ext cx="1881505" cy="1277620"/>
+          </a:xfrm>
+          <a:prstGeom prst="rect">
+            <a:avLst/>
+          </a:prstGeom>
+        </p:spPr>
+        <p:style>
+          <a:lnRef idx="2">
+            <a:schemeClr val="accent5">
+              <a:shade val="50000"/>
+            </a:schemeClr>
+          </a:lnRef>
+          <a:fillRef idx="1">
+            <a:schemeClr val="accent5"/>
+          </a:fillRef>
+          <a:effectRef idx="0">
+            <a:schemeClr val="accent5"/>
+          </a:effectRef>
+          <a:fontRef idx="minor">
+            <a:schemeClr val="lt1"/>
+          </a:fontRef>
+        </p:style>
+        <p:txBody>
+          <a:bodyPr rtlCol="0" anchor="t"/>
+          <a:lstStyle/>
+          <a:p>
+            <a:r>
+              <a:rPr lang="zh-CN" altLang="en-US" dirty="0"/>
+              <a:t>商店</a:t>
+            </a:r>
+            <a:endParaRPr lang="zh-CN" altLang="en-US" dirty="0"/>
+          </a:p>
+        </p:txBody>
+      </p:sp>
+      <p:sp>
+        <p:nvSpPr>
+          <p:cNvPr id="6" name="矩形 5"/>
+          <p:cNvSpPr/>
+          <p:nvPr/>
+        </p:nvSpPr>
+        <p:spPr>
+          <a:xfrm>
+            <a:off x="1943735" y="724535"/>
+            <a:ext cx="657860" cy="370205"/>
+          </a:xfrm>
+          <a:prstGeom prst="rect">
+            <a:avLst/>
+          </a:prstGeom>
+        </p:spPr>
+        <p:style>
+          <a:lnRef idx="2">
+            <a:schemeClr val="accent5">
+              <a:shade val="50000"/>
+            </a:schemeClr>
+          </a:lnRef>
+          <a:fillRef idx="1">
+            <a:schemeClr val="accent5"/>
+          </a:fillRef>
+          <a:effectRef idx="0">
+            <a:schemeClr val="accent5"/>
+          </a:effectRef>
+          <a:fontRef idx="minor">
+            <a:schemeClr val="lt1"/>
+          </a:fontRef>
+        </p:style>
+        <p:txBody>
+          <a:bodyPr rtlCol="0" anchor="t"/>
+          <a:lstStyle/>
+          <a:p>
+            <a:r>
+              <a:rPr lang="zh-CN" altLang="en-US" dirty="0"/>
+              <a:t>邮件</a:t>
+            </a:r>
+            <a:endParaRPr lang="zh-CN" altLang="en-US" dirty="0"/>
+          </a:p>
+        </p:txBody>
+      </p:sp>
+      <p:sp>
+        <p:nvSpPr>
+          <p:cNvPr id="7" name="矩形 6"/>
+          <p:cNvSpPr/>
+          <p:nvPr/>
+        </p:nvSpPr>
+        <p:spPr>
+          <a:xfrm>
+            <a:off x="205740" y="2567940"/>
+            <a:ext cx="1185545" cy="391160"/>
+          </a:xfrm>
+          <a:prstGeom prst="rect">
+            <a:avLst/>
+          </a:prstGeom>
+        </p:spPr>
+        <p:style>
+          <a:lnRef idx="2">
+            <a:schemeClr val="accent5">
+              <a:shade val="50000"/>
+            </a:schemeClr>
+          </a:lnRef>
+          <a:fillRef idx="1">
+            <a:schemeClr val="accent5"/>
+          </a:fillRef>
+          <a:effectRef idx="0">
+            <a:schemeClr val="accent5"/>
+          </a:effectRef>
+          <a:fontRef idx="minor">
+            <a:schemeClr val="lt1"/>
+          </a:fontRef>
+        </p:style>
+        <p:txBody>
+          <a:bodyPr rtlCol="0" anchor="t"/>
+          <a:lstStyle/>
+          <a:p>
+            <a:r>
+              <a:rPr lang="zh-CN" altLang="en-US" dirty="0"/>
+              <a:t>好友名单</a:t>
+            </a:r>
+            <a:endParaRPr lang="zh-CN" altLang="en-US" dirty="0"/>
+          </a:p>
+        </p:txBody>
+      </p:sp>
+      <p:sp>
+        <p:nvSpPr>
+          <p:cNvPr id="8" name="矩形 7"/>
+          <p:cNvSpPr/>
+          <p:nvPr/>
+        </p:nvSpPr>
+        <p:spPr>
+          <a:xfrm>
+            <a:off x="343535" y="3718560"/>
+            <a:ext cx="909955" cy="389890"/>
+          </a:xfrm>
+          <a:prstGeom prst="rect">
+            <a:avLst/>
+          </a:prstGeom>
+        </p:spPr>
+        <p:style>
+          <a:lnRef idx="2">
+            <a:schemeClr val="accent5">
+              <a:shade val="50000"/>
+            </a:schemeClr>
+          </a:lnRef>
+          <a:fillRef idx="1">
+            <a:schemeClr val="accent5"/>
+          </a:fillRef>
+          <a:effectRef idx="0">
+            <a:schemeClr val="accent5"/>
+          </a:effectRef>
+          <a:fontRef idx="minor">
+            <a:schemeClr val="lt1"/>
+          </a:fontRef>
+        </p:style>
+        <p:txBody>
+          <a:bodyPr rtlCol="0" anchor="t"/>
+          <a:lstStyle/>
+          <a:p>
+            <a:r>
+              <a:rPr lang="zh-CN" altLang="en-US" dirty="0"/>
+              <a:t>黑名单</a:t>
+            </a:r>
+            <a:endParaRPr lang="zh-CN" altLang="en-US" dirty="0"/>
+          </a:p>
+        </p:txBody>
+      </p:sp>
+      <p:sp>
+        <p:nvSpPr>
+          <p:cNvPr id="9" name="矩形 8"/>
+          <p:cNvSpPr/>
+          <p:nvPr/>
+        </p:nvSpPr>
+        <p:spPr>
+          <a:xfrm>
+            <a:off x="1086523" y="5949203"/>
+            <a:ext cx="2187389" cy="694765"/>
+          </a:xfrm>
+          <a:prstGeom prst="rect">
+            <a:avLst/>
+          </a:prstGeom>
+          <a:solidFill>
+            <a:schemeClr val="bg1">
+              <a:lumMod val="75000"/>
+            </a:schemeClr>
+          </a:solidFill>
+        </p:spPr>
+        <p:style>
+          <a:lnRef idx="2">
+            <a:schemeClr val="accent3">
+              <a:shade val="50000"/>
+            </a:schemeClr>
+          </a:lnRef>
+          <a:fillRef idx="1">
+            <a:schemeClr val="accent3"/>
+          </a:fillRef>
+          <a:effectRef idx="0">
+            <a:schemeClr val="accent3"/>
+          </a:effectRef>
+          <a:fontRef idx="minor">
+            <a:schemeClr val="lt1"/>
+          </a:fontRef>
+        </p:style>
+        <p:txBody>
+          <a:bodyPr rtlCol="0" anchor="t"/>
+          <a:lstStyle/>
+          <a:p>
+            <a:r>
+              <a:rPr lang="zh-CN" altLang="en-US" dirty="0"/>
+              <a:t>战绩（待定，因为受游戏机制影响）</a:t>
+            </a:r>
+            <a:endParaRPr lang="zh-CN" altLang="en-US" dirty="0"/>
+          </a:p>
+        </p:txBody>
+      </p:sp>
+      <p:sp>
+        <p:nvSpPr>
+          <p:cNvPr id="11" name="矩形 10"/>
+          <p:cNvSpPr/>
+          <p:nvPr/>
+        </p:nvSpPr>
+        <p:spPr>
+          <a:xfrm>
+            <a:off x="8804275" y="2870835"/>
+            <a:ext cx="1235710" cy="1050290"/>
+          </a:xfrm>
+          <a:prstGeom prst="rect">
+            <a:avLst/>
+          </a:prstGeom>
+        </p:spPr>
+        <p:style>
+          <a:lnRef idx="2">
+            <a:schemeClr val="accent5">
+              <a:shade val="50000"/>
+            </a:schemeClr>
+          </a:lnRef>
+          <a:fillRef idx="1">
+            <a:schemeClr val="accent5"/>
+          </a:fillRef>
+          <a:effectRef idx="0">
+            <a:schemeClr val="accent5"/>
+          </a:effectRef>
+          <a:fontRef idx="minor">
+            <a:schemeClr val="lt1"/>
+          </a:fontRef>
+        </p:style>
+        <p:txBody>
+          <a:bodyPr rtlCol="0" anchor="t"/>
+          <a:lstStyle/>
+          <a:p>
+            <a:r>
+              <a:rPr lang="zh-CN" altLang="en-US" dirty="0"/>
+              <a:t>抽卡池</a:t>
+            </a:r>
+            <a:endParaRPr lang="zh-CN" altLang="en-US" dirty="0"/>
+          </a:p>
+        </p:txBody>
+      </p:sp>
+      <p:sp>
+        <p:nvSpPr>
+          <p:cNvPr id="13" name="矩形 12"/>
+          <p:cNvSpPr/>
+          <p:nvPr/>
+        </p:nvSpPr>
+        <p:spPr>
+          <a:xfrm>
+            <a:off x="5773548" y="2805916"/>
+            <a:ext cx="2187389" cy="1407459"/>
+          </a:xfrm>
+          <a:prstGeom prst="rect">
+            <a:avLst/>
+          </a:prstGeom>
+        </p:spPr>
+        <p:style>
+          <a:lnRef idx="2">
+            <a:schemeClr val="accent3">
+              <a:shade val="50000"/>
+            </a:schemeClr>
+          </a:lnRef>
+          <a:fillRef idx="1">
+            <a:schemeClr val="accent3"/>
+          </a:fillRef>
+          <a:effectRef idx="0">
+            <a:schemeClr val="accent3"/>
+          </a:effectRef>
+          <a:fontRef idx="minor">
+            <a:schemeClr val="lt1"/>
+          </a:fontRef>
+        </p:style>
+        <p:txBody>
+          <a:bodyPr rtlCol="0" anchor="t"/>
+          <a:lstStyle/>
+          <a:p>
+            <a:r>
+              <a:rPr lang="zh-CN" altLang="en-US" dirty="0"/>
+              <a:t>卡片</a:t>
+            </a:r>
+            <a:endParaRPr lang="en-US" altLang="zh-CN" dirty="0"/>
+          </a:p>
+          <a:p>
+            <a:r>
+              <a:rPr lang="en-US" altLang="zh-CN" dirty="0"/>
+              <a:t>·ID</a:t>
+            </a:r>
+            <a:endParaRPr lang="en-US" altLang="zh-CN" dirty="0"/>
+          </a:p>
+          <a:p>
+            <a:r>
+              <a:rPr lang="zh-CN" altLang="en-US" dirty="0"/>
+              <a:t>（具体待定，因为受游戏机制影响）</a:t>
+            </a:r>
+            <a:endParaRPr lang="en-US" altLang="zh-CN" dirty="0"/>
+          </a:p>
+          <a:p>
+            <a:endParaRPr lang="zh-CN" altLang="en-US" dirty="0"/>
+          </a:p>
+        </p:txBody>
+      </p:sp>
+      <p:cxnSp>
+        <p:nvCxnSpPr>
+          <p:cNvPr id="15" name="直接连接符 14"/>
+          <p:cNvCxnSpPr/>
+          <p:nvPr/>
+        </p:nvCxnSpPr>
+        <p:spPr>
+          <a:xfrm>
+            <a:off x="5092177" y="0"/>
+            <a:ext cx="0" cy="6858000"/>
+          </a:xfrm>
+          <a:prstGeom prst="line">
+            <a:avLst/>
+          </a:prstGeom>
+        </p:spPr>
+        <p:style>
+          <a:lnRef idx="1">
+            <a:schemeClr val="accent1"/>
+          </a:lnRef>
+          <a:fillRef idx="0">
+            <a:schemeClr val="accent1"/>
+          </a:fillRef>
+          <a:effectRef idx="0">
+            <a:schemeClr val="accent1"/>
+          </a:effectRef>
+          <a:fontRef idx="minor">
+            <a:schemeClr val="tx1"/>
+          </a:fontRef>
+        </p:style>
+      </p:cxnSp>
+      <p:sp>
+        <p:nvSpPr>
+          <p:cNvPr id="16" name="文本框 15"/>
+          <p:cNvSpPr txBox="1"/>
+          <p:nvPr/>
+        </p:nvSpPr>
+        <p:spPr>
+          <a:xfrm>
+            <a:off x="5294518" y="226820"/>
+            <a:ext cx="877163" cy="369332"/>
+          </a:xfrm>
+          <a:prstGeom prst="rect">
+            <a:avLst/>
+          </a:prstGeom>
+          <a:noFill/>
+        </p:spPr>
+        <p:txBody>
+          <a:bodyPr wrap="none" rtlCol="0">
+            <a:spAutoFit/>
+          </a:bodyPr>
+          <a:lstStyle/>
+          <a:p>
+            <a:r>
+              <a:rPr lang="zh-CN" altLang="en-US" dirty="0"/>
+              <a:t>运营方</a:t>
+            </a:r>
+            <a:endParaRPr lang="zh-CN" altLang="en-US" dirty="0"/>
+          </a:p>
+        </p:txBody>
+      </p:sp>
+      <p:sp>
+        <p:nvSpPr>
+          <p:cNvPr id="17" name="文本框 16"/>
+          <p:cNvSpPr txBox="1"/>
+          <p:nvPr/>
+        </p:nvSpPr>
+        <p:spPr>
+          <a:xfrm>
+            <a:off x="3881535" y="226820"/>
+            <a:ext cx="877163" cy="369332"/>
+          </a:xfrm>
+          <a:prstGeom prst="rect">
+            <a:avLst/>
+          </a:prstGeom>
+          <a:noFill/>
+        </p:spPr>
+        <p:txBody>
+          <a:bodyPr wrap="none" rtlCol="0">
+            <a:spAutoFit/>
+          </a:bodyPr>
+          <a:lstStyle/>
+          <a:p>
+            <a:r>
+              <a:rPr lang="zh-CN" altLang="en-US" dirty="0"/>
+              <a:t>用户方</a:t>
+            </a:r>
+            <a:endParaRPr lang="zh-CN" altLang="en-US" dirty="0"/>
+          </a:p>
+        </p:txBody>
+      </p:sp>
+      <p:sp>
+        <p:nvSpPr>
+          <p:cNvPr id="21" name="矩形 20"/>
+          <p:cNvSpPr/>
+          <p:nvPr/>
+        </p:nvSpPr>
+        <p:spPr>
+          <a:xfrm>
+            <a:off x="9011285" y="3276600"/>
+            <a:ext cx="725805" cy="466090"/>
+          </a:xfrm>
+          <a:prstGeom prst="rect">
+            <a:avLst/>
+          </a:prstGeom>
+        </p:spPr>
+        <p:style>
+          <a:lnRef idx="3">
+            <a:schemeClr val="lt1"/>
+          </a:lnRef>
+          <a:fillRef idx="1">
+            <a:schemeClr val="accent3"/>
+          </a:fillRef>
+          <a:effectRef idx="1">
+            <a:schemeClr val="accent3"/>
+          </a:effectRef>
+          <a:fontRef idx="minor">
+            <a:schemeClr val="lt1"/>
+          </a:fontRef>
+        </p:style>
+        <p:txBody>
+          <a:bodyPr rtlCol="0" anchor="t"/>
+          <a:lstStyle/>
+          <a:p>
+            <a:r>
+              <a:rPr lang="zh-CN" altLang="en-US" dirty="0"/>
+              <a:t>卡片</a:t>
+            </a:r>
+            <a:endParaRPr lang="zh-CN" altLang="en-US" dirty="0"/>
+          </a:p>
+        </p:txBody>
+      </p:sp>
+      <p:sp>
+        <p:nvSpPr>
+          <p:cNvPr id="23" name="矩形 22"/>
+          <p:cNvSpPr/>
+          <p:nvPr/>
+        </p:nvSpPr>
+        <p:spPr>
+          <a:xfrm>
+            <a:off x="5969000" y="1464310"/>
+            <a:ext cx="1444625" cy="830580"/>
+          </a:xfrm>
+          <a:prstGeom prst="rect">
+            <a:avLst/>
+          </a:prstGeom>
+        </p:spPr>
+        <p:style>
+          <a:lnRef idx="2">
+            <a:schemeClr val="accent5">
+              <a:shade val="50000"/>
+            </a:schemeClr>
+          </a:lnRef>
+          <a:fillRef idx="1">
+            <a:schemeClr val="accent5"/>
+          </a:fillRef>
+          <a:effectRef idx="0">
+            <a:schemeClr val="accent5"/>
+          </a:effectRef>
+          <a:fontRef idx="minor">
+            <a:schemeClr val="lt1"/>
+          </a:fontRef>
+        </p:style>
+        <p:txBody>
+          <a:bodyPr rtlCol="0" anchor="t"/>
+          <a:lstStyle/>
+          <a:p>
+            <a:r>
+              <a:rPr lang="zh-CN" altLang="en-US" dirty="0"/>
+              <a:t>游戏内道具</a:t>
+            </a:r>
+            <a:endParaRPr lang="zh-CN" altLang="en-US" dirty="0"/>
+          </a:p>
+          <a:p>
+            <a:r>
+              <a:rPr lang="zh-CN" altLang="en-US" dirty="0"/>
+              <a:t>描述图片</a:t>
+            </a:r>
+            <a:endParaRPr lang="zh-CN" altLang="en-US" dirty="0"/>
+          </a:p>
+          <a:p>
+            <a:r>
+              <a:rPr lang="zh-CN" altLang="en-US" dirty="0"/>
+              <a:t>名字 价格</a:t>
+            </a:r>
+            <a:endParaRPr lang="zh-CN" altLang="en-US" dirty="0"/>
+          </a:p>
+          <a:p>
+            <a:endParaRPr lang="zh-CN" altLang="en-US" dirty="0"/>
+          </a:p>
+          <a:p>
+            <a:endParaRPr lang="zh-CN" altLang="en-US" dirty="0"/>
+          </a:p>
+        </p:txBody>
+      </p:sp>
+      <p:sp>
+        <p:nvSpPr>
+          <p:cNvPr id="26" name="矩形 25"/>
+          <p:cNvSpPr/>
+          <p:nvPr/>
+        </p:nvSpPr>
+        <p:spPr>
+          <a:xfrm>
+            <a:off x="3550920" y="2959100"/>
+            <a:ext cx="1333500" cy="759460"/>
+          </a:xfrm>
+          <a:prstGeom prst="rect">
+            <a:avLst/>
+          </a:prstGeom>
+        </p:spPr>
+        <p:style>
+          <a:lnRef idx="2">
+            <a:schemeClr val="accent5">
+              <a:shade val="50000"/>
+            </a:schemeClr>
+          </a:lnRef>
+          <a:fillRef idx="1">
+            <a:schemeClr val="accent5"/>
+          </a:fillRef>
+          <a:effectRef idx="0">
+            <a:schemeClr val="accent5"/>
+          </a:effectRef>
+          <a:fontRef idx="minor">
+            <a:schemeClr val="lt1"/>
+          </a:fontRef>
+        </p:style>
+        <p:txBody>
+          <a:bodyPr rtlCol="0" anchor="t"/>
+          <a:lstStyle/>
+          <a:p>
+            <a:r>
+              <a:rPr lang="zh-CN" altLang="en-US" dirty="0"/>
+              <a:t>持有的卡片</a:t>
+            </a:r>
+            <a:endParaRPr lang="en-US" altLang="zh-CN" dirty="0"/>
+          </a:p>
+          <a:p>
+            <a:r>
+              <a:rPr lang="en-US" altLang="zh-CN" dirty="0"/>
+              <a:t>·</a:t>
+            </a:r>
+            <a:r>
+              <a:rPr lang="zh-CN" altLang="en-US" dirty="0"/>
+              <a:t>获得日期</a:t>
+            </a:r>
+            <a:endParaRPr lang="zh-CN" altLang="en-US" dirty="0"/>
+          </a:p>
+        </p:txBody>
+      </p:sp>
+      <p:sp>
+        <p:nvSpPr>
+          <p:cNvPr id="27" name="矩形 26"/>
+          <p:cNvSpPr/>
+          <p:nvPr/>
+        </p:nvSpPr>
+        <p:spPr>
+          <a:xfrm>
+            <a:off x="8169910" y="1094740"/>
+            <a:ext cx="1566545" cy="1407160"/>
+          </a:xfrm>
+          <a:prstGeom prst="rect">
+            <a:avLst/>
+          </a:prstGeom>
+        </p:spPr>
+        <p:style>
+          <a:lnRef idx="2">
+            <a:schemeClr val="accent5">
+              <a:shade val="50000"/>
+            </a:schemeClr>
+          </a:lnRef>
+          <a:fillRef idx="1">
+            <a:schemeClr val="accent5"/>
+          </a:fillRef>
+          <a:effectRef idx="0">
+            <a:schemeClr val="accent5"/>
+          </a:effectRef>
+          <a:fontRef idx="minor">
+            <a:schemeClr val="lt1"/>
+          </a:fontRef>
+        </p:style>
+        <p:txBody>
+          <a:bodyPr rtlCol="0" anchor="t"/>
+          <a:lstStyle/>
+          <a:p>
+            <a:r>
+              <a:rPr lang="zh-CN" altLang="en-US" dirty="0"/>
+              <a:t>活动</a:t>
+            </a:r>
+            <a:endParaRPr lang="zh-CN" altLang="en-US" dirty="0"/>
+          </a:p>
+        </p:txBody>
+      </p:sp>
+      <p:sp>
+        <p:nvSpPr>
+          <p:cNvPr id="28" name="矩形 27"/>
+          <p:cNvSpPr/>
+          <p:nvPr/>
+        </p:nvSpPr>
+        <p:spPr>
+          <a:xfrm>
+            <a:off x="8340090" y="2006600"/>
+            <a:ext cx="1223645" cy="427355"/>
+          </a:xfrm>
+          <a:prstGeom prst="rect">
+            <a:avLst/>
+          </a:prstGeom>
+        </p:spPr>
+        <p:style>
+          <a:lnRef idx="2">
+            <a:schemeClr val="accent5">
+              <a:shade val="50000"/>
+            </a:schemeClr>
+          </a:lnRef>
+          <a:fillRef idx="1">
+            <a:schemeClr val="accent5"/>
+          </a:fillRef>
+          <a:effectRef idx="0">
+            <a:schemeClr val="accent5"/>
+          </a:effectRef>
+          <a:fontRef idx="minor">
+            <a:schemeClr val="lt1"/>
+          </a:fontRef>
+        </p:style>
+        <p:txBody>
+          <a:bodyPr rtlCol="0" anchor="t"/>
+          <a:lstStyle/>
+          <a:p>
+            <a:r>
+              <a:rPr lang="zh-CN" altLang="en-US" dirty="0"/>
+              <a:t>定期活动</a:t>
+            </a:r>
+            <a:endParaRPr lang="zh-CN" altLang="en-US" dirty="0"/>
+          </a:p>
+        </p:txBody>
+      </p:sp>
+      <p:sp>
+        <p:nvSpPr>
+          <p:cNvPr id="29" name="矩形 28"/>
+          <p:cNvSpPr/>
+          <p:nvPr/>
+        </p:nvSpPr>
+        <p:spPr>
+          <a:xfrm>
+            <a:off x="8340090" y="1461135"/>
+            <a:ext cx="1223645" cy="420370"/>
+          </a:xfrm>
+          <a:prstGeom prst="rect">
+            <a:avLst/>
+          </a:prstGeom>
+        </p:spPr>
+        <p:style>
+          <a:lnRef idx="2">
+            <a:schemeClr val="accent5">
+              <a:shade val="50000"/>
+            </a:schemeClr>
+          </a:lnRef>
+          <a:fillRef idx="1">
+            <a:schemeClr val="accent5"/>
+          </a:fillRef>
+          <a:effectRef idx="0">
+            <a:schemeClr val="accent5"/>
+          </a:effectRef>
+          <a:fontRef idx="minor">
+            <a:schemeClr val="lt1"/>
+          </a:fontRef>
+        </p:style>
+        <p:txBody>
+          <a:bodyPr rtlCol="0" anchor="t"/>
+          <a:lstStyle/>
+          <a:p>
+            <a:r>
+              <a:rPr lang="zh-CN" altLang="en-US" dirty="0"/>
+              <a:t>限时活动</a:t>
+            </a:r>
+            <a:endParaRPr lang="zh-CN" altLang="en-US" dirty="0"/>
+          </a:p>
+        </p:txBody>
+      </p:sp>
+      <p:sp>
+        <p:nvSpPr>
+          <p:cNvPr id="32" name="矩形 31"/>
+          <p:cNvSpPr/>
+          <p:nvPr/>
+        </p:nvSpPr>
+        <p:spPr>
+          <a:xfrm>
+            <a:off x="3749675" y="6082030"/>
+            <a:ext cx="730250" cy="429895"/>
+          </a:xfrm>
+          <a:prstGeom prst="rect">
+            <a:avLst/>
+          </a:prstGeom>
+        </p:spPr>
+        <p:style>
+          <a:lnRef idx="2">
+            <a:schemeClr val="accent3">
+              <a:shade val="50000"/>
+            </a:schemeClr>
+          </a:lnRef>
+          <a:fillRef idx="1">
+            <a:schemeClr val="accent3"/>
+          </a:fillRef>
+          <a:effectRef idx="0">
+            <a:schemeClr val="accent3"/>
+          </a:effectRef>
+          <a:fontRef idx="minor">
+            <a:schemeClr val="lt1"/>
+          </a:fontRef>
+        </p:style>
+        <p:txBody>
+          <a:bodyPr rtlCol="0" anchor="t"/>
+          <a:lstStyle/>
+          <a:p>
+            <a:r>
+              <a:rPr lang="zh-CN" altLang="en-US" dirty="0"/>
+              <a:t>进度</a:t>
+            </a:r>
+            <a:endParaRPr lang="zh-CN" altLang="en-US" dirty="0"/>
+          </a:p>
+        </p:txBody>
+      </p:sp>
+      <p:sp>
+        <p:nvSpPr>
+          <p:cNvPr id="33" name="矩形 32"/>
+          <p:cNvSpPr/>
+          <p:nvPr/>
+        </p:nvSpPr>
+        <p:spPr>
+          <a:xfrm>
+            <a:off x="10207118" y="2711588"/>
+            <a:ext cx="1452006" cy="473348"/>
+          </a:xfrm>
+          <a:prstGeom prst="rect">
+            <a:avLst/>
+          </a:prstGeom>
+        </p:spPr>
+        <p:style>
+          <a:lnRef idx="2">
+            <a:schemeClr val="accent3">
+              <a:shade val="50000"/>
+            </a:schemeClr>
+          </a:lnRef>
+          <a:fillRef idx="1">
+            <a:schemeClr val="accent3"/>
+          </a:fillRef>
+          <a:effectRef idx="0">
+            <a:schemeClr val="accent3"/>
+          </a:effectRef>
+          <a:fontRef idx="minor">
+            <a:schemeClr val="lt1"/>
+          </a:fontRef>
+        </p:style>
+        <p:txBody>
+          <a:bodyPr rtlCol="0" anchor="t"/>
+          <a:lstStyle/>
+          <a:p>
+            <a:r>
+              <a:rPr lang="zh-CN" altLang="en-US" dirty="0"/>
+              <a:t>关卡</a:t>
+            </a:r>
+            <a:r>
+              <a:rPr lang="en-US" altLang="zh-CN" dirty="0"/>
+              <a:t>(NPC</a:t>
+            </a:r>
+            <a:r>
+              <a:rPr lang="zh-CN" altLang="en-US" dirty="0"/>
+              <a:t>战</a:t>
+            </a:r>
+            <a:r>
+              <a:rPr lang="en-US" altLang="zh-CN" dirty="0"/>
+              <a:t>)</a:t>
+            </a:r>
+            <a:endParaRPr lang="zh-CN" altLang="en-US" dirty="0"/>
+          </a:p>
+        </p:txBody>
+      </p:sp>
+      <p:sp>
+        <p:nvSpPr>
+          <p:cNvPr id="37" name="矩形 36"/>
+          <p:cNvSpPr/>
+          <p:nvPr/>
+        </p:nvSpPr>
+        <p:spPr>
+          <a:xfrm>
+            <a:off x="1676400" y="4704080"/>
+            <a:ext cx="1209675" cy="614680"/>
+          </a:xfrm>
+          <a:prstGeom prst="rect">
+            <a:avLst/>
+          </a:prstGeom>
+        </p:spPr>
+        <p:style>
+          <a:lnRef idx="2">
+            <a:schemeClr val="accent5">
+              <a:shade val="50000"/>
+            </a:schemeClr>
+          </a:lnRef>
+          <a:fillRef idx="1">
+            <a:schemeClr val="accent5"/>
+          </a:fillRef>
+          <a:effectRef idx="0">
+            <a:schemeClr val="accent5"/>
+          </a:effectRef>
+          <a:fontRef idx="minor">
+            <a:schemeClr val="lt1"/>
+          </a:fontRef>
+        </p:style>
+        <p:txBody>
+          <a:bodyPr rtlCol="0" anchor="t"/>
+          <a:lstStyle/>
+          <a:p>
+            <a:r>
+              <a:rPr lang="zh-CN" altLang="en-US" dirty="0"/>
+              <a:t>聊天历史</a:t>
+            </a:r>
+            <a:endParaRPr lang="en-US" altLang="zh-CN" dirty="0"/>
+          </a:p>
+          <a:p>
+            <a:r>
+              <a:rPr lang="en-US" altLang="zh-CN" dirty="0"/>
+              <a:t>·</a:t>
+            </a:r>
+            <a:r>
+              <a:rPr lang="zh-CN" altLang="en-US" dirty="0"/>
+              <a:t>对方</a:t>
+            </a:r>
+            <a:endParaRPr lang="zh-CN" altLang="en-US" dirty="0"/>
+          </a:p>
+        </p:txBody>
+      </p:sp>
+      <p:sp>
+        <p:nvSpPr>
+          <p:cNvPr id="40" name="矩形 39"/>
+          <p:cNvSpPr/>
+          <p:nvPr/>
+        </p:nvSpPr>
+        <p:spPr>
+          <a:xfrm>
+            <a:off x="3510280" y="1544320"/>
+            <a:ext cx="1415415" cy="668020"/>
+          </a:xfrm>
+          <a:prstGeom prst="rect">
+            <a:avLst/>
+          </a:prstGeom>
+        </p:spPr>
+        <p:style>
+          <a:lnRef idx="2">
+            <a:schemeClr val="accent5">
+              <a:shade val="50000"/>
+            </a:schemeClr>
+          </a:lnRef>
+          <a:fillRef idx="1">
+            <a:schemeClr val="accent5"/>
+          </a:fillRef>
+          <a:effectRef idx="0">
+            <a:schemeClr val="accent5"/>
+          </a:effectRef>
+          <a:fontRef idx="minor">
+            <a:schemeClr val="lt1"/>
+          </a:fontRef>
+        </p:style>
+        <p:txBody>
+          <a:bodyPr rtlCol="0" anchor="t"/>
+          <a:p>
+            <a:r>
+              <a:rPr lang="zh-CN" altLang="en-US" dirty="0"/>
+              <a:t>持有的道具</a:t>
+            </a:r>
+            <a:endParaRPr lang="en-US" altLang="zh-CN" dirty="0"/>
+          </a:p>
+          <a:p>
+            <a:r>
+              <a:rPr lang="en-US" altLang="zh-CN" dirty="0"/>
+              <a:t>·</a:t>
+            </a:r>
+            <a:r>
+              <a:rPr lang="zh-CN" altLang="en-US" dirty="0"/>
+              <a:t>获得日期</a:t>
+            </a:r>
+            <a:endParaRPr lang="zh-CN" altLang="en-US" dirty="0"/>
+          </a:p>
+        </p:txBody>
+      </p:sp>
+      <p:cxnSp>
+        <p:nvCxnSpPr>
+          <p:cNvPr id="42" name="直接箭头连接符 41"/>
+          <p:cNvCxnSpPr>
+            <a:stCxn id="26" idx="1"/>
+            <a:endCxn id="2" idx="3"/>
+          </p:cNvCxnSpPr>
+          <p:nvPr/>
+        </p:nvCxnSpPr>
+        <p:spPr>
+          <a:xfrm flipH="1" flipV="1">
+            <a:off x="2849880" y="3298190"/>
+            <a:ext cx="701040" cy="40640"/>
+          </a:xfrm>
+          <a:prstGeom prst="straightConnector1">
+            <a:avLst/>
+          </a:prstGeom>
+          <a:ln>
+            <a:tailEnd type="arrow"/>
+          </a:ln>
+        </p:spPr>
+        <p:style>
+          <a:lnRef idx="1">
+            <a:schemeClr val="accent1"/>
+          </a:lnRef>
+          <a:fillRef idx="0">
+            <a:schemeClr val="accent1"/>
+          </a:fillRef>
+          <a:effectRef idx="0">
+            <a:schemeClr val="accent1"/>
+          </a:effectRef>
+          <a:fontRef idx="minor">
+            <a:schemeClr val="tx1"/>
+          </a:fontRef>
+        </p:style>
+      </p:cxnSp>
+      <p:cxnSp>
+        <p:nvCxnSpPr>
+          <p:cNvPr id="43" name="直接箭头连接符 42"/>
+          <p:cNvCxnSpPr>
+            <a:stCxn id="26" idx="3"/>
+            <a:endCxn id="13" idx="1"/>
+          </p:cNvCxnSpPr>
+          <p:nvPr/>
+        </p:nvCxnSpPr>
+        <p:spPr>
+          <a:xfrm>
+            <a:off x="4884420" y="3338830"/>
+            <a:ext cx="889000" cy="170815"/>
+          </a:xfrm>
+          <a:prstGeom prst="straightConnector1">
+            <a:avLst/>
+          </a:prstGeom>
+          <a:ln>
+            <a:tailEnd type="arrow"/>
+          </a:ln>
+        </p:spPr>
+        <p:style>
+          <a:lnRef idx="1">
+            <a:schemeClr val="accent1"/>
+          </a:lnRef>
+          <a:fillRef idx="0">
+            <a:schemeClr val="accent1"/>
+          </a:fillRef>
+          <a:effectRef idx="0">
+            <a:schemeClr val="accent1"/>
+          </a:effectRef>
+          <a:fontRef idx="minor">
+            <a:schemeClr val="tx1"/>
+          </a:fontRef>
+        </p:style>
+      </p:cxnSp>
+      <p:cxnSp>
+        <p:nvCxnSpPr>
+          <p:cNvPr id="44" name="直接箭头连接符 43"/>
+          <p:cNvCxnSpPr>
+            <a:stCxn id="2" idx="3"/>
+            <a:endCxn id="40" idx="1"/>
+          </p:cNvCxnSpPr>
+          <p:nvPr/>
+        </p:nvCxnSpPr>
+        <p:spPr>
+          <a:xfrm flipV="1">
+            <a:off x="2849880" y="1878330"/>
+            <a:ext cx="660400" cy="1419860"/>
+          </a:xfrm>
+          <a:prstGeom prst="straightConnector1">
+            <a:avLst/>
+          </a:prstGeom>
+          <a:ln>
+            <a:tailEnd type="arrow"/>
+          </a:ln>
+        </p:spPr>
+        <p:style>
+          <a:lnRef idx="1">
+            <a:schemeClr val="accent1"/>
+          </a:lnRef>
+          <a:fillRef idx="0">
+            <a:schemeClr val="accent1"/>
+          </a:fillRef>
+          <a:effectRef idx="0">
+            <a:schemeClr val="accent1"/>
+          </a:effectRef>
+          <a:fontRef idx="minor">
+            <a:schemeClr val="tx1"/>
+          </a:fontRef>
+        </p:style>
+      </p:cxnSp>
+      <p:cxnSp>
+        <p:nvCxnSpPr>
+          <p:cNvPr id="46" name="直接箭头连接符 45"/>
+          <p:cNvCxnSpPr>
+            <a:stCxn id="40" idx="3"/>
+            <a:endCxn id="23" idx="1"/>
+          </p:cNvCxnSpPr>
+          <p:nvPr/>
+        </p:nvCxnSpPr>
+        <p:spPr>
+          <a:xfrm>
+            <a:off x="4925695" y="1878330"/>
+            <a:ext cx="1043305" cy="1270"/>
+          </a:xfrm>
+          <a:prstGeom prst="straightConnector1">
+            <a:avLst/>
+          </a:prstGeom>
+          <a:ln>
+            <a:tailEnd type="arrow"/>
+          </a:ln>
+        </p:spPr>
+        <p:style>
+          <a:lnRef idx="1">
+            <a:schemeClr val="accent1"/>
+          </a:lnRef>
+          <a:fillRef idx="0">
+            <a:schemeClr val="accent1"/>
+          </a:fillRef>
+          <a:effectRef idx="0">
+            <a:schemeClr val="accent1"/>
+          </a:effectRef>
+          <a:fontRef idx="minor">
+            <a:schemeClr val="tx1"/>
+          </a:fontRef>
+        </p:style>
+      </p:cxnSp>
+      <p:cxnSp>
+        <p:nvCxnSpPr>
+          <p:cNvPr id="47" name="直接箭头连接符 46"/>
+          <p:cNvCxnSpPr>
+            <a:stCxn id="13" idx="3"/>
+            <a:endCxn id="11" idx="1"/>
+          </p:cNvCxnSpPr>
+          <p:nvPr/>
+        </p:nvCxnSpPr>
+        <p:spPr>
+          <a:xfrm flipV="1">
+            <a:off x="7960995" y="3395980"/>
+            <a:ext cx="843280" cy="113665"/>
+          </a:xfrm>
+          <a:prstGeom prst="straightConnector1">
+            <a:avLst/>
+          </a:prstGeom>
+          <a:ln>
+            <a:tailEnd type="arrow"/>
+          </a:ln>
+        </p:spPr>
+        <p:style>
+          <a:lnRef idx="1">
+            <a:schemeClr val="accent1"/>
+          </a:lnRef>
+          <a:fillRef idx="0">
+            <a:schemeClr val="accent1"/>
+          </a:fillRef>
+          <a:effectRef idx="0">
+            <a:schemeClr val="accent1"/>
+          </a:effectRef>
+          <a:fontRef idx="minor">
+            <a:schemeClr val="tx1"/>
+          </a:fontRef>
+        </p:style>
+      </p:cxnSp>
+      <p:cxnSp>
+        <p:nvCxnSpPr>
+          <p:cNvPr id="48" name="直接箭头连接符 47"/>
+          <p:cNvCxnSpPr>
+            <a:stCxn id="2" idx="0"/>
+            <a:endCxn id="4" idx="2"/>
+          </p:cNvCxnSpPr>
+          <p:nvPr/>
+        </p:nvCxnSpPr>
+        <p:spPr>
+          <a:xfrm flipV="1">
+            <a:off x="2280920" y="1881505"/>
+            <a:ext cx="0" cy="417830"/>
+          </a:xfrm>
+          <a:prstGeom prst="straightConnector1">
+            <a:avLst/>
+          </a:prstGeom>
+          <a:ln>
+            <a:tailEnd type="arrow"/>
+          </a:ln>
+        </p:spPr>
+        <p:style>
+          <a:lnRef idx="1">
+            <a:schemeClr val="accent1"/>
+          </a:lnRef>
+          <a:fillRef idx="0">
+            <a:schemeClr val="accent1"/>
+          </a:fillRef>
+          <a:effectRef idx="0">
+            <a:schemeClr val="accent1"/>
+          </a:effectRef>
+          <a:fontRef idx="minor">
+            <a:schemeClr val="tx1"/>
+          </a:fontRef>
+        </p:style>
+      </p:cxnSp>
+      <p:cxnSp>
+        <p:nvCxnSpPr>
+          <p:cNvPr id="49" name="直接连接符 48"/>
+          <p:cNvCxnSpPr>
+            <a:stCxn id="4" idx="0"/>
+            <a:endCxn id="6" idx="2"/>
+          </p:cNvCxnSpPr>
+          <p:nvPr/>
+        </p:nvCxnSpPr>
+        <p:spPr>
+          <a:xfrm flipH="1" flipV="1">
+            <a:off x="2272665" y="1094740"/>
+            <a:ext cx="8255" cy="381635"/>
+          </a:xfrm>
+          <a:prstGeom prst="line">
+            <a:avLst/>
+          </a:prstGeom>
+        </p:spPr>
+        <p:style>
+          <a:lnRef idx="1">
+            <a:schemeClr val="accent1"/>
+          </a:lnRef>
+          <a:fillRef idx="0">
+            <a:schemeClr val="accent1"/>
+          </a:fillRef>
+          <a:effectRef idx="0">
+            <a:schemeClr val="accent1"/>
+          </a:effectRef>
+          <a:fontRef idx="minor">
+            <a:schemeClr val="tx1"/>
+          </a:fontRef>
+        </p:style>
+      </p:cxnSp>
+      <p:cxnSp>
+        <p:nvCxnSpPr>
+          <p:cNvPr id="51" name="直接连接符 50"/>
+          <p:cNvCxnSpPr>
+            <a:endCxn id="7" idx="3"/>
+          </p:cNvCxnSpPr>
+          <p:nvPr/>
+        </p:nvCxnSpPr>
+        <p:spPr>
+          <a:xfrm flipH="1">
+            <a:off x="1391285" y="2707640"/>
+            <a:ext cx="302895" cy="55880"/>
+          </a:xfrm>
+          <a:prstGeom prst="line">
+            <a:avLst/>
+          </a:prstGeom>
+        </p:spPr>
+        <p:style>
+          <a:lnRef idx="1">
+            <a:schemeClr val="accent1"/>
+          </a:lnRef>
+          <a:fillRef idx="0">
+            <a:schemeClr val="accent1"/>
+          </a:fillRef>
+          <a:effectRef idx="0">
+            <a:schemeClr val="accent1"/>
+          </a:effectRef>
+          <a:fontRef idx="minor">
+            <a:schemeClr val="tx1"/>
+          </a:fontRef>
+        </p:style>
+      </p:cxnSp>
+      <p:cxnSp>
+        <p:nvCxnSpPr>
+          <p:cNvPr id="52" name="直接连接符 51"/>
+          <p:cNvCxnSpPr>
+            <a:stCxn id="7" idx="2"/>
+          </p:cNvCxnSpPr>
+          <p:nvPr/>
+        </p:nvCxnSpPr>
+        <p:spPr>
+          <a:xfrm flipH="1">
+            <a:off x="783590" y="2959100"/>
+            <a:ext cx="15240" cy="304800"/>
+          </a:xfrm>
+          <a:prstGeom prst="line">
+            <a:avLst/>
+          </a:prstGeom>
+        </p:spPr>
+        <p:style>
+          <a:lnRef idx="1">
+            <a:schemeClr val="accent1"/>
+          </a:lnRef>
+          <a:fillRef idx="0">
+            <a:schemeClr val="accent1"/>
+          </a:fillRef>
+          <a:effectRef idx="0">
+            <a:schemeClr val="accent1"/>
+          </a:effectRef>
+          <a:fontRef idx="minor">
+            <a:schemeClr val="tx1"/>
+          </a:fontRef>
+        </p:style>
+      </p:cxnSp>
+      <p:cxnSp>
+        <p:nvCxnSpPr>
+          <p:cNvPr id="53" name="直接连接符 52"/>
+          <p:cNvCxnSpPr>
+            <a:endCxn id="2" idx="1"/>
+          </p:cNvCxnSpPr>
+          <p:nvPr/>
+        </p:nvCxnSpPr>
+        <p:spPr>
+          <a:xfrm>
+            <a:off x="783590" y="3251200"/>
+            <a:ext cx="927735" cy="46990"/>
+          </a:xfrm>
+          <a:prstGeom prst="line">
+            <a:avLst/>
+          </a:prstGeom>
+        </p:spPr>
+        <p:style>
+          <a:lnRef idx="1">
+            <a:schemeClr val="accent1"/>
+          </a:lnRef>
+          <a:fillRef idx="0">
+            <a:schemeClr val="accent1"/>
+          </a:fillRef>
+          <a:effectRef idx="0">
+            <a:schemeClr val="accent1"/>
+          </a:effectRef>
+          <a:fontRef idx="minor">
+            <a:schemeClr val="tx1"/>
+          </a:fontRef>
+        </p:style>
+      </p:cxnSp>
+      <p:cxnSp>
+        <p:nvCxnSpPr>
+          <p:cNvPr id="54" name="直接连接符 53"/>
+          <p:cNvCxnSpPr/>
+          <p:nvPr/>
+        </p:nvCxnSpPr>
+        <p:spPr>
+          <a:xfrm flipH="1">
+            <a:off x="821055" y="4225290"/>
+            <a:ext cx="860425" cy="12700"/>
+          </a:xfrm>
+          <a:prstGeom prst="line">
+            <a:avLst/>
+          </a:prstGeom>
+        </p:spPr>
+        <p:style>
+          <a:lnRef idx="1">
+            <a:schemeClr val="accent1"/>
+          </a:lnRef>
+          <a:fillRef idx="0">
+            <a:schemeClr val="accent1"/>
+          </a:fillRef>
+          <a:effectRef idx="0">
+            <a:schemeClr val="accent1"/>
+          </a:effectRef>
+          <a:fontRef idx="minor">
+            <a:schemeClr val="tx1"/>
+          </a:fontRef>
+        </p:style>
+      </p:cxnSp>
+      <p:cxnSp>
+        <p:nvCxnSpPr>
+          <p:cNvPr id="55" name="直接连接符 54"/>
+          <p:cNvCxnSpPr>
+            <a:endCxn id="8" idx="2"/>
+          </p:cNvCxnSpPr>
+          <p:nvPr/>
+        </p:nvCxnSpPr>
+        <p:spPr>
+          <a:xfrm flipH="1" flipV="1">
+            <a:off x="798830" y="4108450"/>
+            <a:ext cx="34925" cy="142240"/>
+          </a:xfrm>
+          <a:prstGeom prst="line">
+            <a:avLst/>
+          </a:prstGeom>
+        </p:spPr>
+        <p:style>
+          <a:lnRef idx="1">
+            <a:schemeClr val="accent1"/>
+          </a:lnRef>
+          <a:fillRef idx="0">
+            <a:schemeClr val="accent1"/>
+          </a:fillRef>
+          <a:effectRef idx="0">
+            <a:schemeClr val="accent1"/>
+          </a:effectRef>
+          <a:fontRef idx="minor">
+            <a:schemeClr val="tx1"/>
+          </a:fontRef>
+        </p:style>
+      </p:cxnSp>
+      <p:cxnSp>
+        <p:nvCxnSpPr>
+          <p:cNvPr id="56" name="直接连接符 55"/>
+          <p:cNvCxnSpPr>
+            <a:stCxn id="8" idx="0"/>
+          </p:cNvCxnSpPr>
+          <p:nvPr/>
+        </p:nvCxnSpPr>
+        <p:spPr>
+          <a:xfrm flipV="1">
+            <a:off x="798830" y="3517265"/>
+            <a:ext cx="9525" cy="201295"/>
+          </a:xfrm>
+          <a:prstGeom prst="line">
+            <a:avLst/>
+          </a:prstGeom>
+        </p:spPr>
+        <p:style>
+          <a:lnRef idx="1">
+            <a:schemeClr val="accent1"/>
+          </a:lnRef>
+          <a:fillRef idx="0">
+            <a:schemeClr val="accent1"/>
+          </a:fillRef>
+          <a:effectRef idx="0">
+            <a:schemeClr val="accent1"/>
+          </a:effectRef>
+          <a:fontRef idx="minor">
+            <a:schemeClr val="tx1"/>
+          </a:fontRef>
+        </p:style>
+      </p:cxnSp>
+      <p:cxnSp>
+        <p:nvCxnSpPr>
+          <p:cNvPr id="57" name="直接连接符 56"/>
+          <p:cNvCxnSpPr/>
+          <p:nvPr/>
+        </p:nvCxnSpPr>
+        <p:spPr>
+          <a:xfrm>
+            <a:off x="795655" y="3504565"/>
+            <a:ext cx="885825" cy="24765"/>
+          </a:xfrm>
+          <a:prstGeom prst="line">
+            <a:avLst/>
+          </a:prstGeom>
+        </p:spPr>
+        <p:style>
+          <a:lnRef idx="1">
+            <a:schemeClr val="accent1"/>
+          </a:lnRef>
+          <a:fillRef idx="0">
+            <a:schemeClr val="accent1"/>
+          </a:fillRef>
+          <a:effectRef idx="0">
+            <a:schemeClr val="accent1"/>
+          </a:effectRef>
+          <a:fontRef idx="minor">
+            <a:schemeClr val="tx1"/>
+          </a:fontRef>
+        </p:style>
+      </p:cxnSp>
+      <p:sp>
+        <p:nvSpPr>
+          <p:cNvPr id="58" name="文本框 57"/>
+          <p:cNvSpPr txBox="1"/>
+          <p:nvPr/>
+        </p:nvSpPr>
+        <p:spPr>
+          <a:xfrm>
+            <a:off x="290195" y="215900"/>
+            <a:ext cx="1289685" cy="368300"/>
+          </a:xfrm>
+          <a:prstGeom prst="rect">
+            <a:avLst/>
+          </a:prstGeom>
+          <a:noFill/>
+        </p:spPr>
+        <p:txBody>
+          <a:bodyPr wrap="square" rtlCol="0">
+            <a:spAutoFit/>
+          </a:bodyPr>
+          <a:p>
+            <a:r>
+              <a:rPr lang="zh-CN" altLang="en-US"/>
+              <a:t>后端角度</a:t>
+            </a:r>
+            <a:endParaRPr lang="zh-CN" altLang="en-US"/>
+          </a:p>
+        </p:txBody>
+      </p:sp>
+      <p:cxnSp>
+        <p:nvCxnSpPr>
+          <p:cNvPr id="59" name="直接连接符 58"/>
+          <p:cNvCxnSpPr/>
+          <p:nvPr/>
+        </p:nvCxnSpPr>
+        <p:spPr>
+          <a:xfrm>
+            <a:off x="1883410" y="4300855"/>
+            <a:ext cx="0" cy="367030"/>
+          </a:xfrm>
+          <a:prstGeom prst="line">
+            <a:avLst/>
+          </a:prstGeom>
+        </p:spPr>
+        <p:style>
+          <a:lnRef idx="1">
+            <a:schemeClr val="accent1"/>
+          </a:lnRef>
+          <a:fillRef idx="0">
+            <a:schemeClr val="accent1"/>
+          </a:fillRef>
+          <a:effectRef idx="0">
+            <a:schemeClr val="accent1"/>
+          </a:effectRef>
+          <a:fontRef idx="minor">
+            <a:schemeClr val="tx1"/>
+          </a:fontRef>
+        </p:style>
+      </p:cxnSp>
+      <p:cxnSp>
+        <p:nvCxnSpPr>
+          <p:cNvPr id="60" name="直接连接符 59"/>
+          <p:cNvCxnSpPr/>
+          <p:nvPr/>
+        </p:nvCxnSpPr>
+        <p:spPr>
+          <a:xfrm flipH="1" flipV="1">
+            <a:off x="2629535" y="4212590"/>
+            <a:ext cx="50800" cy="442595"/>
+          </a:xfrm>
+          <a:prstGeom prst="line">
+            <a:avLst/>
+          </a:prstGeom>
+        </p:spPr>
+        <p:style>
+          <a:lnRef idx="1">
+            <a:schemeClr val="accent1"/>
+          </a:lnRef>
+          <a:fillRef idx="0">
+            <a:schemeClr val="accent1"/>
+          </a:fillRef>
+          <a:effectRef idx="0">
+            <a:schemeClr val="accent1"/>
+          </a:effectRef>
+          <a:fontRef idx="minor">
+            <a:schemeClr val="tx1"/>
+          </a:fontRef>
+        </p:style>
+      </p:cxnSp>
+    </p:spTree>
+  </p:cSld>
+  <p:clrMapOvr>
+    <a:masterClrMapping/>
+  </p:clrMapOvr>
+</p:sld>
+</file>
+
+<file path=ppt/slides/slide9.xml><?xml version="1.0" encoding="utf-8"?>
 <p:sld xmlns:a="http://schemas.openxmlformats.org/drawingml/2006/main" xmlns:r="http://schemas.openxmlformats.org/officeDocument/2006/relationships" xmlns:p="http://schemas.openxmlformats.org/presentationml/2006/main">
   <p:cSld>
     <p:spTree>
